--- a/lecturer/20150605.pptx
+++ b/lecturer/20150605.pptx
@@ -6,6 +6,20 @@
   </p:sldMasterIdLst>
   <p:sldIdLst>
     <p:sldId id="256" r:id="rId2"/>
+    <p:sldId id="257" r:id="rId3"/>
+    <p:sldId id="258" r:id="rId4"/>
+    <p:sldId id="259" r:id="rId5"/>
+    <p:sldId id="260" r:id="rId6"/>
+    <p:sldId id="261" r:id="rId7"/>
+    <p:sldId id="262" r:id="rId8"/>
+    <p:sldId id="263" r:id="rId9"/>
+    <p:sldId id="264" r:id="rId10"/>
+    <p:sldId id="265" r:id="rId11"/>
+    <p:sldId id="266" r:id="rId12"/>
+    <p:sldId id="267" r:id="rId13"/>
+    <p:sldId id="268" r:id="rId14"/>
+    <p:sldId id="269" r:id="rId15"/>
+    <p:sldId id="270" r:id="rId16"/>
   </p:sldIdLst>
   <p:sldSz cx="12192000" cy="6858000"/>
   <p:notesSz cx="6858000" cy="9144000"/>
@@ -2964,10 +2978,5865 @@
           <a:chExt cx="0" cy="0"/>
         </a:xfrm>
       </p:grpSpPr>
+      <p:sp>
+        <p:nvSpPr>
+          <p:cNvPr id="7" name="직사각형 6"/>
+          <p:cNvSpPr/>
+          <p:nvPr/>
+        </p:nvSpPr>
+        <p:spPr>
+          <a:xfrm>
+            <a:off x="1995947" y="408040"/>
+            <a:ext cx="1917290" cy="2674374"/>
+          </a:xfrm>
+          <a:prstGeom prst="rect">
+            <a:avLst/>
+          </a:prstGeom>
+          <a:solidFill>
+            <a:srgbClr val="FFFF00"/>
+          </a:solidFill>
+        </p:spPr>
+        <p:style>
+          <a:lnRef idx="2">
+            <a:schemeClr val="accent1">
+              <a:shade val="50000"/>
+            </a:schemeClr>
+          </a:lnRef>
+          <a:fillRef idx="1">
+            <a:schemeClr val="accent1"/>
+          </a:fillRef>
+          <a:effectRef idx="0">
+            <a:schemeClr val="accent1"/>
+          </a:effectRef>
+          <a:fontRef idx="minor">
+            <a:schemeClr val="lt1"/>
+          </a:fontRef>
+        </p:style>
+        <p:txBody>
+          <a:bodyPr rot="0" spcFirstLastPara="0" vertOverflow="overflow" horzOverflow="overflow" vert="horz" wrap="square" lIns="91440" tIns="45720" rIns="91440" bIns="45720" numCol="1" spcCol="0" rtlCol="0" fromWordArt="0" anchor="ctr" anchorCtr="0" forceAA="0" compatLnSpc="1">
+            <a:prstTxWarp prst="textNoShape">
+              <a:avLst/>
+            </a:prstTxWarp>
+            <a:noAutofit/>
+          </a:bodyPr>
+          <a:lstStyle/>
+          <a:p>
+            <a:pPr algn="ctr"/>
+            <a:endParaRPr lang="ko-KR" altLang="en-US" sz="2000">
+              <a:solidFill>
+                <a:schemeClr val="tx1"/>
+              </a:solidFill>
+              <a:latin typeface="나눔고딕코딩" panose="020D0009000000000000" pitchFamily="49" charset="-127"/>
+              <a:ea typeface="나눔고딕코딩" panose="020D0009000000000000" pitchFamily="49" charset="-127"/>
+            </a:endParaRPr>
+          </a:p>
+        </p:txBody>
+      </p:sp>
+      <p:cxnSp>
+        <p:nvCxnSpPr>
+          <p:cNvPr id="9" name="직선 연결선 8"/>
+          <p:cNvCxnSpPr/>
+          <p:nvPr/>
+        </p:nvCxnSpPr>
+        <p:spPr>
+          <a:xfrm>
+            <a:off x="344129" y="3411794"/>
+            <a:ext cx="10599152" cy="0"/>
+          </a:xfrm>
+          <a:prstGeom prst="line">
+            <a:avLst/>
+          </a:prstGeom>
+        </p:spPr>
+        <p:style>
+          <a:lnRef idx="3">
+            <a:schemeClr val="dk1"/>
+          </a:lnRef>
+          <a:fillRef idx="0">
+            <a:schemeClr val="dk1"/>
+          </a:fillRef>
+          <a:effectRef idx="2">
+            <a:schemeClr val="dk1"/>
+          </a:effectRef>
+          <a:fontRef idx="minor">
+            <a:schemeClr val="tx1"/>
+          </a:fontRef>
+        </p:style>
+      </p:cxnSp>
+      <p:sp>
+        <p:nvSpPr>
+          <p:cNvPr id="10" name="TextBox 9"/>
+          <p:cNvSpPr txBox="1"/>
+          <p:nvPr/>
+        </p:nvSpPr>
+        <p:spPr>
+          <a:xfrm>
+            <a:off x="10107559" y="2939845"/>
+            <a:ext cx="697627" cy="400110"/>
+          </a:xfrm>
+          <a:prstGeom prst="rect">
+            <a:avLst/>
+          </a:prstGeom>
+          <a:noFill/>
+        </p:spPr>
+        <p:txBody>
+          <a:bodyPr wrap="none" rtlCol="0">
+            <a:spAutoFit/>
+          </a:bodyPr>
+          <a:lstStyle/>
+          <a:p>
+            <a:r>
+              <a:rPr lang="en-US" altLang="ko-KR" sz="2000" smtClean="0">
+                <a:latin typeface="나눔고딕코딩" panose="020D0009000000000000" pitchFamily="49" charset="-127"/>
+                <a:ea typeface="나눔고딕코딩" panose="020D0009000000000000" pitchFamily="49" charset="-127"/>
+              </a:rPr>
+              <a:t>Java</a:t>
+            </a:r>
+            <a:endParaRPr lang="ko-KR" altLang="en-US" sz="2000" smtClean="0">
+              <a:latin typeface="나눔고딕코딩" panose="020D0009000000000000" pitchFamily="49" charset="-127"/>
+              <a:ea typeface="나눔고딕코딩" panose="020D0009000000000000" pitchFamily="49" charset="-127"/>
+            </a:endParaRPr>
+          </a:p>
+        </p:txBody>
+      </p:sp>
+      <p:sp>
+        <p:nvSpPr>
+          <p:cNvPr id="11" name="TextBox 10"/>
+          <p:cNvSpPr txBox="1"/>
+          <p:nvPr/>
+        </p:nvSpPr>
+        <p:spPr>
+          <a:xfrm>
+            <a:off x="10107559" y="3483634"/>
+            <a:ext cx="825867" cy="400110"/>
+          </a:xfrm>
+          <a:prstGeom prst="rect">
+            <a:avLst/>
+          </a:prstGeom>
+          <a:noFill/>
+        </p:spPr>
+        <p:txBody>
+          <a:bodyPr wrap="none" rtlCol="0">
+            <a:spAutoFit/>
+          </a:bodyPr>
+          <a:lstStyle/>
+          <a:p>
+            <a:r>
+              <a:rPr lang="en-US" altLang="ko-KR" sz="2000" smtClean="0">
+                <a:latin typeface="나눔고딕코딩" panose="020D0009000000000000" pitchFamily="49" charset="-127"/>
+                <a:ea typeface="나눔고딕코딩" panose="020D0009000000000000" pitchFamily="49" charset="-127"/>
+              </a:rPr>
+              <a:t>C/C++</a:t>
+            </a:r>
+            <a:endParaRPr lang="ko-KR" altLang="en-US" sz="2000" smtClean="0">
+              <a:latin typeface="나눔고딕코딩" panose="020D0009000000000000" pitchFamily="49" charset="-127"/>
+              <a:ea typeface="나눔고딕코딩" panose="020D0009000000000000" pitchFamily="49" charset="-127"/>
+            </a:endParaRPr>
+          </a:p>
+        </p:txBody>
+      </p:sp>
+      <p:sp>
+        <p:nvSpPr>
+          <p:cNvPr id="13" name="TextBox 12"/>
+          <p:cNvSpPr txBox="1"/>
+          <p:nvPr/>
+        </p:nvSpPr>
+        <p:spPr>
+          <a:xfrm>
+            <a:off x="10943281" y="3153142"/>
+            <a:ext cx="569387" cy="400110"/>
+          </a:xfrm>
+          <a:prstGeom prst="rect">
+            <a:avLst/>
+          </a:prstGeom>
+          <a:noFill/>
+        </p:spPr>
+        <p:txBody>
+          <a:bodyPr wrap="none" rtlCol="0">
+            <a:spAutoFit/>
+          </a:bodyPr>
+          <a:lstStyle/>
+          <a:p>
+            <a:r>
+              <a:rPr lang="en-US" altLang="ko-KR" sz="2000" smtClean="0">
+                <a:latin typeface="나눔고딕코딩" panose="020D0009000000000000" pitchFamily="49" charset="-127"/>
+                <a:ea typeface="나눔고딕코딩" panose="020D0009000000000000" pitchFamily="49" charset="-127"/>
+              </a:rPr>
+              <a:t>JNI</a:t>
+            </a:r>
+            <a:endParaRPr lang="ko-KR" altLang="en-US" sz="2000" smtClean="0">
+              <a:latin typeface="나눔고딕코딩" panose="020D0009000000000000" pitchFamily="49" charset="-127"/>
+              <a:ea typeface="나눔고딕코딩" panose="020D0009000000000000" pitchFamily="49" charset="-127"/>
+            </a:endParaRPr>
+          </a:p>
+        </p:txBody>
+      </p:sp>
+      <p:sp>
+        <p:nvSpPr>
+          <p:cNvPr id="14" name="모서리가 둥근 직사각형 13"/>
+          <p:cNvSpPr/>
+          <p:nvPr/>
+        </p:nvSpPr>
+        <p:spPr>
+          <a:xfrm>
+            <a:off x="1769805" y="4070555"/>
+            <a:ext cx="2222092" cy="1553497"/>
+          </a:xfrm>
+          <a:prstGeom prst="roundRect">
+            <a:avLst/>
+          </a:prstGeom>
+          <a:solidFill>
+            <a:srgbClr val="FFFF00"/>
+          </a:solidFill>
+        </p:spPr>
+        <p:style>
+          <a:lnRef idx="2">
+            <a:schemeClr val="accent1">
+              <a:shade val="50000"/>
+            </a:schemeClr>
+          </a:lnRef>
+          <a:fillRef idx="1">
+            <a:schemeClr val="accent1"/>
+          </a:fillRef>
+          <a:effectRef idx="0">
+            <a:schemeClr val="accent1"/>
+          </a:effectRef>
+          <a:fontRef idx="minor">
+            <a:schemeClr val="lt1"/>
+          </a:fontRef>
+        </p:style>
+        <p:txBody>
+          <a:bodyPr rot="0" spcFirstLastPara="0" vertOverflow="overflow" horzOverflow="overflow" vert="horz" wrap="square" lIns="91440" tIns="45720" rIns="91440" bIns="45720" numCol="1" spcCol="0" rtlCol="0" fromWordArt="0" anchor="ctr" anchorCtr="0" forceAA="0" compatLnSpc="1">
+            <a:prstTxWarp prst="textNoShape">
+              <a:avLst/>
+            </a:prstTxWarp>
+            <a:noAutofit/>
+          </a:bodyPr>
+          <a:lstStyle/>
+          <a:p>
+            <a:pPr algn="ctr"/>
+            <a:r>
+              <a:rPr lang="en-US" altLang="ko-KR" sz="2000" smtClean="0">
+                <a:solidFill>
+                  <a:schemeClr val="tx1"/>
+                </a:solidFill>
+                <a:latin typeface="나눔고딕코딩" panose="020D0009000000000000" pitchFamily="49" charset="-127"/>
+                <a:ea typeface="나눔고딕코딩" panose="020D0009000000000000" pitchFamily="49" charset="-127"/>
+              </a:rPr>
+              <a:t>libacklight.so</a:t>
+            </a:r>
+            <a:endParaRPr lang="ko-KR" altLang="en-US" sz="2000">
+              <a:solidFill>
+                <a:schemeClr val="tx1"/>
+              </a:solidFill>
+              <a:latin typeface="나눔고딕코딩" panose="020D0009000000000000" pitchFamily="49" charset="-127"/>
+              <a:ea typeface="나눔고딕코딩" panose="020D0009000000000000" pitchFamily="49" charset="-127"/>
+            </a:endParaRPr>
+          </a:p>
+        </p:txBody>
+      </p:sp>
+      <p:sp>
+        <p:nvSpPr>
+          <p:cNvPr id="15" name="직사각형 14"/>
+          <p:cNvSpPr/>
+          <p:nvPr/>
+        </p:nvSpPr>
+        <p:spPr>
+          <a:xfrm>
+            <a:off x="7354529" y="4070555"/>
+            <a:ext cx="2576050" cy="1527408"/>
+          </a:xfrm>
+          <a:prstGeom prst="rect">
+            <a:avLst/>
+          </a:prstGeom>
+          <a:solidFill>
+            <a:srgbClr val="FFFF00"/>
+          </a:solidFill>
+        </p:spPr>
+        <p:style>
+          <a:lnRef idx="2">
+            <a:schemeClr val="accent1">
+              <a:shade val="50000"/>
+            </a:schemeClr>
+          </a:lnRef>
+          <a:fillRef idx="1">
+            <a:schemeClr val="accent1"/>
+          </a:fillRef>
+          <a:effectRef idx="0">
+            <a:schemeClr val="accent1"/>
+          </a:effectRef>
+          <a:fontRef idx="minor">
+            <a:schemeClr val="lt1"/>
+          </a:fontRef>
+        </p:style>
+        <p:txBody>
+          <a:bodyPr rot="0" spcFirstLastPara="0" vertOverflow="overflow" horzOverflow="overflow" vert="horz" wrap="square" lIns="91440" tIns="45720" rIns="91440" bIns="45720" numCol="1" spcCol="0" rtlCol="0" fromWordArt="0" anchor="ctr" anchorCtr="0" forceAA="0" compatLnSpc="1">
+            <a:prstTxWarp prst="textNoShape">
+              <a:avLst/>
+            </a:prstTxWarp>
+            <a:noAutofit/>
+          </a:bodyPr>
+          <a:lstStyle/>
+          <a:p>
+            <a:pPr algn="ctr"/>
+            <a:r>
+              <a:rPr lang="en-US" altLang="ko-KR" sz="2000" smtClean="0">
+                <a:solidFill>
+                  <a:schemeClr val="tx1"/>
+                </a:solidFill>
+                <a:latin typeface="나눔고딕코딩" panose="020D0009000000000000" pitchFamily="49" charset="-127"/>
+                <a:ea typeface="나눔고딕코딩" panose="020D0009000000000000" pitchFamily="49" charset="-127"/>
+              </a:rPr>
+              <a:t>backlight_service</a:t>
+            </a:r>
+            <a:endParaRPr lang="ko-KR" altLang="en-US" sz="2000">
+              <a:solidFill>
+                <a:schemeClr val="tx1"/>
+              </a:solidFill>
+              <a:latin typeface="나눔고딕코딩" panose="020D0009000000000000" pitchFamily="49" charset="-127"/>
+              <a:ea typeface="나눔고딕코딩" panose="020D0009000000000000" pitchFamily="49" charset="-127"/>
+            </a:endParaRPr>
+          </a:p>
+        </p:txBody>
+      </p:sp>
+      <p:sp>
+        <p:nvSpPr>
+          <p:cNvPr id="16" name="직사각형 15"/>
+          <p:cNvSpPr/>
+          <p:nvPr/>
+        </p:nvSpPr>
+        <p:spPr>
+          <a:xfrm>
+            <a:off x="1474839" y="157316"/>
+            <a:ext cx="2920180" cy="5820697"/>
+          </a:xfrm>
+          <a:prstGeom prst="rect">
+            <a:avLst/>
+          </a:prstGeom>
+          <a:noFill/>
+          <a:ln w="38100">
+            <a:solidFill>
+              <a:srgbClr val="FF0000"/>
+            </a:solidFill>
+          </a:ln>
+        </p:spPr>
+        <p:style>
+          <a:lnRef idx="2">
+            <a:schemeClr val="accent1">
+              <a:shade val="50000"/>
+            </a:schemeClr>
+          </a:lnRef>
+          <a:fillRef idx="1">
+            <a:schemeClr val="accent1"/>
+          </a:fillRef>
+          <a:effectRef idx="0">
+            <a:schemeClr val="accent1"/>
+          </a:effectRef>
+          <a:fontRef idx="minor">
+            <a:schemeClr val="lt1"/>
+          </a:fontRef>
+        </p:style>
+        <p:txBody>
+          <a:bodyPr rot="0" spcFirstLastPara="0" vertOverflow="overflow" horzOverflow="overflow" vert="horz" wrap="square" lIns="91440" tIns="45720" rIns="91440" bIns="45720" numCol="1" spcCol="0" rtlCol="0" fromWordArt="0" anchor="ctr" anchorCtr="0" forceAA="0" compatLnSpc="1">
+            <a:prstTxWarp prst="textNoShape">
+              <a:avLst/>
+            </a:prstTxWarp>
+            <a:noAutofit/>
+          </a:bodyPr>
+          <a:lstStyle/>
+          <a:p>
+            <a:pPr algn="ctr"/>
+            <a:endParaRPr lang="ko-KR" altLang="en-US" sz="2000">
+              <a:solidFill>
+                <a:schemeClr val="tx1"/>
+              </a:solidFill>
+              <a:latin typeface="나눔고딕코딩" panose="020D0009000000000000" pitchFamily="49" charset="-127"/>
+              <a:ea typeface="나눔고딕코딩" panose="020D0009000000000000" pitchFamily="49" charset="-127"/>
+            </a:endParaRPr>
+          </a:p>
+        </p:txBody>
+      </p:sp>
+      <p:sp>
+        <p:nvSpPr>
+          <p:cNvPr id="17" name="TextBox 16"/>
+          <p:cNvSpPr txBox="1"/>
+          <p:nvPr/>
+        </p:nvSpPr>
+        <p:spPr>
+          <a:xfrm>
+            <a:off x="-209384" y="304800"/>
+            <a:ext cx="1723549" cy="400110"/>
+          </a:xfrm>
+          <a:prstGeom prst="rect">
+            <a:avLst/>
+          </a:prstGeom>
+          <a:noFill/>
+        </p:spPr>
+        <p:txBody>
+          <a:bodyPr wrap="none" rtlCol="0">
+            <a:spAutoFit/>
+          </a:bodyPr>
+          <a:lstStyle/>
+          <a:p>
+            <a:r>
+              <a:rPr lang="en-US" altLang="ko-KR" sz="2000" smtClean="0">
+                <a:latin typeface="나눔고딕코딩" panose="020D0009000000000000" pitchFamily="49" charset="-127"/>
+                <a:ea typeface="나눔고딕코딩" panose="020D0009000000000000" pitchFamily="49" charset="-127"/>
+              </a:rPr>
+              <a:t>BacklightApp</a:t>
+            </a:r>
+            <a:endParaRPr lang="ko-KR" altLang="en-US" sz="2000" smtClean="0">
+              <a:latin typeface="나눔고딕코딩" panose="020D0009000000000000" pitchFamily="49" charset="-127"/>
+              <a:ea typeface="나눔고딕코딩" panose="020D0009000000000000" pitchFamily="49" charset="-127"/>
+            </a:endParaRPr>
+          </a:p>
+        </p:txBody>
+      </p:sp>
+      <p:sp>
+        <p:nvSpPr>
+          <p:cNvPr id="18" name="직사각형 17"/>
+          <p:cNvSpPr/>
+          <p:nvPr/>
+        </p:nvSpPr>
+        <p:spPr>
+          <a:xfrm>
+            <a:off x="2084439" y="704910"/>
+            <a:ext cx="1730477" cy="435632"/>
+          </a:xfrm>
+          <a:prstGeom prst="rect">
+            <a:avLst/>
+          </a:prstGeom>
+          <a:solidFill>
+            <a:schemeClr val="bg1">
+              <a:lumMod val="85000"/>
+            </a:schemeClr>
+          </a:solidFill>
+        </p:spPr>
+        <p:style>
+          <a:lnRef idx="2">
+            <a:schemeClr val="accent1">
+              <a:shade val="50000"/>
+            </a:schemeClr>
+          </a:lnRef>
+          <a:fillRef idx="1">
+            <a:schemeClr val="accent1"/>
+          </a:fillRef>
+          <a:effectRef idx="0">
+            <a:schemeClr val="accent1"/>
+          </a:effectRef>
+          <a:fontRef idx="minor">
+            <a:schemeClr val="lt1"/>
+          </a:fontRef>
+        </p:style>
+        <p:txBody>
+          <a:bodyPr rot="0" spcFirstLastPara="0" vertOverflow="overflow" horzOverflow="overflow" vert="horz" wrap="square" lIns="91440" tIns="45720" rIns="91440" bIns="45720" numCol="1" spcCol="0" rtlCol="0" fromWordArt="0" anchor="ctr" anchorCtr="0" forceAA="0" compatLnSpc="1">
+            <a:prstTxWarp prst="textNoShape">
+              <a:avLst/>
+            </a:prstTxWarp>
+            <a:noAutofit/>
+          </a:bodyPr>
+          <a:lstStyle/>
+          <a:p>
+            <a:pPr algn="ctr"/>
+            <a:r>
+              <a:rPr lang="en-US" altLang="ko-KR" sz="2000" smtClean="0">
+                <a:solidFill>
+                  <a:schemeClr val="tx1"/>
+                </a:solidFill>
+                <a:latin typeface="나눔고딕코딩" panose="020D0009000000000000" pitchFamily="49" charset="-127"/>
+                <a:ea typeface="나눔고딕코딩" panose="020D0009000000000000" pitchFamily="49" charset="-127"/>
+              </a:rPr>
+              <a:t>ON</a:t>
+            </a:r>
+            <a:endParaRPr lang="ko-KR" altLang="en-US" sz="2000">
+              <a:solidFill>
+                <a:schemeClr val="tx1"/>
+              </a:solidFill>
+              <a:latin typeface="나눔고딕코딩" panose="020D0009000000000000" pitchFamily="49" charset="-127"/>
+              <a:ea typeface="나눔고딕코딩" panose="020D0009000000000000" pitchFamily="49" charset="-127"/>
+            </a:endParaRPr>
+          </a:p>
+        </p:txBody>
+      </p:sp>
+      <p:sp>
+        <p:nvSpPr>
+          <p:cNvPr id="19" name="직사각형 18"/>
+          <p:cNvSpPr/>
+          <p:nvPr/>
+        </p:nvSpPr>
+        <p:spPr>
+          <a:xfrm>
+            <a:off x="7157884" y="6105832"/>
+            <a:ext cx="3362608" cy="521110"/>
+          </a:xfrm>
+          <a:prstGeom prst="rect">
+            <a:avLst/>
+          </a:prstGeom>
+          <a:solidFill>
+            <a:srgbClr val="FFFF00"/>
+          </a:solidFill>
+        </p:spPr>
+        <p:style>
+          <a:lnRef idx="2">
+            <a:schemeClr val="accent1">
+              <a:shade val="50000"/>
+            </a:schemeClr>
+          </a:lnRef>
+          <a:fillRef idx="1">
+            <a:schemeClr val="accent1"/>
+          </a:fillRef>
+          <a:effectRef idx="0">
+            <a:schemeClr val="accent1"/>
+          </a:effectRef>
+          <a:fontRef idx="minor">
+            <a:schemeClr val="lt1"/>
+          </a:fontRef>
+        </p:style>
+        <p:txBody>
+          <a:bodyPr rot="0" spcFirstLastPara="0" vertOverflow="overflow" horzOverflow="overflow" vert="horz" wrap="square" lIns="91440" tIns="45720" rIns="91440" bIns="45720" numCol="1" spcCol="0" rtlCol="0" fromWordArt="0" anchor="ctr" anchorCtr="0" forceAA="0" compatLnSpc="1">
+            <a:prstTxWarp prst="textNoShape">
+              <a:avLst/>
+            </a:prstTxWarp>
+            <a:noAutofit/>
+          </a:bodyPr>
+          <a:lstStyle/>
+          <a:p>
+            <a:pPr algn="ctr"/>
+            <a:r>
+              <a:rPr lang="en-US" altLang="ko-KR" sz="2000" smtClean="0">
+                <a:solidFill>
+                  <a:schemeClr val="tx1"/>
+                </a:solidFill>
+                <a:latin typeface="나눔고딕코딩" panose="020D0009000000000000" pitchFamily="49" charset="-127"/>
+                <a:ea typeface="나눔고딕코딩" panose="020D0009000000000000" pitchFamily="49" charset="-127"/>
+              </a:rPr>
+              <a:t>/dev/.../backlight</a:t>
+            </a:r>
+            <a:endParaRPr lang="ko-KR" altLang="en-US" sz="2000">
+              <a:solidFill>
+                <a:schemeClr val="tx1"/>
+              </a:solidFill>
+              <a:latin typeface="나눔고딕코딩" panose="020D0009000000000000" pitchFamily="49" charset="-127"/>
+              <a:ea typeface="나눔고딕코딩" panose="020D0009000000000000" pitchFamily="49" charset="-127"/>
+            </a:endParaRPr>
+          </a:p>
+        </p:txBody>
+      </p:sp>
+      <p:cxnSp>
+        <p:nvCxnSpPr>
+          <p:cNvPr id="23" name="꺾인 연결선 22"/>
+          <p:cNvCxnSpPr>
+            <a:stCxn id="15" idx="2"/>
+            <a:endCxn id="19" idx="0"/>
+          </p:cNvCxnSpPr>
+          <p:nvPr/>
+        </p:nvCxnSpPr>
+        <p:spPr>
+          <a:xfrm rot="16200000" flipH="1">
+            <a:off x="8486937" y="5753580"/>
+            <a:ext cx="507869" cy="196634"/>
+          </a:xfrm>
+          <a:prstGeom prst="bentConnector3">
+            <a:avLst/>
+          </a:prstGeom>
+          <a:ln>
+            <a:tailEnd type="triangle"/>
+          </a:ln>
+        </p:spPr>
+        <p:style>
+          <a:lnRef idx="3">
+            <a:schemeClr val="dk1"/>
+          </a:lnRef>
+          <a:fillRef idx="0">
+            <a:schemeClr val="dk1"/>
+          </a:fillRef>
+          <a:effectRef idx="2">
+            <a:schemeClr val="dk1"/>
+          </a:effectRef>
+          <a:fontRef idx="minor">
+            <a:schemeClr val="tx1"/>
+          </a:fontRef>
+        </p:style>
+      </p:cxnSp>
+      <p:cxnSp>
+        <p:nvCxnSpPr>
+          <p:cNvPr id="25" name="꺾인 연결선 24"/>
+          <p:cNvCxnSpPr>
+            <a:stCxn id="7" idx="2"/>
+            <a:endCxn id="14" idx="0"/>
+          </p:cNvCxnSpPr>
+          <p:nvPr/>
+        </p:nvCxnSpPr>
+        <p:spPr>
+          <a:xfrm rot="5400000">
+            <a:off x="2423652" y="3539614"/>
+            <a:ext cx="988141" cy="73741"/>
+          </a:xfrm>
+          <a:prstGeom prst="bentConnector3">
+            <a:avLst/>
+          </a:prstGeom>
+          <a:ln>
+            <a:tailEnd type="triangle"/>
+          </a:ln>
+        </p:spPr>
+        <p:style>
+          <a:lnRef idx="3">
+            <a:schemeClr val="dk1"/>
+          </a:lnRef>
+          <a:fillRef idx="0">
+            <a:schemeClr val="dk1"/>
+          </a:fillRef>
+          <a:effectRef idx="2">
+            <a:schemeClr val="dk1"/>
+          </a:effectRef>
+          <a:fontRef idx="minor">
+            <a:schemeClr val="tx1"/>
+          </a:fontRef>
+        </p:style>
+      </p:cxnSp>
+      <p:cxnSp>
+        <p:nvCxnSpPr>
+          <p:cNvPr id="26" name="꺾인 연결선 25"/>
+          <p:cNvCxnSpPr>
+            <a:stCxn id="14" idx="3"/>
+            <a:endCxn id="15" idx="1"/>
+          </p:cNvCxnSpPr>
+          <p:nvPr/>
+        </p:nvCxnSpPr>
+        <p:spPr>
+          <a:xfrm flipV="1">
+            <a:off x="3991897" y="4834259"/>
+            <a:ext cx="3362632" cy="13045"/>
+          </a:xfrm>
+          <a:prstGeom prst="bentConnector3">
+            <a:avLst/>
+          </a:prstGeom>
+          <a:ln>
+            <a:tailEnd type="triangle"/>
+          </a:ln>
+        </p:spPr>
+        <p:style>
+          <a:lnRef idx="3">
+            <a:schemeClr val="dk1"/>
+          </a:lnRef>
+          <a:fillRef idx="0">
+            <a:schemeClr val="dk1"/>
+          </a:fillRef>
+          <a:effectRef idx="2">
+            <a:schemeClr val="dk1"/>
+          </a:effectRef>
+          <a:fontRef idx="minor">
+            <a:schemeClr val="tx1"/>
+          </a:fontRef>
+        </p:style>
+      </p:cxnSp>
+      <p:sp>
+        <p:nvSpPr>
+          <p:cNvPr id="29" name="직사각형 28"/>
+          <p:cNvSpPr/>
+          <p:nvPr/>
+        </p:nvSpPr>
+        <p:spPr>
+          <a:xfrm>
+            <a:off x="6951407" y="3883744"/>
+            <a:ext cx="3755922" cy="2974256"/>
+          </a:xfrm>
+          <a:prstGeom prst="rect">
+            <a:avLst/>
+          </a:prstGeom>
+          <a:noFill/>
+          <a:ln w="38100">
+            <a:solidFill>
+              <a:srgbClr val="FF0000"/>
+            </a:solidFill>
+          </a:ln>
+        </p:spPr>
+        <p:style>
+          <a:lnRef idx="2">
+            <a:schemeClr val="accent1">
+              <a:shade val="50000"/>
+            </a:schemeClr>
+          </a:lnRef>
+          <a:fillRef idx="1">
+            <a:schemeClr val="accent1"/>
+          </a:fillRef>
+          <a:effectRef idx="0">
+            <a:schemeClr val="accent1"/>
+          </a:effectRef>
+          <a:fontRef idx="minor">
+            <a:schemeClr val="lt1"/>
+          </a:fontRef>
+        </p:style>
+        <p:txBody>
+          <a:bodyPr rot="0" spcFirstLastPara="0" vertOverflow="overflow" horzOverflow="overflow" vert="horz" wrap="square" lIns="91440" tIns="45720" rIns="91440" bIns="45720" numCol="1" spcCol="0" rtlCol="0" fromWordArt="0" anchor="ctr" anchorCtr="0" forceAA="0" compatLnSpc="1">
+            <a:prstTxWarp prst="textNoShape">
+              <a:avLst/>
+            </a:prstTxWarp>
+            <a:noAutofit/>
+          </a:bodyPr>
+          <a:lstStyle/>
+          <a:p>
+            <a:pPr algn="ctr"/>
+            <a:endParaRPr lang="ko-KR" altLang="en-US" sz="2000">
+              <a:solidFill>
+                <a:schemeClr val="tx1"/>
+              </a:solidFill>
+              <a:latin typeface="나눔고딕코딩" panose="020D0009000000000000" pitchFamily="49" charset="-127"/>
+              <a:ea typeface="나눔고딕코딩" panose="020D0009000000000000" pitchFamily="49" charset="-127"/>
+            </a:endParaRPr>
+          </a:p>
+        </p:txBody>
+      </p:sp>
+      <p:sp>
+        <p:nvSpPr>
+          <p:cNvPr id="30" name="TextBox 29"/>
+          <p:cNvSpPr txBox="1"/>
+          <p:nvPr/>
+        </p:nvSpPr>
+        <p:spPr>
+          <a:xfrm>
+            <a:off x="6919005" y="3416511"/>
+            <a:ext cx="2364750" cy="400110"/>
+          </a:xfrm>
+          <a:prstGeom prst="rect">
+            <a:avLst/>
+          </a:prstGeom>
+          <a:noFill/>
+        </p:spPr>
+        <p:txBody>
+          <a:bodyPr wrap="none" rtlCol="0">
+            <a:spAutoFit/>
+          </a:bodyPr>
+          <a:lstStyle/>
+          <a:p>
+            <a:r>
+              <a:rPr lang="en-US" altLang="ko-KR" sz="2000" smtClean="0">
+                <a:solidFill>
+                  <a:schemeClr val="tx1"/>
+                </a:solidFill>
+                <a:latin typeface="나눔고딕코딩" panose="020D0009000000000000" pitchFamily="49" charset="-127"/>
+                <a:ea typeface="나눔고딕코딩" panose="020D0009000000000000" pitchFamily="49" charset="-127"/>
+              </a:rPr>
+              <a:t>backlight_service</a:t>
+            </a:r>
+            <a:endParaRPr lang="ko-KR" altLang="en-US" sz="2000" smtClean="0">
+              <a:latin typeface="나눔고딕코딩" panose="020D0009000000000000" pitchFamily="49" charset="-127"/>
+              <a:ea typeface="나눔고딕코딩" panose="020D0009000000000000" pitchFamily="49" charset="-127"/>
+            </a:endParaRPr>
+          </a:p>
+        </p:txBody>
+      </p:sp>
+      <p:sp>
+        <p:nvSpPr>
+          <p:cNvPr id="31" name="TextBox 30"/>
+          <p:cNvSpPr txBox="1"/>
+          <p:nvPr/>
+        </p:nvSpPr>
+        <p:spPr>
+          <a:xfrm>
+            <a:off x="4586657" y="4980594"/>
+            <a:ext cx="2364750" cy="400110"/>
+          </a:xfrm>
+          <a:prstGeom prst="rect">
+            <a:avLst/>
+          </a:prstGeom>
+          <a:noFill/>
+        </p:spPr>
+        <p:txBody>
+          <a:bodyPr wrap="none" rtlCol="0">
+            <a:spAutoFit/>
+          </a:bodyPr>
+          <a:lstStyle/>
+          <a:p>
+            <a:r>
+              <a:rPr lang="en-US" altLang="ko-KR" sz="2000" smtClean="0">
+                <a:latin typeface="나눔고딕코딩" panose="020D0009000000000000" pitchFamily="49" charset="-127"/>
+                <a:ea typeface="나눔고딕코딩" panose="020D0009000000000000" pitchFamily="49" charset="-127"/>
+              </a:rPr>
+              <a:t> binder in Kernel</a:t>
+            </a:r>
+            <a:endParaRPr lang="ko-KR" altLang="en-US" sz="2000" smtClean="0">
+              <a:latin typeface="나눔고딕코딩" panose="020D0009000000000000" pitchFamily="49" charset="-127"/>
+              <a:ea typeface="나눔고딕코딩" panose="020D0009000000000000" pitchFamily="49" charset="-127"/>
+            </a:endParaRPr>
+          </a:p>
+        </p:txBody>
+      </p:sp>
+      <p:sp>
+        <p:nvSpPr>
+          <p:cNvPr id="32" name="TextBox 31"/>
+          <p:cNvSpPr txBox="1"/>
+          <p:nvPr/>
+        </p:nvSpPr>
+        <p:spPr>
+          <a:xfrm>
+            <a:off x="5528415" y="4282107"/>
+            <a:ext cx="312906" cy="400110"/>
+          </a:xfrm>
+          <a:prstGeom prst="rect">
+            <a:avLst/>
+          </a:prstGeom>
+          <a:noFill/>
+        </p:spPr>
+        <p:txBody>
+          <a:bodyPr wrap="none" rtlCol="0">
+            <a:spAutoFit/>
+          </a:bodyPr>
+          <a:lstStyle/>
+          <a:p>
+            <a:r>
+              <a:rPr lang="en-US" altLang="ko-KR" sz="2000" b="1" smtClean="0">
+                <a:latin typeface="나눔고딕코딩" panose="020D0009000000000000" pitchFamily="49" charset="-127"/>
+                <a:ea typeface="나눔고딕코딩" panose="020D0009000000000000" pitchFamily="49" charset="-127"/>
+              </a:rPr>
+              <a:t>1</a:t>
+            </a:r>
+            <a:endParaRPr lang="ko-KR" altLang="en-US" sz="2000" b="1" smtClean="0">
+              <a:latin typeface="나눔고딕코딩" panose="020D0009000000000000" pitchFamily="49" charset="-127"/>
+              <a:ea typeface="나눔고딕코딩" panose="020D0009000000000000" pitchFamily="49" charset="-127"/>
+            </a:endParaRPr>
+          </a:p>
+        </p:txBody>
+      </p:sp>
     </p:spTree>
     <p:extLst>
       <p:ext uri="{BB962C8B-B14F-4D97-AF65-F5344CB8AC3E}">
         <p14:creationId xmlns:p14="http://schemas.microsoft.com/office/powerpoint/2010/main" val="3958638675"/>
+      </p:ext>
+    </p:extLst>
+  </p:cSld>
+  <p:clrMapOvr>
+    <a:masterClrMapping/>
+  </p:clrMapOvr>
+</p:sld>
+</file>
+
+<file path=ppt/slides/slide10.xml><?xml version="1.0" encoding="utf-8"?>
+<p:sld xmlns:a="http://schemas.openxmlformats.org/drawingml/2006/main" xmlns:r="http://schemas.openxmlformats.org/officeDocument/2006/relationships" xmlns:p="http://schemas.openxmlformats.org/presentationml/2006/main">
+  <p:cSld>
+    <p:spTree>
+      <p:nvGrpSpPr>
+        <p:cNvPr id="1" name=""/>
+        <p:cNvGrpSpPr/>
+        <p:nvPr/>
+      </p:nvGrpSpPr>
+      <p:grpSpPr>
+        <a:xfrm>
+          <a:off x="0" y="0"/>
+          <a:ext cx="0" cy="0"/>
+          <a:chOff x="0" y="0"/>
+          <a:chExt cx="0" cy="0"/>
+        </a:xfrm>
+      </p:grpSpPr>
+      <p:sp>
+        <p:nvSpPr>
+          <p:cNvPr id="4" name="TextBox 3"/>
+          <p:cNvSpPr txBox="1"/>
+          <p:nvPr/>
+        </p:nvSpPr>
+        <p:spPr>
+          <a:xfrm>
+            <a:off x="462116" y="383458"/>
+            <a:ext cx="10572125" cy="3785652"/>
+          </a:xfrm>
+          <a:prstGeom prst="rect">
+            <a:avLst/>
+          </a:prstGeom>
+          <a:noFill/>
+        </p:spPr>
+        <p:txBody>
+          <a:bodyPr wrap="none" rtlCol="0">
+            <a:spAutoFit/>
+          </a:bodyPr>
+          <a:lstStyle/>
+          <a:p>
+            <a:r>
+              <a:rPr lang="en-US" altLang="ko-KR" sz="2000" smtClean="0">
+                <a:latin typeface="나눔고딕코딩" panose="020D0009000000000000" pitchFamily="49" charset="-127"/>
+                <a:ea typeface="나눔고딕코딩" panose="020D0009000000000000" pitchFamily="49" charset="-127"/>
+              </a:rPr>
+              <a:t>5. native_app_glue</a:t>
+            </a:r>
+            <a:r>
+              <a:rPr lang="ko-KR" altLang="en-US" sz="2000">
+                <a:latin typeface="나눔고딕코딩" panose="020D0009000000000000" pitchFamily="49" charset="-127"/>
+                <a:ea typeface="나눔고딕코딩" panose="020D0009000000000000" pitchFamily="49" charset="-127"/>
+              </a:rPr>
+              <a:t> </a:t>
+            </a:r>
+            <a:r>
+              <a:rPr lang="ko-KR" altLang="en-US" sz="2000" smtClean="0">
+                <a:latin typeface="나눔고딕코딩" panose="020D0009000000000000" pitchFamily="49" charset="-127"/>
+                <a:ea typeface="나눔고딕코딩" panose="020D0009000000000000" pitchFamily="49" charset="-127"/>
+              </a:rPr>
+              <a:t>라이브러리를 </a:t>
+            </a:r>
+            <a:r>
+              <a:rPr lang="en-US" altLang="ko-KR" sz="2000" smtClean="0">
+                <a:latin typeface="나눔고딕코딩" panose="020D0009000000000000" pitchFamily="49" charset="-127"/>
+                <a:ea typeface="나눔고딕코딩" panose="020D0009000000000000" pitchFamily="49" charset="-127"/>
+              </a:rPr>
+              <a:t>jni </a:t>
+            </a:r>
+            <a:r>
+              <a:rPr lang="ko-KR" altLang="en-US" sz="2000" smtClean="0">
+                <a:latin typeface="나눔고딕코딩" panose="020D0009000000000000" pitchFamily="49" charset="-127"/>
+                <a:ea typeface="나눔고딕코딩" panose="020D0009000000000000" pitchFamily="49" charset="-127"/>
+              </a:rPr>
+              <a:t>폴더에 복사하세요</a:t>
+            </a:r>
+            <a:r>
+              <a:rPr lang="en-US" altLang="ko-KR" sz="2000" smtClean="0">
+                <a:latin typeface="나눔고딕코딩" panose="020D0009000000000000" pitchFamily="49" charset="-127"/>
+                <a:ea typeface="나눔고딕코딩" panose="020D0009000000000000" pitchFamily="49" charset="-127"/>
+              </a:rPr>
+              <a:t>.</a:t>
+            </a:r>
+          </a:p>
+          <a:p>
+            <a:endParaRPr lang="en-US" altLang="ko-KR" sz="2000">
+              <a:latin typeface="나눔고딕코딩" panose="020D0009000000000000" pitchFamily="49" charset="-127"/>
+              <a:ea typeface="나눔고딕코딩" panose="020D0009000000000000" pitchFamily="49" charset="-127"/>
+            </a:endParaRPr>
+          </a:p>
+          <a:p>
+            <a:r>
+              <a:rPr lang="ko-KR" altLang="en-US" sz="2000" smtClean="0">
+                <a:latin typeface="나눔고딕코딩" panose="020D0009000000000000" pitchFamily="49" charset="-127"/>
+                <a:ea typeface="나눔고딕코딩" panose="020D0009000000000000" pitchFamily="49" charset="-127"/>
+              </a:rPr>
+              <a:t>먼저 </a:t>
+            </a:r>
+            <a:r>
+              <a:rPr lang="en-US" altLang="ko-KR" sz="2000" smtClean="0">
+                <a:latin typeface="나눔고딕코딩" panose="020D0009000000000000" pitchFamily="49" charset="-127"/>
+                <a:ea typeface="나눔고딕코딩" panose="020D0009000000000000" pitchFamily="49" charset="-127"/>
+              </a:rPr>
+              <a:t>glue </a:t>
+            </a:r>
+            <a:r>
+              <a:rPr lang="ko-KR" altLang="en-US" sz="2000" smtClean="0">
+                <a:latin typeface="나눔고딕코딩" panose="020D0009000000000000" pitchFamily="49" charset="-127"/>
+                <a:ea typeface="나눔고딕코딩" panose="020D0009000000000000" pitchFamily="49" charset="-127"/>
+              </a:rPr>
+              <a:t>라이브러리를 찾습니다</a:t>
+            </a:r>
+            <a:r>
+              <a:rPr lang="en-US" altLang="ko-KR" sz="2000" smtClean="0">
+                <a:latin typeface="나눔고딕코딩" panose="020D0009000000000000" pitchFamily="49" charset="-127"/>
+                <a:ea typeface="나눔고딕코딩" panose="020D0009000000000000" pitchFamily="49" charset="-127"/>
+              </a:rPr>
+              <a:t>.</a:t>
+            </a:r>
+          </a:p>
+          <a:p>
+            <a:r>
+              <a:rPr lang="en-US" altLang="ko-KR" sz="2000" smtClean="0">
+                <a:latin typeface="나눔고딕코딩" panose="020D0009000000000000" pitchFamily="49" charset="-127"/>
+                <a:ea typeface="나눔고딕코딩" panose="020D0009000000000000" pitchFamily="49" charset="-127"/>
+              </a:rPr>
+              <a:t>/android-ndk-r10e# find . -name android_native_app_glue.*</a:t>
+            </a:r>
+          </a:p>
+          <a:p>
+            <a:r>
+              <a:rPr lang="en-US" altLang="ko-KR" sz="2000" smtClean="0">
+                <a:latin typeface="나눔고딕코딩" panose="020D0009000000000000" pitchFamily="49" charset="-127"/>
+                <a:ea typeface="나눔고딕코딩" panose="020D0009000000000000" pitchFamily="49" charset="-127"/>
+              </a:rPr>
+              <a:t>./sources/android/native_app_glue/android_native_app_glue.c</a:t>
+            </a:r>
+          </a:p>
+          <a:p>
+            <a:r>
+              <a:rPr lang="en-US" altLang="ko-KR" sz="2000" smtClean="0">
+                <a:latin typeface="나눔고딕코딩" panose="020D0009000000000000" pitchFamily="49" charset="-127"/>
+                <a:ea typeface="나눔고딕코딩" panose="020D0009000000000000" pitchFamily="49" charset="-127"/>
+              </a:rPr>
+              <a:t>./sources/android/native_app_glue/android_native_app_glue.h</a:t>
+            </a:r>
+          </a:p>
+          <a:p>
+            <a:endParaRPr lang="en-US" altLang="ko-KR" sz="2000" smtClean="0">
+              <a:latin typeface="나눔고딕코딩" panose="020D0009000000000000" pitchFamily="49" charset="-127"/>
+              <a:ea typeface="나눔고딕코딩" panose="020D0009000000000000" pitchFamily="49" charset="-127"/>
+            </a:endParaRPr>
+          </a:p>
+          <a:p>
+            <a:r>
+              <a:rPr lang="ko-KR" altLang="en-US" sz="2000" smtClean="0">
+                <a:latin typeface="나눔고딕코딩" panose="020D0009000000000000" pitchFamily="49" charset="-127"/>
+                <a:ea typeface="나눔고딕코딩" panose="020D0009000000000000" pitchFamily="49" charset="-127"/>
+              </a:rPr>
+              <a:t>복사합니다</a:t>
+            </a:r>
+            <a:r>
+              <a:rPr lang="en-US" altLang="ko-KR" sz="2000" smtClean="0">
+                <a:latin typeface="나눔고딕코딩" panose="020D0009000000000000" pitchFamily="49" charset="-127"/>
+                <a:ea typeface="나눔고딕코딩" panose="020D0009000000000000" pitchFamily="49" charset="-127"/>
+              </a:rPr>
+              <a:t>.</a:t>
+            </a:r>
+            <a:endParaRPr lang="en-US" altLang="ko-KR" sz="2000">
+              <a:latin typeface="나눔고딕코딩" panose="020D0009000000000000" pitchFamily="49" charset="-127"/>
+              <a:ea typeface="나눔고딕코딩" panose="020D0009000000000000" pitchFamily="49" charset="-127"/>
+            </a:endParaRPr>
+          </a:p>
+          <a:p>
+            <a:r>
+              <a:rPr lang="en-US" altLang="ko-KR" sz="2000" smtClean="0">
+                <a:latin typeface="나눔고딕코딩" panose="020D0009000000000000" pitchFamily="49" charset="-127"/>
+                <a:ea typeface="나눔고딕코딩" panose="020D0009000000000000" pitchFamily="49" charset="-127"/>
+              </a:rPr>
+              <a:t>/android-ndk-r10e# cp ./sources/android/native_app_glue/android_native_app_glue.c</a:t>
+            </a:r>
+          </a:p>
+          <a:p>
+            <a:r>
+              <a:rPr lang="en-US" altLang="ko-KR" sz="2000">
+                <a:latin typeface="나눔고딕코딩" panose="020D0009000000000000" pitchFamily="49" charset="-127"/>
+                <a:ea typeface="나눔고딕코딩" panose="020D0009000000000000" pitchFamily="49" charset="-127"/>
+              </a:rPr>
+              <a:t> </a:t>
+            </a:r>
+            <a:r>
+              <a:rPr lang="en-US" altLang="ko-KR" sz="2000" smtClean="0">
+                <a:latin typeface="나눔고딕코딩" panose="020D0009000000000000" pitchFamily="49" charset="-127"/>
+                <a:ea typeface="나눔고딕코딩" panose="020D0009000000000000" pitchFamily="49" charset="-127"/>
+              </a:rPr>
+              <a:t>                     ~/AndroidStudioProjects/NativeApp/app/src/main/jni</a:t>
+            </a:r>
+          </a:p>
+          <a:p>
+            <a:r>
+              <a:rPr lang="en-US" altLang="ko-KR" sz="2000" smtClean="0">
+                <a:latin typeface="나눔고딕코딩" panose="020D0009000000000000" pitchFamily="49" charset="-127"/>
+                <a:ea typeface="나눔고딕코딩" panose="020D0009000000000000" pitchFamily="49" charset="-127"/>
+              </a:rPr>
+              <a:t>/android-ndk-r10e# cp ./sources/android/native_app_glue/android_native_app_glue.h</a:t>
+            </a:r>
+          </a:p>
+          <a:p>
+            <a:r>
+              <a:rPr lang="en-US" altLang="ko-KR" sz="2000">
+                <a:latin typeface="나눔고딕코딩" panose="020D0009000000000000" pitchFamily="49" charset="-127"/>
+                <a:ea typeface="나눔고딕코딩" panose="020D0009000000000000" pitchFamily="49" charset="-127"/>
+              </a:rPr>
+              <a:t> </a:t>
+            </a:r>
+            <a:r>
+              <a:rPr lang="en-US" altLang="ko-KR" sz="2000" smtClean="0">
+                <a:latin typeface="나눔고딕코딩" panose="020D0009000000000000" pitchFamily="49" charset="-127"/>
+                <a:ea typeface="나눔고딕코딩" panose="020D0009000000000000" pitchFamily="49" charset="-127"/>
+              </a:rPr>
+              <a:t>                     ~/AndroidStudioProjects/NativeApp/app/src/main/jni</a:t>
+            </a:r>
+            <a:endParaRPr lang="ko-KR" altLang="en-US" sz="2000" smtClean="0">
+              <a:latin typeface="나눔고딕코딩" panose="020D0009000000000000" pitchFamily="49" charset="-127"/>
+              <a:ea typeface="나눔고딕코딩" panose="020D0009000000000000" pitchFamily="49" charset="-127"/>
+            </a:endParaRPr>
+          </a:p>
+        </p:txBody>
+      </p:sp>
+    </p:spTree>
+    <p:extLst>
+      <p:ext uri="{BB962C8B-B14F-4D97-AF65-F5344CB8AC3E}">
+        <p14:creationId xmlns:p14="http://schemas.microsoft.com/office/powerpoint/2010/main" val="1547086227"/>
+      </p:ext>
+    </p:extLst>
+  </p:cSld>
+  <p:clrMapOvr>
+    <a:masterClrMapping/>
+  </p:clrMapOvr>
+</p:sld>
+</file>
+
+<file path=ppt/slides/slide11.xml><?xml version="1.0" encoding="utf-8"?>
+<p:sld xmlns:a="http://schemas.openxmlformats.org/drawingml/2006/main" xmlns:r="http://schemas.openxmlformats.org/officeDocument/2006/relationships" xmlns:p="http://schemas.openxmlformats.org/presentationml/2006/main">
+  <p:cSld>
+    <p:spTree>
+      <p:nvGrpSpPr>
+        <p:cNvPr id="1" name=""/>
+        <p:cNvGrpSpPr/>
+        <p:nvPr/>
+      </p:nvGrpSpPr>
+      <p:grpSpPr>
+        <a:xfrm>
+          <a:off x="0" y="0"/>
+          <a:ext cx="0" cy="0"/>
+          <a:chOff x="0" y="0"/>
+          <a:chExt cx="0" cy="0"/>
+        </a:xfrm>
+      </p:grpSpPr>
+      <p:sp>
+        <p:nvSpPr>
+          <p:cNvPr id="4" name="TextBox 3"/>
+          <p:cNvSpPr txBox="1"/>
+          <p:nvPr/>
+        </p:nvSpPr>
+        <p:spPr>
+          <a:xfrm>
+            <a:off x="167149" y="108154"/>
+            <a:ext cx="3262432" cy="400110"/>
+          </a:xfrm>
+          <a:prstGeom prst="rect">
+            <a:avLst/>
+          </a:prstGeom>
+          <a:noFill/>
+        </p:spPr>
+        <p:txBody>
+          <a:bodyPr wrap="none" rtlCol="0">
+            <a:spAutoFit/>
+          </a:bodyPr>
+          <a:lstStyle/>
+          <a:p>
+            <a:r>
+              <a:rPr lang="en-US" altLang="ko-KR" sz="2000" smtClean="0">
+                <a:latin typeface="나눔고딕코딩" panose="020D0009000000000000" pitchFamily="49" charset="-127"/>
+                <a:ea typeface="나눔고딕코딩" panose="020D0009000000000000" pitchFamily="49" charset="-127"/>
+              </a:rPr>
+              <a:t>android_main</a:t>
+            </a:r>
+            <a:r>
+              <a:rPr lang="ko-KR" altLang="en-US" sz="2000" smtClean="0">
+                <a:latin typeface="나눔고딕코딩" panose="020D0009000000000000" pitchFamily="49" charset="-127"/>
+                <a:ea typeface="나눔고딕코딩" panose="020D0009000000000000" pitchFamily="49" charset="-127"/>
+              </a:rPr>
+              <a:t>의 기본 코드</a:t>
+            </a:r>
+          </a:p>
+        </p:txBody>
+      </p:sp>
+      <p:sp>
+        <p:nvSpPr>
+          <p:cNvPr id="5" name="TextBox 4"/>
+          <p:cNvSpPr txBox="1"/>
+          <p:nvPr/>
+        </p:nvSpPr>
+        <p:spPr>
+          <a:xfrm>
+            <a:off x="324465" y="766916"/>
+            <a:ext cx="10828605" cy="10864513"/>
+          </a:xfrm>
+          <a:prstGeom prst="rect">
+            <a:avLst/>
+          </a:prstGeom>
+          <a:noFill/>
+          <a:ln>
+            <a:solidFill>
+              <a:schemeClr val="tx1"/>
+            </a:solidFill>
+          </a:ln>
+        </p:spPr>
+        <p:txBody>
+          <a:bodyPr wrap="none" rtlCol="0">
+            <a:spAutoFit/>
+          </a:bodyPr>
+          <a:lstStyle/>
+          <a:p>
+            <a:r>
+              <a:rPr lang="en-US" altLang="ko-KR" sz="2000" smtClean="0">
+                <a:latin typeface="나눔고딕코딩" panose="020D0009000000000000" pitchFamily="49" charset="-127"/>
+                <a:ea typeface="나눔고딕코딩" panose="020D0009000000000000" pitchFamily="49" charset="-127"/>
+              </a:rPr>
+              <a:t>#define LOG_TAG         ("NativeApp")</a:t>
+            </a:r>
+          </a:p>
+          <a:p>
+            <a:endParaRPr lang="en-US" altLang="ko-KR" sz="2000" smtClean="0">
+              <a:latin typeface="나눔고딕코딩" panose="020D0009000000000000" pitchFamily="49" charset="-127"/>
+              <a:ea typeface="나눔고딕코딩" panose="020D0009000000000000" pitchFamily="49" charset="-127"/>
+            </a:endParaRPr>
+          </a:p>
+          <a:p>
+            <a:r>
+              <a:rPr lang="en-US" altLang="ko-KR" sz="2000" smtClean="0">
+                <a:latin typeface="나눔고딕코딩" panose="020D0009000000000000" pitchFamily="49" charset="-127"/>
+                <a:ea typeface="나눔고딕코딩" panose="020D0009000000000000" pitchFamily="49" charset="-127"/>
+              </a:rPr>
+              <a:t>// main.c for NativeActivity</a:t>
+            </a:r>
+          </a:p>
+          <a:p>
+            <a:r>
+              <a:rPr lang="en-US" altLang="ko-KR" sz="2000" smtClean="0">
+                <a:latin typeface="나눔고딕코딩" panose="020D0009000000000000" pitchFamily="49" charset="-127"/>
+                <a:ea typeface="나눔고딕코딩" panose="020D0009000000000000" pitchFamily="49" charset="-127"/>
+              </a:rPr>
+              <a:t>#include &lt;jni.h&gt;</a:t>
+            </a:r>
+          </a:p>
+          <a:p>
+            <a:r>
+              <a:rPr lang="en-US" altLang="ko-KR" sz="2000" smtClean="0">
+                <a:latin typeface="나눔고딕코딩" panose="020D0009000000000000" pitchFamily="49" charset="-127"/>
+                <a:ea typeface="나눔고딕코딩" panose="020D0009000000000000" pitchFamily="49" charset="-127"/>
+              </a:rPr>
+              <a:t>#include &lt;errno.h&gt;</a:t>
+            </a:r>
+          </a:p>
+          <a:p>
+            <a:r>
+              <a:rPr lang="en-US" altLang="ko-KR" sz="2000" smtClean="0">
+                <a:latin typeface="나눔고딕코딩" panose="020D0009000000000000" pitchFamily="49" charset="-127"/>
+                <a:ea typeface="나눔고딕코딩" panose="020D0009000000000000" pitchFamily="49" charset="-127"/>
+              </a:rPr>
+              <a:t>#include "android_native_app_glue.h"    // #include &lt;android_native_app_glue.h&gt;</a:t>
+            </a:r>
+          </a:p>
+          <a:p>
+            <a:endParaRPr lang="en-US" altLang="ko-KR" sz="2000" smtClean="0">
+              <a:latin typeface="나눔고딕코딩" panose="020D0009000000000000" pitchFamily="49" charset="-127"/>
+              <a:ea typeface="나눔고딕코딩" panose="020D0009000000000000" pitchFamily="49" charset="-127"/>
+            </a:endParaRPr>
+          </a:p>
+          <a:p>
+            <a:r>
+              <a:rPr lang="en-US" altLang="ko-KR" sz="2000" smtClean="0">
+                <a:latin typeface="나눔고딕코딩" panose="020D0009000000000000" pitchFamily="49" charset="-127"/>
+                <a:ea typeface="나눔고딕코딩" panose="020D0009000000000000" pitchFamily="49" charset="-127"/>
+              </a:rPr>
+              <a:t>#include &lt;android/log.h&gt;</a:t>
+            </a:r>
+          </a:p>
+          <a:p>
+            <a:r>
+              <a:rPr lang="en-US" altLang="ko-KR" sz="2000" smtClean="0">
+                <a:latin typeface="나눔고딕코딩" panose="020D0009000000000000" pitchFamily="49" charset="-127"/>
+                <a:ea typeface="나눔고딕코딩" panose="020D0009000000000000" pitchFamily="49" charset="-127"/>
+              </a:rPr>
+              <a:t>#define LOGI(...)   __android_log_print(ANDROID_LOG_INFO, LOG_TAG, __VA_ARGS__)</a:t>
+            </a:r>
+          </a:p>
+          <a:p>
+            <a:r>
+              <a:rPr lang="en-US" altLang="ko-KR" sz="2000" smtClean="0">
+                <a:latin typeface="나눔고딕코딩" panose="020D0009000000000000" pitchFamily="49" charset="-127"/>
+                <a:ea typeface="나눔고딕코딩" panose="020D0009000000000000" pitchFamily="49" charset="-127"/>
+              </a:rPr>
+              <a:t>#define LOGE(...)   __android_log_print(ANDROID_LOG_ERROR, LOG_TAG, __VA_ARGS__)</a:t>
+            </a:r>
+          </a:p>
+          <a:p>
+            <a:endParaRPr lang="en-US" altLang="ko-KR" sz="2000" smtClean="0">
+              <a:latin typeface="나눔고딕코딩" panose="020D0009000000000000" pitchFamily="49" charset="-127"/>
+              <a:ea typeface="나눔고딕코딩" panose="020D0009000000000000" pitchFamily="49" charset="-127"/>
+            </a:endParaRPr>
+          </a:p>
+          <a:p>
+            <a:r>
+              <a:rPr lang="en-US" altLang="ko-KR" sz="2000" smtClean="0">
+                <a:latin typeface="나눔고딕코딩" panose="020D0009000000000000" pitchFamily="49" charset="-127"/>
+                <a:ea typeface="나눔고딕코딩" panose="020D0009000000000000" pitchFamily="49" charset="-127"/>
+              </a:rPr>
+              <a:t>void android_main(struct android_app *app) {</a:t>
+            </a:r>
+          </a:p>
+          <a:p>
+            <a:r>
+              <a:rPr lang="en-US" altLang="ko-KR" sz="2000" smtClean="0">
+                <a:latin typeface="나눔고딕코딩" panose="020D0009000000000000" pitchFamily="49" charset="-127"/>
+                <a:ea typeface="나눔고딕코딩" panose="020D0009000000000000" pitchFamily="49" charset="-127"/>
+              </a:rPr>
+              <a:t>    app_dummy();    // Make sure glue isn't stripped.</a:t>
+            </a:r>
+          </a:p>
+          <a:p>
+            <a:r>
+              <a:rPr lang="en-US" altLang="ko-KR" sz="2000" smtClean="0">
+                <a:latin typeface="나눔고딕코딩" panose="020D0009000000000000" pitchFamily="49" charset="-127"/>
+                <a:ea typeface="나눔고딕코딩" panose="020D0009000000000000" pitchFamily="49" charset="-127"/>
+              </a:rPr>
+              <a:t>    while(1)</a:t>
+            </a:r>
+          </a:p>
+          <a:p>
+            <a:r>
+              <a:rPr lang="en-US" altLang="ko-KR" sz="2000" smtClean="0">
+                <a:latin typeface="나눔고딕코딩" panose="020D0009000000000000" pitchFamily="49" charset="-127"/>
+                <a:ea typeface="나눔고딕코딩" panose="020D0009000000000000" pitchFamily="49" charset="-127"/>
+              </a:rPr>
+              <a:t>    {</a:t>
+            </a:r>
+          </a:p>
+          <a:p>
+            <a:r>
+              <a:rPr lang="en-US" altLang="ko-KR" sz="2000" smtClean="0">
+                <a:latin typeface="나눔고딕코딩" panose="020D0009000000000000" pitchFamily="49" charset="-127"/>
+                <a:ea typeface="나눔고딕코딩" panose="020D0009000000000000" pitchFamily="49" charset="-127"/>
+              </a:rPr>
+              <a:t>        int ident;</a:t>
+            </a:r>
+          </a:p>
+          <a:p>
+            <a:r>
+              <a:rPr lang="en-US" altLang="ko-KR" sz="2000" smtClean="0">
+                <a:latin typeface="나눔고딕코딩" panose="020D0009000000000000" pitchFamily="49" charset="-127"/>
+                <a:ea typeface="나눔고딕코딩" panose="020D0009000000000000" pitchFamily="49" charset="-127"/>
+              </a:rPr>
+              <a:t>        int events;</a:t>
+            </a:r>
+          </a:p>
+          <a:p>
+            <a:r>
+              <a:rPr lang="en-US" altLang="ko-KR" sz="2000" smtClean="0">
+                <a:latin typeface="나눔고딕코딩" panose="020D0009000000000000" pitchFamily="49" charset="-127"/>
+                <a:ea typeface="나눔고딕코딩" panose="020D0009000000000000" pitchFamily="49" charset="-127"/>
+              </a:rPr>
+              <a:t>        struct android_poll_source *source;</a:t>
+            </a:r>
+          </a:p>
+          <a:p>
+            <a:r>
+              <a:rPr lang="ko-KR" altLang="en-US" sz="2000" smtClean="0">
+                <a:latin typeface="나눔고딕코딩" panose="020D0009000000000000" pitchFamily="49" charset="-127"/>
+                <a:ea typeface="나눔고딕코딩" panose="020D0009000000000000" pitchFamily="49" charset="-127"/>
+              </a:rPr>
+              <a:t>        </a:t>
+            </a:r>
+            <a:endParaRPr lang="en-US" altLang="ko-KR" sz="2000" smtClean="0">
+              <a:latin typeface="나눔고딕코딩" panose="020D0009000000000000" pitchFamily="49" charset="-127"/>
+              <a:ea typeface="나눔고딕코딩" panose="020D0009000000000000" pitchFamily="49" charset="-127"/>
+            </a:endParaRPr>
+          </a:p>
+          <a:p>
+            <a:r>
+              <a:rPr lang="en-US" altLang="ko-KR" sz="2000">
+                <a:latin typeface="나눔고딕코딩" panose="020D0009000000000000" pitchFamily="49" charset="-127"/>
+                <a:ea typeface="나눔고딕코딩" panose="020D0009000000000000" pitchFamily="49" charset="-127"/>
+              </a:rPr>
+              <a:t> </a:t>
+            </a:r>
+            <a:r>
+              <a:rPr lang="en-US" altLang="ko-KR" sz="2000" smtClean="0">
+                <a:latin typeface="나눔고딕코딩" panose="020D0009000000000000" pitchFamily="49" charset="-127"/>
+                <a:ea typeface="나눔고딕코딩" panose="020D0009000000000000" pitchFamily="49" charset="-127"/>
+              </a:rPr>
+              <a:t>       // -1 </a:t>
+            </a:r>
+            <a:r>
+              <a:rPr lang="ko-KR" altLang="en-US" sz="2000" smtClean="0">
+                <a:latin typeface="나눔고딕코딩" panose="020D0009000000000000" pitchFamily="49" charset="-127"/>
+                <a:ea typeface="나눔고딕코딩" panose="020D0009000000000000" pitchFamily="49" charset="-127"/>
+              </a:rPr>
+              <a:t>이벤트가 들어올 때까지 블록</a:t>
+            </a:r>
+            <a:r>
+              <a:rPr lang="en-US" altLang="ko-KR" sz="2000" smtClean="0">
+                <a:latin typeface="나눔고딕코딩" panose="020D0009000000000000" pitchFamily="49" charset="-127"/>
+                <a:ea typeface="나눔고딕코딩" panose="020D0009000000000000" pitchFamily="49" charset="-127"/>
+              </a:rPr>
+              <a:t>(block)</a:t>
+            </a:r>
+          </a:p>
+          <a:p>
+            <a:r>
+              <a:rPr lang="en-US" altLang="ko-KR" sz="2000" smtClean="0">
+                <a:latin typeface="나눔고딕코딩" panose="020D0009000000000000" pitchFamily="49" charset="-127"/>
+                <a:ea typeface="나눔고딕코딩" panose="020D0009000000000000" pitchFamily="49" charset="-127"/>
+              </a:rPr>
+              <a:t>        while((ident = ALooper_pollAll(-1, NULL, &amp;events, (void**)&amp;source)) &gt;= 0) {</a:t>
+            </a:r>
+          </a:p>
+          <a:p>
+            <a:r>
+              <a:rPr lang="en-US" altLang="ko-KR" sz="2000" smtClean="0">
+                <a:latin typeface="나눔고딕코딩" panose="020D0009000000000000" pitchFamily="49" charset="-127"/>
+                <a:ea typeface="나눔고딕코딩" panose="020D0009000000000000" pitchFamily="49" charset="-127"/>
+              </a:rPr>
+              <a:t>            if(source != NULL) { // </a:t>
+            </a:r>
+            <a:r>
+              <a:rPr lang="ko-KR" altLang="en-US" sz="2000" smtClean="0">
+                <a:latin typeface="나눔고딕코딩" panose="020D0009000000000000" pitchFamily="49" charset="-127"/>
+                <a:ea typeface="나눔고딕코딩" panose="020D0009000000000000" pitchFamily="49" charset="-127"/>
+              </a:rPr>
+              <a:t>메세지 큐에 이벤트가 들어온 것을 의미</a:t>
+            </a:r>
+          </a:p>
+          <a:p>
+            <a:r>
+              <a:rPr lang="en-US" altLang="ko-KR" sz="2000" smtClean="0">
+                <a:latin typeface="나눔고딕코딩" panose="020D0009000000000000" pitchFamily="49" charset="-127"/>
+                <a:ea typeface="나눔고딕코딩" panose="020D0009000000000000" pitchFamily="49" charset="-127"/>
+              </a:rPr>
+              <a:t>                source-&gt;process(app, source);</a:t>
+            </a:r>
+          </a:p>
+          <a:p>
+            <a:r>
+              <a:rPr lang="en-US" altLang="ko-KR" sz="2000" smtClean="0">
+                <a:latin typeface="나눔고딕코딩" panose="020D0009000000000000" pitchFamily="49" charset="-127"/>
+                <a:ea typeface="나눔고딕코딩" panose="020D0009000000000000" pitchFamily="49" charset="-127"/>
+              </a:rPr>
+              <a:t>                LOGI("completed event");</a:t>
+            </a:r>
+          </a:p>
+          <a:p>
+            <a:r>
+              <a:rPr lang="en-US" altLang="ko-KR" sz="2000" smtClean="0">
+                <a:latin typeface="나눔고딕코딩" panose="020D0009000000000000" pitchFamily="49" charset="-127"/>
+                <a:ea typeface="나눔고딕코딩" panose="020D0009000000000000" pitchFamily="49" charset="-127"/>
+              </a:rPr>
+              <a:t>            }</a:t>
+            </a:r>
+          </a:p>
+          <a:p>
+            <a:endParaRPr lang="en-US" altLang="ko-KR" sz="2000" smtClean="0">
+              <a:latin typeface="나눔고딕코딩" panose="020D0009000000000000" pitchFamily="49" charset="-127"/>
+              <a:ea typeface="나눔고딕코딩" panose="020D0009000000000000" pitchFamily="49" charset="-127"/>
+            </a:endParaRPr>
+          </a:p>
+          <a:p>
+            <a:r>
+              <a:rPr lang="en-US" altLang="ko-KR" sz="2000" smtClean="0">
+                <a:latin typeface="나눔고딕코딩" panose="020D0009000000000000" pitchFamily="49" charset="-127"/>
+                <a:ea typeface="나눔고딕코딩" panose="020D0009000000000000" pitchFamily="49" charset="-127"/>
+              </a:rPr>
+              <a:t>            // </a:t>
+            </a:r>
+            <a:r>
+              <a:rPr lang="ko-KR" altLang="en-US" sz="2000" smtClean="0">
+                <a:latin typeface="나눔고딕코딩" panose="020D0009000000000000" pitchFamily="49" charset="-127"/>
+                <a:ea typeface="나눔고딕코딩" panose="020D0009000000000000" pitchFamily="49" charset="-127"/>
+              </a:rPr>
+              <a:t>네이티브 애플리케이션이 종료될 경우</a:t>
+            </a:r>
+          </a:p>
+          <a:p>
+            <a:r>
+              <a:rPr lang="ko-KR" altLang="en-US" sz="2000" smtClean="0">
+                <a:latin typeface="나눔고딕코딩" panose="020D0009000000000000" pitchFamily="49" charset="-127"/>
+                <a:ea typeface="나눔고딕코딩" panose="020D0009000000000000" pitchFamily="49" charset="-127"/>
+              </a:rPr>
+              <a:t>            </a:t>
+            </a:r>
+            <a:r>
+              <a:rPr lang="en-US" altLang="ko-KR" sz="2000" smtClean="0">
+                <a:latin typeface="나눔고딕코딩" panose="020D0009000000000000" pitchFamily="49" charset="-127"/>
+                <a:ea typeface="나눔고딕코딩" panose="020D0009000000000000" pitchFamily="49" charset="-127"/>
+              </a:rPr>
+              <a:t>if(app-&gt;destroyRequested != 0) {</a:t>
+            </a:r>
+          </a:p>
+          <a:p>
+            <a:r>
+              <a:rPr lang="en-US" altLang="ko-KR" sz="2000" smtClean="0">
+                <a:latin typeface="나눔고딕코딩" panose="020D0009000000000000" pitchFamily="49" charset="-127"/>
+                <a:ea typeface="나눔고딕코딩" panose="020D0009000000000000" pitchFamily="49" charset="-127"/>
+              </a:rPr>
+              <a:t>                // </a:t>
+            </a:r>
+            <a:r>
+              <a:rPr lang="ko-KR" altLang="en-US" sz="2000" smtClean="0">
+                <a:latin typeface="나눔고딕코딩" panose="020D0009000000000000" pitchFamily="49" charset="-127"/>
+                <a:ea typeface="나눔고딕코딩" panose="020D0009000000000000" pitchFamily="49" charset="-127"/>
+              </a:rPr>
+              <a:t>종료 처리</a:t>
+            </a:r>
+          </a:p>
+          <a:p>
+            <a:r>
+              <a:rPr lang="ko-KR" altLang="en-US" sz="2000" smtClean="0">
+                <a:latin typeface="나눔고딕코딩" panose="020D0009000000000000" pitchFamily="49" charset="-127"/>
+                <a:ea typeface="나눔고딕코딩" panose="020D0009000000000000" pitchFamily="49" charset="-127"/>
+              </a:rPr>
+              <a:t>                </a:t>
+            </a:r>
+            <a:r>
+              <a:rPr lang="en-US" altLang="ko-KR" sz="2000" smtClean="0">
+                <a:latin typeface="나눔고딕코딩" panose="020D0009000000000000" pitchFamily="49" charset="-127"/>
+                <a:ea typeface="나눔고딕코딩" panose="020D0009000000000000" pitchFamily="49" charset="-127"/>
+              </a:rPr>
+              <a:t>return;</a:t>
+            </a:r>
+          </a:p>
+          <a:p>
+            <a:r>
+              <a:rPr lang="en-US" altLang="ko-KR" sz="2000" smtClean="0">
+                <a:latin typeface="나눔고딕코딩" panose="020D0009000000000000" pitchFamily="49" charset="-127"/>
+                <a:ea typeface="나눔고딕코딩" panose="020D0009000000000000" pitchFamily="49" charset="-127"/>
+              </a:rPr>
+              <a:t>            }</a:t>
+            </a:r>
+          </a:p>
+          <a:p>
+            <a:r>
+              <a:rPr lang="en-US" altLang="ko-KR" sz="2000" smtClean="0">
+                <a:latin typeface="나눔고딕코딩" panose="020D0009000000000000" pitchFamily="49" charset="-127"/>
+                <a:ea typeface="나눔고딕코딩" panose="020D0009000000000000" pitchFamily="49" charset="-127"/>
+              </a:rPr>
+              <a:t>        }</a:t>
+            </a:r>
+          </a:p>
+          <a:p>
+            <a:r>
+              <a:rPr lang="en-US" altLang="ko-KR" sz="2000" smtClean="0">
+                <a:latin typeface="나눔고딕코딩" panose="020D0009000000000000" pitchFamily="49" charset="-127"/>
+                <a:ea typeface="나눔고딕코딩" panose="020D0009000000000000" pitchFamily="49" charset="-127"/>
+              </a:rPr>
+              <a:t>    }   // end of while(1)</a:t>
+            </a:r>
+          </a:p>
+          <a:p>
+            <a:r>
+              <a:rPr lang="en-US" altLang="ko-KR" sz="2000" smtClean="0">
+                <a:latin typeface="나눔고딕코딩" panose="020D0009000000000000" pitchFamily="49" charset="-127"/>
+                <a:ea typeface="나눔고딕코딩" panose="020D0009000000000000" pitchFamily="49" charset="-127"/>
+              </a:rPr>
+              <a:t>}</a:t>
+            </a:r>
+            <a:endParaRPr lang="ko-KR" altLang="en-US" sz="2000" smtClean="0">
+              <a:latin typeface="나눔고딕코딩" panose="020D0009000000000000" pitchFamily="49" charset="-127"/>
+              <a:ea typeface="나눔고딕코딩" panose="020D0009000000000000" pitchFamily="49" charset="-127"/>
+            </a:endParaRPr>
+          </a:p>
+        </p:txBody>
+      </p:sp>
+    </p:spTree>
+    <p:extLst>
+      <p:ext uri="{BB962C8B-B14F-4D97-AF65-F5344CB8AC3E}">
+        <p14:creationId xmlns:p14="http://schemas.microsoft.com/office/powerpoint/2010/main" val="408258266"/>
+      </p:ext>
+    </p:extLst>
+  </p:cSld>
+  <p:clrMapOvr>
+    <a:masterClrMapping/>
+  </p:clrMapOvr>
+</p:sld>
+</file>
+
+<file path=ppt/slides/slide12.xml><?xml version="1.0" encoding="utf-8"?>
+<p:sld xmlns:a="http://schemas.openxmlformats.org/drawingml/2006/main" xmlns:r="http://schemas.openxmlformats.org/officeDocument/2006/relationships" xmlns:p="http://schemas.openxmlformats.org/presentationml/2006/main">
+  <p:cSld>
+    <p:spTree>
+      <p:nvGrpSpPr>
+        <p:cNvPr id="1" name=""/>
+        <p:cNvGrpSpPr/>
+        <p:nvPr/>
+      </p:nvGrpSpPr>
+      <p:grpSpPr>
+        <a:xfrm>
+          <a:off x="0" y="0"/>
+          <a:ext cx="0" cy="0"/>
+          <a:chOff x="0" y="0"/>
+          <a:chExt cx="0" cy="0"/>
+        </a:xfrm>
+      </p:grpSpPr>
+      <p:sp>
+        <p:nvSpPr>
+          <p:cNvPr id="4" name="TextBox 3"/>
+          <p:cNvSpPr txBox="1"/>
+          <p:nvPr/>
+        </p:nvSpPr>
+        <p:spPr>
+          <a:xfrm>
+            <a:off x="344129" y="383458"/>
+            <a:ext cx="30449361" cy="32716649"/>
+          </a:xfrm>
+          <a:prstGeom prst="rect">
+            <a:avLst/>
+          </a:prstGeom>
+          <a:noFill/>
+        </p:spPr>
+        <p:txBody>
+          <a:bodyPr wrap="none" rtlCol="0">
+            <a:spAutoFit/>
+          </a:bodyPr>
+          <a:lstStyle/>
+          <a:p>
+            <a:r>
+              <a:rPr lang="en-US" altLang="ko-KR" sz="2000" smtClean="0">
+                <a:latin typeface="나눔고딕코딩" panose="020D0009000000000000" pitchFamily="49" charset="-127"/>
+                <a:ea typeface="나눔고딕코딩" panose="020D0009000000000000" pitchFamily="49" charset="-127"/>
+              </a:rPr>
+              <a:t>I/DEBUG   (  218): *** *** *** *** *** *** *** *** *** *** *** *** *** *** *** ***</a:t>
+            </a:r>
+          </a:p>
+          <a:p>
+            <a:r>
+              <a:rPr lang="en-US" altLang="ko-KR" sz="2000" smtClean="0">
+                <a:latin typeface="나눔고딕코딩" panose="020D0009000000000000" pitchFamily="49" charset="-127"/>
+                <a:ea typeface="나눔고딕코딩" panose="020D0009000000000000" pitchFamily="49" charset="-127"/>
+              </a:rPr>
+              <a:t>I/DEBUG   (  218): Build fingerprint: 'Android/aosp_flounder/flounder:5.0.2/LRX22G/root03091413:eng/test-keys'</a:t>
+            </a:r>
+          </a:p>
+          <a:p>
+            <a:r>
+              <a:rPr lang="en-US" altLang="ko-KR" sz="2000" smtClean="0">
+                <a:latin typeface="나눔고딕코딩" panose="020D0009000000000000" pitchFamily="49" charset="-127"/>
+                <a:ea typeface="나눔고딕코딩" panose="020D0009000000000000" pitchFamily="49" charset="-127"/>
+              </a:rPr>
+              <a:t>I/DEBUG   (  218): Revision: '0'</a:t>
+            </a:r>
+          </a:p>
+          <a:p>
+            <a:r>
+              <a:rPr lang="en-US" altLang="ko-KR" sz="2000" smtClean="0">
+                <a:latin typeface="나눔고딕코딩" panose="020D0009000000000000" pitchFamily="49" charset="-127"/>
+                <a:ea typeface="나눔고딕코딩" panose="020D0009000000000000" pitchFamily="49" charset="-127"/>
+              </a:rPr>
+              <a:t>I/DEBUG   (  218): ABI: 'arm64'</a:t>
+            </a:r>
+          </a:p>
+          <a:p>
+            <a:r>
+              <a:rPr lang="en-US" altLang="ko-KR" sz="2000" smtClean="0">
+                <a:latin typeface="나눔고딕코딩" panose="020D0009000000000000" pitchFamily="49" charset="-127"/>
+                <a:ea typeface="나눔고딕코딩" panose="020D0009000000000000" pitchFamily="49" charset="-127"/>
+              </a:rPr>
+              <a:t>I/DEBUG   (  218): pid: 26469, tid: 26469, name: ample.debugtest  &gt;&gt;&gt; com.example.debugtest &lt;&lt;&lt;</a:t>
+            </a:r>
+          </a:p>
+          <a:p>
+            <a:r>
+              <a:rPr lang="en-US" altLang="ko-KR" sz="2000" smtClean="0">
+                <a:latin typeface="나눔고딕코딩" panose="020D0009000000000000" pitchFamily="49" charset="-127"/>
+                <a:ea typeface="나눔고딕코딩" panose="020D0009000000000000" pitchFamily="49" charset="-127"/>
+              </a:rPr>
+              <a:t>I/DEBUG   (  218): signal 11 (SIGSEGV), code 1 (SEGV_MAPERR), fault addr 0x0</a:t>
+            </a:r>
+          </a:p>
+          <a:p>
+            <a:r>
+              <a:rPr lang="en-US" altLang="ko-KR" sz="2000" smtClean="0">
+                <a:latin typeface="나눔고딕코딩" panose="020D0009000000000000" pitchFamily="49" charset="-127"/>
+                <a:ea typeface="나눔고딕코딩" panose="020D0009000000000000" pitchFamily="49" charset="-127"/>
+              </a:rPr>
+              <a:t>I/DEBUG   (  218):     x0   0000000000000000  x1   0000007fe575d810  x2   0000000071364608  x3   0000007fe575df84</a:t>
+            </a:r>
+          </a:p>
+          <a:p>
+            <a:r>
+              <a:rPr lang="en-US" altLang="ko-KR" sz="2000" smtClean="0">
+                <a:latin typeface="나눔고딕코딩" panose="020D0009000000000000" pitchFamily="49" charset="-127"/>
+                <a:ea typeface="나눔고딕코딩" panose="020D0009000000000000" pitchFamily="49" charset="-127"/>
+              </a:rPr>
+              <a:t>I/DEBUG   (  218):     x4   0000007fe575df64  x5   000000558aaf6690  x6   00000000006e25f0  x7   0000000000000002</a:t>
+            </a:r>
+          </a:p>
+          <a:p>
+            <a:r>
+              <a:rPr lang="en-US" altLang="ko-KR" sz="2000" smtClean="0">
+                <a:latin typeface="나눔고딕코딩" panose="020D0009000000000000" pitchFamily="49" charset="-127"/>
+                <a:ea typeface="나눔고딕코딩" panose="020D0009000000000000" pitchFamily="49" charset="-127"/>
+              </a:rPr>
+              <a:t>I/DEBUG   (  218):     x8   0000000000000000  x9   000000558aae6b4c  x10  0000000000000000  x11  000000558aae6b48</a:t>
+            </a:r>
+          </a:p>
+          <a:p>
+            <a:r>
+              <a:rPr lang="en-US" altLang="ko-KR" sz="2000" smtClean="0">
+                <a:latin typeface="나눔고딕코딩" panose="020D0009000000000000" pitchFamily="49" charset="-127"/>
+                <a:ea typeface="나눔고딕코딩" panose="020D0009000000000000" pitchFamily="49" charset="-127"/>
+              </a:rPr>
+              <a:t>I/DEBUG   (  218):     x12  0000000000000000  x13  cab237ee2f28d3b9  x14  0000000000430000  x15  0000000000000000</a:t>
+            </a:r>
+          </a:p>
+          <a:p>
+            <a:r>
+              <a:rPr lang="en-US" altLang="ko-KR" sz="2000" smtClean="0">
+                <a:latin typeface="나눔고딕코딩" panose="020D0009000000000000" pitchFamily="49" charset="-127"/>
+                <a:ea typeface="나눔고딕코딩" panose="020D0009000000000000" pitchFamily="49" charset="-127"/>
+              </a:rPr>
+              <a:t>I/DEBUG   (  218):     x16  0000007fa1589528  x17  0000000000000000  x18  0000000000430000  x19  00000000000003e8</a:t>
+            </a:r>
+          </a:p>
+          <a:p>
+            <a:r>
+              <a:rPr lang="en-US" altLang="ko-KR" sz="2000" smtClean="0">
+                <a:latin typeface="나눔고딕코딩" panose="020D0009000000000000" pitchFamily="49" charset="-127"/>
+                <a:ea typeface="나눔고딕코딩" panose="020D0009000000000000" pitchFamily="49" charset="-127"/>
+              </a:rPr>
+              <a:t>I/DEBUG   (  218):     x20  0000007fa296a000  x21  000000558aaf5900  x22  000000558aaf5990  x23  0000007fe575dc18</a:t>
+            </a:r>
+          </a:p>
+          <a:p>
+            <a:r>
+              <a:rPr lang="en-US" altLang="ko-KR" sz="2000" smtClean="0">
+                <a:latin typeface="나눔고딕코딩" panose="020D0009000000000000" pitchFamily="49" charset="-127"/>
+                <a:ea typeface="나눔고딕코딩" panose="020D0009000000000000" pitchFamily="49" charset="-127"/>
+              </a:rPr>
+              <a:t>I/DEBUG   (  218):     x24  0000007fe575dc18  x25  0000000073085060  x26  000000558aeef990  x27  0000000000000000</a:t>
+            </a:r>
+          </a:p>
+          <a:p>
+            <a:r>
+              <a:rPr lang="en-US" altLang="ko-KR" sz="2000" smtClean="0">
+                <a:latin typeface="나눔고딕코딩" panose="020D0009000000000000" pitchFamily="49" charset="-127"/>
+                <a:ea typeface="나눔고딕코딩" panose="020D0009000000000000" pitchFamily="49" charset="-127"/>
+              </a:rPr>
+              <a:t>I/DEBUG   (  218):     x28  0000007fe575d810  x29  0000007fe575d810  x30  0000007fa25bf810</a:t>
+            </a:r>
+          </a:p>
+          <a:p>
+            <a:r>
+              <a:rPr lang="en-US" altLang="ko-KR" sz="2000" smtClean="0">
+                <a:latin typeface="나눔고딕코딩" panose="020D0009000000000000" pitchFamily="49" charset="-127"/>
+                <a:ea typeface="나눔고딕코딩" panose="020D0009000000000000" pitchFamily="49" charset="-127"/>
+              </a:rPr>
+              <a:t>I/DEBUG   (  218):     sp   0000007fe575d7f0  pc   0000007fa1589520  pstate 0000000060000000</a:t>
+            </a:r>
+          </a:p>
+          <a:p>
+            <a:r>
+              <a:rPr lang="en-US" altLang="ko-KR" sz="2000" smtClean="0">
+                <a:latin typeface="나눔고딕코딩" panose="020D0009000000000000" pitchFamily="49" charset="-127"/>
+                <a:ea typeface="나눔고딕코딩" panose="020D0009000000000000" pitchFamily="49" charset="-127"/>
+              </a:rPr>
+              <a:t>I/DEBUG   (  218):</a:t>
+            </a:r>
+          </a:p>
+          <a:p>
+            <a:r>
+              <a:rPr lang="en-US" altLang="ko-KR" sz="2000" smtClean="0">
+                <a:latin typeface="나눔고딕코딩" panose="020D0009000000000000" pitchFamily="49" charset="-127"/>
+                <a:ea typeface="나눔고딕코딩" panose="020D0009000000000000" pitchFamily="49" charset="-127"/>
+              </a:rPr>
+              <a:t>I/DEBUG   (  218): backtrace:</a:t>
+            </a:r>
+          </a:p>
+          <a:p>
+            <a:r>
+              <a:rPr lang="en-US" altLang="ko-KR" sz="2000" smtClean="0">
+                <a:latin typeface="나눔고딕코딩" panose="020D0009000000000000" pitchFamily="49" charset="-127"/>
+                <a:ea typeface="나눔고딕코딩" panose="020D0009000000000000" pitchFamily="49" charset="-127"/>
+              </a:rPr>
+              <a:t>I/DEBUG   (  218):     </a:t>
+            </a:r>
+            <a:r>
+              <a:rPr lang="en-US" altLang="ko-KR" sz="2000" smtClean="0">
+                <a:solidFill>
+                  <a:srgbClr val="FF0000"/>
+                </a:solidFill>
+                <a:latin typeface="나눔고딕코딩" panose="020D0009000000000000" pitchFamily="49" charset="-127"/>
+                <a:ea typeface="나눔고딕코딩" panose="020D0009000000000000" pitchFamily="49" charset="-127"/>
+              </a:rPr>
+              <a:t>#00 pc 0000000000000520  /data/app/com.example.debugtest-1/lib/arm64/libmydebug.so (foo+4)</a:t>
+            </a:r>
+          </a:p>
+          <a:p>
+            <a:r>
+              <a:rPr lang="en-US" altLang="ko-KR" sz="2000" smtClean="0">
+                <a:latin typeface="나눔고딕코딩" panose="020D0009000000000000" pitchFamily="49" charset="-127"/>
+                <a:ea typeface="나눔고딕코딩" panose="020D0009000000000000" pitchFamily="49" charset="-127"/>
+              </a:rPr>
+              <a:t>I/DEBUG   (  218):     #01 pc 00000000000c780c  /system/lib64/libart.so (art_quick_generic_jni_trampoline+140)</a:t>
+            </a:r>
+          </a:p>
+          <a:p>
+            <a:r>
+              <a:rPr lang="en-US" altLang="ko-KR" sz="2000" smtClean="0">
+                <a:latin typeface="나눔고딕코딩" panose="020D0009000000000000" pitchFamily="49" charset="-127"/>
+                <a:ea typeface="나눔고딕코딩" panose="020D0009000000000000" pitchFamily="49" charset="-127"/>
+              </a:rPr>
+              <a:t>I/DEBUG   (  218):     #02 pc 00000000000c2bd8  /system/lib64/libart.so (art_quick_invoke_static_stub+584)</a:t>
+            </a:r>
+          </a:p>
+          <a:p>
+            <a:r>
+              <a:rPr lang="en-US" altLang="ko-KR" sz="2000" smtClean="0">
+                <a:latin typeface="나눔고딕코딩" panose="020D0009000000000000" pitchFamily="49" charset="-127"/>
+                <a:ea typeface="나눔고딕코딩" panose="020D0009000000000000" pitchFamily="49" charset="-127"/>
+              </a:rPr>
+              <a:t>I/DEBUG   (  218):     #03 pc 000000000027e7b8  /system/lib64/libart.so (art::mirror::ArtMethod::Invoke(art::Thread*, unsigned int*, unsigned int, art::JValue*, char const*)+160)</a:t>
+            </a:r>
+          </a:p>
+          <a:p>
+            <a:r>
+              <a:rPr lang="en-US" altLang="ko-KR" sz="2000" smtClean="0">
+                <a:latin typeface="나눔고딕코딩" panose="020D0009000000000000" pitchFamily="49" charset="-127"/>
+                <a:ea typeface="나눔고딕코딩" panose="020D0009000000000000" pitchFamily="49" charset="-127"/>
+              </a:rPr>
+              <a:t>I/DEBUG   (  218):     #04 pc 000000000035a44c  /system/lib64/libart.so (artInterpreterToCompiledCodeBridge+128)</a:t>
+            </a:r>
+          </a:p>
+          <a:p>
+            <a:r>
+              <a:rPr lang="en-US" altLang="ko-KR" sz="2000" smtClean="0">
+                <a:latin typeface="나눔고딕코딩" panose="020D0009000000000000" pitchFamily="49" charset="-127"/>
+                <a:ea typeface="나눔고딕코딩" panose="020D0009000000000000" pitchFamily="49" charset="-127"/>
+              </a:rPr>
+              <a:t>I/DEBUG   (  218):     #05 pc 00000000001f26ac  /system/lib64/libart.so (bool art::interpreter::DoCall&lt;false, false&gt;(art::mirror::ArtMethod*, art::Thread*, art::ShadowFrame&amp;, art::Instruction const*, unsigned short, art::JValue*)+440)</a:t>
+            </a:r>
+          </a:p>
+          <a:p>
+            <a:r>
+              <a:rPr lang="en-US" altLang="ko-KR" sz="2000" smtClean="0">
+                <a:latin typeface="나눔고딕코딩" panose="020D0009000000000000" pitchFamily="49" charset="-127"/>
+                <a:ea typeface="나눔고딕코딩" panose="020D0009000000000000" pitchFamily="49" charset="-127"/>
+              </a:rPr>
+              <a:t>I/DEBUG   (  218):     #06 pc 00000000000b9184  /system/lib64/libart.so (art::JValue art::interpreter::ExecuteGotoImpl&lt;false, false&gt;(art::Thread*, art::MethodHelper&amp;, art::DexFile::CodeItem const*, art::ShadowFrame&amp;, art::JValue)+22948)</a:t>
+            </a:r>
+          </a:p>
+          <a:p>
+            <a:r>
+              <a:rPr lang="en-US" altLang="ko-KR" sz="2000" smtClean="0">
+                <a:latin typeface="나눔고딕코딩" panose="020D0009000000000000" pitchFamily="49" charset="-127"/>
+                <a:ea typeface="나눔고딕코딩" panose="020D0009000000000000" pitchFamily="49" charset="-127"/>
+              </a:rPr>
+              <a:t>I/DEBUG   (  218):     #07 pc 00000000001d5628  /system/lib64/libart.so (art::interpreter::EnterInterpreterFromStub(art::Thread*, art::MethodHelper&amp;, art::DexFile::CodeItem const*, art::ShadowFrame&amp;)+136)</a:t>
+            </a:r>
+          </a:p>
+          <a:p>
+            <a:r>
+              <a:rPr lang="en-US" altLang="ko-KR" sz="2000" smtClean="0">
+                <a:latin typeface="나눔고딕코딩" panose="020D0009000000000000" pitchFamily="49" charset="-127"/>
+                <a:ea typeface="나눔고딕코딩" panose="020D0009000000000000" pitchFamily="49" charset="-127"/>
+              </a:rPr>
+              <a:t>I/DEBUG   (  218):     #08 pc 000000000038c060  /system/lib64/libart.so (artQuickToInterpreterBridge+628)</a:t>
+            </a:r>
+          </a:p>
+          <a:p>
+            <a:r>
+              <a:rPr lang="en-US" altLang="ko-KR" sz="2000" smtClean="0">
+                <a:latin typeface="나눔고딕코딩" panose="020D0009000000000000" pitchFamily="49" charset="-127"/>
+                <a:ea typeface="나눔고딕코딩" panose="020D0009000000000000" pitchFamily="49" charset="-127"/>
+              </a:rPr>
+              <a:t>I/DEBUG   (  218):     #09 pc 00000000000c7968  /system/lib64/libart.so (art_quick_to_interpreter_bridge+88)</a:t>
+            </a:r>
+          </a:p>
+          <a:p>
+            <a:r>
+              <a:rPr lang="en-US" altLang="ko-KR" sz="2000" smtClean="0">
+                <a:latin typeface="나눔고딕코딩" panose="020D0009000000000000" pitchFamily="49" charset="-127"/>
+                <a:ea typeface="나눔고딕코딩" panose="020D0009000000000000" pitchFamily="49" charset="-127"/>
+              </a:rPr>
+              <a:t>I/DEBUG   (  218):     #10 pc 00000000000c2944  /system/lib64/libart.so (art_quick_invoke_stub+564)</a:t>
+            </a:r>
+          </a:p>
+          <a:p>
+            <a:r>
+              <a:rPr lang="en-US" altLang="ko-KR" sz="2000" smtClean="0">
+                <a:latin typeface="나눔고딕코딩" panose="020D0009000000000000" pitchFamily="49" charset="-127"/>
+                <a:ea typeface="나눔고딕코딩" panose="020D0009000000000000" pitchFamily="49" charset="-127"/>
+              </a:rPr>
+              <a:t>I/DEBUG   (  218):     #11 pc 000000000027e810  /system/lib64/libart.so (art::mirror::ArtMethod::Invoke(art::Thread*, unsigned int*, unsigned int, art::JValue*, char const*)+248)</a:t>
+            </a:r>
+          </a:p>
+          <a:p>
+            <a:r>
+              <a:rPr lang="en-US" altLang="ko-KR" sz="2000" smtClean="0">
+                <a:latin typeface="나눔고딕코딩" panose="020D0009000000000000" pitchFamily="49" charset="-127"/>
+                <a:ea typeface="나눔고딕코딩" panose="020D0009000000000000" pitchFamily="49" charset="-127"/>
+              </a:rPr>
+              <a:t>I/DEBUG   (  218):     #12 pc 00000000002e474c  /system/lib64/libart.so (art::InvokeMethod(art::ScopedObjectAccessAlreadyRunnable const&amp;, _jobject*, _jobject*, _jobject*, bool)+1140)</a:t>
+            </a:r>
+          </a:p>
+          <a:p>
+            <a:r>
+              <a:rPr lang="en-US" altLang="ko-KR" sz="2000" smtClean="0">
+                <a:latin typeface="나눔고딕코딩" panose="020D0009000000000000" pitchFamily="49" charset="-127"/>
+                <a:ea typeface="나눔고딕코딩" panose="020D0009000000000000" pitchFamily="49" charset="-127"/>
+              </a:rPr>
+              <a:t>I/DEBUG   (  218):     #13 pc 00000000002c55e0  /system/lib64/libart.so (art::Method_invoke(_JNIEnv*, _jobject*, _jobject*, _jobject*, unsigned char)+48)</a:t>
+            </a:r>
+          </a:p>
+          <a:p>
+            <a:r>
+              <a:rPr lang="en-US" altLang="ko-KR" sz="2000" smtClean="0">
+                <a:latin typeface="나눔고딕코딩" panose="020D0009000000000000" pitchFamily="49" charset="-127"/>
+                <a:ea typeface="나눔고딕코딩" panose="020D0009000000000000" pitchFamily="49" charset="-127"/>
+              </a:rPr>
+              <a:t>I/DEBUG   (  218):     #14 pc 00000000000c780c  /system/lib64/libart.so (art_quick_generic_jni_trampoline+140)</a:t>
+            </a:r>
+          </a:p>
+          <a:p>
+            <a:r>
+              <a:rPr lang="en-US" altLang="ko-KR" sz="2000" smtClean="0">
+                <a:latin typeface="나눔고딕코딩" panose="020D0009000000000000" pitchFamily="49" charset="-127"/>
+                <a:ea typeface="나눔고딕코딩" panose="020D0009000000000000" pitchFamily="49" charset="-127"/>
+              </a:rPr>
+              <a:t>I/DEBUG   (  218):     #15 pc 00000000000c2944  /system/lib64/libart.so (art_quick_invoke_stub+564)</a:t>
+            </a:r>
+          </a:p>
+          <a:p>
+            <a:r>
+              <a:rPr lang="en-US" altLang="ko-KR" sz="2000" smtClean="0">
+                <a:latin typeface="나눔고딕코딩" panose="020D0009000000000000" pitchFamily="49" charset="-127"/>
+                <a:ea typeface="나눔고딕코딩" panose="020D0009000000000000" pitchFamily="49" charset="-127"/>
+              </a:rPr>
+              <a:t>I/DEBUG   (  218):     #16 pc 000000000027e810  /system/lib64/libart.so (art::mirror::ArtMethod::Invoke(art::Thread*, unsigned int*, unsigned int, art::JValue*, char const*)+248)</a:t>
+            </a:r>
+          </a:p>
+          <a:p>
+            <a:r>
+              <a:rPr lang="en-US" altLang="ko-KR" sz="2000" smtClean="0">
+                <a:latin typeface="나눔고딕코딩" panose="020D0009000000000000" pitchFamily="49" charset="-127"/>
+                <a:ea typeface="나눔고딕코딩" panose="020D0009000000000000" pitchFamily="49" charset="-127"/>
+              </a:rPr>
+              <a:t>I/DEBUG   (  218):     #17 pc 000000000035a44c  /system/lib64/libart.so (artInterpreterToCompiledCodeBridge+128)</a:t>
+            </a:r>
+          </a:p>
+          <a:p>
+            <a:r>
+              <a:rPr lang="en-US" altLang="ko-KR" sz="2000" smtClean="0">
+                <a:latin typeface="나눔고딕코딩" panose="020D0009000000000000" pitchFamily="49" charset="-127"/>
+                <a:ea typeface="나눔고딕코딩" panose="020D0009000000000000" pitchFamily="49" charset="-127"/>
+              </a:rPr>
+              <a:t>I/DEBUG   (  218):     #18 pc 00000000001f26ac  /system/lib64/libart.so (bool art::interpreter::DoCall&lt;false, false&gt;(art::mirror::ArtMethod*, art::Thread*, art::ShadowFrame&amp;, art::Instruction const*, unsigned short, art::JValue*)+440)</a:t>
+            </a:r>
+          </a:p>
+          <a:p>
+            <a:r>
+              <a:rPr lang="en-US" altLang="ko-KR" sz="2000" smtClean="0">
+                <a:latin typeface="나눔고딕코딩" panose="020D0009000000000000" pitchFamily="49" charset="-127"/>
+                <a:ea typeface="나눔고딕코딩" panose="020D0009000000000000" pitchFamily="49" charset="-127"/>
+              </a:rPr>
+              <a:t>I/DEBUG   (  218):     #19 pc 00000000000bab1c  /system/lib64/libart.so (art::JValue art::interpreter::ExecuteGotoImpl&lt;false, false&gt;(art::Thread*, art::MethodHelper&amp;, art::DexFile::CodeItem const*, art::ShadowFrame&amp;, art::JValue)+29500)</a:t>
+            </a:r>
+          </a:p>
+          <a:p>
+            <a:r>
+              <a:rPr lang="en-US" altLang="ko-KR" sz="2000" smtClean="0">
+                <a:latin typeface="나눔고딕코딩" panose="020D0009000000000000" pitchFamily="49" charset="-127"/>
+                <a:ea typeface="나눔고딕코딩" panose="020D0009000000000000" pitchFamily="49" charset="-127"/>
+              </a:rPr>
+              <a:t>I/DEBUG   (  218):     #20 pc 00000000001d5628  /system/lib64/libart.so (art::interpreter::EnterInterpreterFromStub(art::Thread*, art::MethodHelper&amp;, art::DexFile::CodeItem const*, art::ShadowFrame&amp;)+136)</a:t>
+            </a:r>
+          </a:p>
+          <a:p>
+            <a:r>
+              <a:rPr lang="en-US" altLang="ko-KR" sz="2000" smtClean="0">
+                <a:latin typeface="나눔고딕코딩" panose="020D0009000000000000" pitchFamily="49" charset="-127"/>
+                <a:ea typeface="나눔고딕코딩" panose="020D0009000000000000" pitchFamily="49" charset="-127"/>
+              </a:rPr>
+              <a:t>I/DEBUG   (  218):     #21 pc 000000000038c060  /system/lib64/libart.so (artQuickToInterpreterBridge+628)</a:t>
+            </a:r>
+          </a:p>
+          <a:p>
+            <a:r>
+              <a:rPr lang="en-US" altLang="ko-KR" sz="2000" smtClean="0">
+                <a:latin typeface="나눔고딕코딩" panose="020D0009000000000000" pitchFamily="49" charset="-127"/>
+                <a:ea typeface="나눔고딕코딩" panose="020D0009000000000000" pitchFamily="49" charset="-127"/>
+              </a:rPr>
+              <a:t>I/DEBUG   (  218):     #22 pc 00000000000c7968  /system/lib64/libart.so (art_quick_to_interpreter_bridge+88)</a:t>
+            </a:r>
+          </a:p>
+          <a:p>
+            <a:r>
+              <a:rPr lang="en-US" altLang="ko-KR" sz="2000" smtClean="0">
+                <a:latin typeface="나눔고딕코딩" panose="020D0009000000000000" pitchFamily="49" charset="-127"/>
+                <a:ea typeface="나눔고딕코딩" panose="020D0009000000000000" pitchFamily="49" charset="-127"/>
+              </a:rPr>
+              <a:t>I/DEBUG   (  218):     #23 pc 00000000000c2944  /system/lib64/libart.so (art_quick_invoke_stub+564)</a:t>
+            </a:r>
+          </a:p>
+          <a:p>
+            <a:r>
+              <a:rPr lang="en-US" altLang="ko-KR" sz="2000" smtClean="0">
+                <a:latin typeface="나눔고딕코딩" panose="020D0009000000000000" pitchFamily="49" charset="-127"/>
+                <a:ea typeface="나눔고딕코딩" panose="020D0009000000000000" pitchFamily="49" charset="-127"/>
+              </a:rPr>
+              <a:t>I/DEBUG   (  218):     #24 pc 000000000027e810  /system/lib64/libart.so (art::mirror::ArtMethod::Invoke(art::Thread*, unsigned int*, unsigned int, art::JValue*, char const*)+248)</a:t>
+            </a:r>
+          </a:p>
+          <a:p>
+            <a:r>
+              <a:rPr lang="en-US" altLang="ko-KR" sz="2000" smtClean="0">
+                <a:latin typeface="나눔고딕코딩" panose="020D0009000000000000" pitchFamily="49" charset="-127"/>
+                <a:ea typeface="나눔고딕코딩" panose="020D0009000000000000" pitchFamily="49" charset="-127"/>
+              </a:rPr>
+              <a:t>I/DEBUG   (  218):     #25 pc 000000000035a44c  /system/lib64/libart.so (artInterpreterToCompiledCodeBridge+128)</a:t>
+            </a:r>
+          </a:p>
+          <a:p>
+            <a:r>
+              <a:rPr lang="en-US" altLang="ko-KR" sz="2000" smtClean="0">
+                <a:latin typeface="나눔고딕코딩" panose="020D0009000000000000" pitchFamily="49" charset="-127"/>
+                <a:ea typeface="나눔고딕코딩" panose="020D0009000000000000" pitchFamily="49" charset="-127"/>
+              </a:rPr>
+              <a:t>I/DEBUG   (  218):     #26 pc 00000000001f26ac  /system/lib64/libart.so (bool art::interpreter::DoCall&lt;false, false&gt;(art::mirror::ArtMethod*, art::Thread*, art::ShadowFrame&amp;, art::Instruction const*, unsigned short, art::JValue*)+440)</a:t>
+            </a:r>
+          </a:p>
+          <a:p>
+            <a:r>
+              <a:rPr lang="en-US" altLang="ko-KR" sz="2000" smtClean="0">
+                <a:latin typeface="나눔고딕코딩" panose="020D0009000000000000" pitchFamily="49" charset="-127"/>
+                <a:ea typeface="나눔고딕코딩" panose="020D0009000000000000" pitchFamily="49" charset="-127"/>
+              </a:rPr>
+              <a:t>I/DEBUG   (  218):     #27 pc 00000000003940bc  /system/lib64/libart.so (bool art::interpreter::DoInvokeVirtualQuick&lt;false&gt;(art::Thread*, art::ShadowFrame&amp;, art::Instruction const*, unsigned short, art::JValue*)+244)</a:t>
+            </a:r>
+          </a:p>
+          <a:p>
+            <a:r>
+              <a:rPr lang="en-US" altLang="ko-KR" sz="2000" smtClean="0">
+                <a:latin typeface="나눔고딕코딩" panose="020D0009000000000000" pitchFamily="49" charset="-127"/>
+                <a:ea typeface="나눔고딕코딩" panose="020D0009000000000000" pitchFamily="49" charset="-127"/>
+              </a:rPr>
+              <a:t>I/DEBUG   (  218):     #28 pc 00000000000b9320  /system/lib64/libart.so (art::JValue art::interpreter::ExecuteGotoImpl&lt;false, false&gt;(art::Thread*, art::MethodHelper&amp;, art::DexFile::CodeItem const*, art::ShadowFrame&amp;, art::JValue)+23360)</a:t>
+            </a:r>
+          </a:p>
+          <a:p>
+            <a:r>
+              <a:rPr lang="en-US" altLang="ko-KR" sz="2000" smtClean="0">
+                <a:latin typeface="나눔고딕코딩" panose="020D0009000000000000" pitchFamily="49" charset="-127"/>
+                <a:ea typeface="나눔고딕코딩" panose="020D0009000000000000" pitchFamily="49" charset="-127"/>
+              </a:rPr>
+              <a:t>I/DEBUG   (  218):     #29 pc 00000000001df020  /system/lib64/libart.so (artInterpreterToInterpreterBridge+400)</a:t>
+            </a:r>
+          </a:p>
+          <a:p>
+            <a:r>
+              <a:rPr lang="en-US" altLang="ko-KR" sz="2000" smtClean="0">
+                <a:latin typeface="나눔고딕코딩" panose="020D0009000000000000" pitchFamily="49" charset="-127"/>
+                <a:ea typeface="나눔고딕코딩" panose="020D0009000000000000" pitchFamily="49" charset="-127"/>
+              </a:rPr>
+              <a:t>I/DEBUG   (  218):     #30 pc 00000000001f26ac  /system/lib64/libart.so (bool art::interpreter::DoCall&lt;false, false&gt;(art::mirror::ArtMethod*, art::Thread*, art::ShadowFrame&amp;, art::Instruction const*, unsigned short, art::JValue*)+440)</a:t>
+            </a:r>
+          </a:p>
+          <a:p>
+            <a:r>
+              <a:rPr lang="en-US" altLang="ko-KR" sz="2000" smtClean="0">
+                <a:latin typeface="나눔고딕코딩" panose="020D0009000000000000" pitchFamily="49" charset="-127"/>
+                <a:ea typeface="나눔고딕코딩" panose="020D0009000000000000" pitchFamily="49" charset="-127"/>
+              </a:rPr>
+              <a:t>I/DEBUG   (  218):     #31 pc 00000000003953f8  /system/lib64/libart.so (bool art::interpreter::DoInvoke&lt;(art::InvokeType)4, false, false&gt;(art::Thread*, art::ShadowFrame&amp;, art::Instruction const*, unsigned short, art::JValue*)+268)</a:t>
+            </a:r>
+          </a:p>
+          <a:p>
+            <a:r>
+              <a:rPr lang="en-US" altLang="ko-KR" sz="2000" smtClean="0">
+                <a:latin typeface="나눔고딕코딩" panose="020D0009000000000000" pitchFamily="49" charset="-127"/>
+                <a:ea typeface="나눔고딕코딩" panose="020D0009000000000000" pitchFamily="49" charset="-127"/>
+              </a:rPr>
+              <a:t>I/DEBUG   (  218):     #32 pc 00000000000b8fe8  /system/lib64/libart.so (art::JValue art::interpreter::ExecuteGotoImpl&lt;false, false&gt;(art::Thread*, art::MethodHelper&amp;, art::DexFile::CodeItem const*, art::ShadowFrame&amp;, art::JValue)+22536)</a:t>
+            </a:r>
+          </a:p>
+          <a:p>
+            <a:r>
+              <a:rPr lang="en-US" altLang="ko-KR" sz="2000" smtClean="0">
+                <a:latin typeface="나눔고딕코딩" panose="020D0009000000000000" pitchFamily="49" charset="-127"/>
+                <a:ea typeface="나눔고딕코딩" panose="020D0009000000000000" pitchFamily="49" charset="-127"/>
+              </a:rPr>
+              <a:t>I/DEBUG   (  218):     #33 pc 00000000001d5628  /system/lib64/libart.so (art::interpreter::EnterInterpreterFromStub(art::Thread*, art::MethodHelper&amp;, art::DexFile::CodeItem const*, art::ShadowFrame&amp;)+136)</a:t>
+            </a:r>
+          </a:p>
+          <a:p>
+            <a:r>
+              <a:rPr lang="en-US" altLang="ko-KR" sz="2000" smtClean="0">
+                <a:latin typeface="나눔고딕코딩" panose="020D0009000000000000" pitchFamily="49" charset="-127"/>
+                <a:ea typeface="나눔고딕코딩" panose="020D0009000000000000" pitchFamily="49" charset="-127"/>
+              </a:rPr>
+              <a:t>I/DEBUG   (  218):     #34 pc 000000000038c060  /system/lib64/libart.so (artQuickToInterpreterBridge+628)</a:t>
+            </a:r>
+          </a:p>
+          <a:p>
+            <a:r>
+              <a:rPr lang="en-US" altLang="ko-KR" sz="2000" smtClean="0">
+                <a:latin typeface="나눔고딕코딩" panose="020D0009000000000000" pitchFamily="49" charset="-127"/>
+                <a:ea typeface="나눔고딕코딩" panose="020D0009000000000000" pitchFamily="49" charset="-127"/>
+              </a:rPr>
+              <a:t>I/DEBUG   (  218):     #35 pc 00000000000c7968  /system/lib64/libart.so (art_quick_to_interpreter_bridge+88)</a:t>
+            </a:r>
+          </a:p>
+          <a:p>
+            <a:r>
+              <a:rPr lang="en-US" altLang="ko-KR" sz="2000" smtClean="0">
+                <a:latin typeface="나눔고딕코딩" panose="020D0009000000000000" pitchFamily="49" charset="-127"/>
+                <a:ea typeface="나눔고딕코딩" panose="020D0009000000000000" pitchFamily="49" charset="-127"/>
+              </a:rPr>
+              <a:t>I/DEBUG   (  218):     #36 pc 00000000000c2944  /system/lib64/libart.so (art_quick_invoke_stub+564)</a:t>
+            </a:r>
+          </a:p>
+          <a:p>
+            <a:r>
+              <a:rPr lang="en-US" altLang="ko-KR" sz="2000" smtClean="0">
+                <a:latin typeface="나눔고딕코딩" panose="020D0009000000000000" pitchFamily="49" charset="-127"/>
+                <a:ea typeface="나눔고딕코딩" panose="020D0009000000000000" pitchFamily="49" charset="-127"/>
+              </a:rPr>
+              <a:t>I/DEBUG   (  218):     #37 pc 000000000027e810  /system/lib64/libart.so (art::mirror::ArtMethod::Invoke(art::Thread*, unsigned int*, unsigned int, art::JValue*, char const*)+248)</a:t>
+            </a:r>
+          </a:p>
+          <a:p>
+            <a:r>
+              <a:rPr lang="en-US" altLang="ko-KR" sz="2000" smtClean="0">
+                <a:latin typeface="나눔고딕코딩" panose="020D0009000000000000" pitchFamily="49" charset="-127"/>
+                <a:ea typeface="나눔고딕코딩" panose="020D0009000000000000" pitchFamily="49" charset="-127"/>
+              </a:rPr>
+              <a:t>I/DEBUG   (  218):     #38 pc 000000000035a44c  /system/lib64/libart.so (artInterpreterToCompiledCodeBridge+128)</a:t>
+            </a:r>
+          </a:p>
+          <a:p>
+            <a:r>
+              <a:rPr lang="en-US" altLang="ko-KR" sz="2000" smtClean="0">
+                <a:latin typeface="나눔고딕코딩" panose="020D0009000000000000" pitchFamily="49" charset="-127"/>
+                <a:ea typeface="나눔고딕코딩" panose="020D0009000000000000" pitchFamily="49" charset="-127"/>
+              </a:rPr>
+              <a:t>I/DEBUG   (  218):     #39 pc 00000000001f26ac  /system/lib64/libart.so (bool art::interpreter::DoCall&lt;false, false&gt;(art::mirror::ArtMethod*, art::Thread*, art::ShadowFrame&amp;, art::Instruction const*, unsigned short, art::JValue*)+440)</a:t>
+            </a:r>
+          </a:p>
+          <a:p>
+            <a:r>
+              <a:rPr lang="en-US" altLang="ko-KR" sz="2000" smtClean="0">
+                <a:latin typeface="나눔고딕코딩" panose="020D0009000000000000" pitchFamily="49" charset="-127"/>
+                <a:ea typeface="나눔고딕코딩" panose="020D0009000000000000" pitchFamily="49" charset="-127"/>
+              </a:rPr>
+              <a:t>I/DEBUG   (  218):     #40 pc 00000000003940bc  /system/lib64/libart.so (bool art::interpreter::DoInvokeVirtualQuick&lt;false&gt;(art::Thread*, art::ShadowFrame&amp;, art::Instruction const*, unsigned short, art::JValue*)+244)</a:t>
+            </a:r>
+          </a:p>
+          <a:p>
+            <a:r>
+              <a:rPr lang="en-US" altLang="ko-KR" sz="2000" smtClean="0">
+                <a:latin typeface="나눔고딕코딩" panose="020D0009000000000000" pitchFamily="49" charset="-127"/>
+                <a:ea typeface="나눔고딕코딩" panose="020D0009000000000000" pitchFamily="49" charset="-127"/>
+              </a:rPr>
+              <a:t>I/DEBUG   (  218):     #41 pc 00000000000abf64  /system/lib64/libart.so (art::JValue art::interpreter::ExecuteGotoImpl&lt;true, false&gt;(art::Thread*, art::MethodHelper&amp;, art::DexFile::CodeItem const*, art::ShadowFrame&amp;, art::JValue)+23964)</a:t>
+            </a:r>
+          </a:p>
+          <a:p>
+            <a:r>
+              <a:rPr lang="en-US" altLang="ko-KR" sz="2000" smtClean="0">
+                <a:latin typeface="나눔고딕코딩" panose="020D0009000000000000" pitchFamily="49" charset="-127"/>
+                <a:ea typeface="나눔고딕코딩" panose="020D0009000000000000" pitchFamily="49" charset="-127"/>
+              </a:rPr>
+              <a:t>I/DEBUG   (  218):     #42 pc 00000000001d568c  /system/lib64/libart.so (art::interpreter::EnterInterpreterFromStub(art::Thread*, art::MethodHelper&amp;, art::DexFile::CodeItem const*, art::ShadowFrame&amp;)+236)</a:t>
+            </a:r>
+          </a:p>
+          <a:p>
+            <a:r>
+              <a:rPr lang="en-US" altLang="ko-KR" sz="2000" smtClean="0">
+                <a:latin typeface="나눔고딕코딩" panose="020D0009000000000000" pitchFamily="49" charset="-127"/>
+                <a:ea typeface="나눔고딕코딩" panose="020D0009000000000000" pitchFamily="49" charset="-127"/>
+              </a:rPr>
+              <a:t>I/DEBUG   (  218):     #43 pc 000000000038c060  /system/lib64/libart.so (artQuickToInterpreterBridge+628)</a:t>
+            </a:r>
+          </a:p>
+          <a:p>
+            <a:r>
+              <a:rPr lang="en-US" altLang="ko-KR" sz="2000" smtClean="0">
+                <a:latin typeface="나눔고딕코딩" panose="020D0009000000000000" pitchFamily="49" charset="-127"/>
+                <a:ea typeface="나눔고딕코딩" panose="020D0009000000000000" pitchFamily="49" charset="-127"/>
+              </a:rPr>
+              <a:t>I/DEBUG   (  218):     #44 pc 00000000000c7968  /system/lib64/libart.so (art_quick_to_interpreter_bridge+88)</a:t>
+            </a:r>
+          </a:p>
+          <a:p>
+            <a:r>
+              <a:rPr lang="en-US" altLang="ko-KR" sz="2000" smtClean="0">
+                <a:latin typeface="나눔고딕코딩" panose="020D0009000000000000" pitchFamily="49" charset="-127"/>
+                <a:ea typeface="나눔고딕코딩" panose="020D0009000000000000" pitchFamily="49" charset="-127"/>
+              </a:rPr>
+              <a:t>I/DEBUG   (  218):     #45 pc 00000000000c2944  /system/lib64/libart.so (art_quick_invoke_stub+564)</a:t>
+            </a:r>
+          </a:p>
+          <a:p>
+            <a:r>
+              <a:rPr lang="en-US" altLang="ko-KR" sz="2000" smtClean="0">
+                <a:latin typeface="나눔고딕코딩" panose="020D0009000000000000" pitchFamily="49" charset="-127"/>
+                <a:ea typeface="나눔고딕코딩" panose="020D0009000000000000" pitchFamily="49" charset="-127"/>
+              </a:rPr>
+              <a:t>I/DEBUG   (  218):     #46 pc 000000000027e810  /system/lib64/libart.so (art::mirror::ArtMethod::Invoke(art::Thread*, unsigned int*, unsigned int, art::JValue*, char const*)+248)</a:t>
+            </a:r>
+          </a:p>
+          <a:p>
+            <a:r>
+              <a:rPr lang="en-US" altLang="ko-KR" sz="2000" smtClean="0">
+                <a:latin typeface="나눔고딕코딩" panose="020D0009000000000000" pitchFamily="49" charset="-127"/>
+                <a:ea typeface="나눔고딕코딩" panose="020D0009000000000000" pitchFamily="49" charset="-127"/>
+              </a:rPr>
+              <a:t>I/DEBUG   (  218):     #47 pc 000000000035a44c  /system/lib64/libart.so (artInterpreterToCompiledCodeBridge+128)</a:t>
+            </a:r>
+          </a:p>
+          <a:p>
+            <a:r>
+              <a:rPr lang="en-US" altLang="ko-KR" sz="2000" smtClean="0">
+                <a:latin typeface="나눔고딕코딩" panose="020D0009000000000000" pitchFamily="49" charset="-127"/>
+                <a:ea typeface="나눔고딕코딩" panose="020D0009000000000000" pitchFamily="49" charset="-127"/>
+              </a:rPr>
+              <a:t>I/DEBUG   (  218):     #48 pc 00000000001f26ac  /system/lib64/libart.so (bool art::interpreter::DoCall&lt;false, false&gt;(art::mirror::ArtMethod*, art::Thread*, art::ShadowFrame&amp;, art::Instruction const*, unsigned short, art::JValue*)+440)</a:t>
+            </a:r>
+          </a:p>
+          <a:p>
+            <a:r>
+              <a:rPr lang="en-US" altLang="ko-KR" sz="2000" smtClean="0">
+                <a:latin typeface="나눔고딕코딩" panose="020D0009000000000000" pitchFamily="49" charset="-127"/>
+                <a:ea typeface="나눔고딕코딩" panose="020D0009000000000000" pitchFamily="49" charset="-127"/>
+              </a:rPr>
+              <a:t>I/DEBUG   (  218):     #49 pc 00000000003953f8  /system/lib64/libart.so (bool art::interpreter::DoInvoke&lt;(art::InvokeType)4, false, false&gt;(art::Thread*, art::ShadowFrame&amp;, art::Instruction const*, unsigned short, art::JValue*)+268)</a:t>
+            </a:r>
+          </a:p>
+          <a:p>
+            <a:r>
+              <a:rPr lang="en-US" altLang="ko-KR" sz="2000" smtClean="0">
+                <a:latin typeface="나눔고딕코딩" panose="020D0009000000000000" pitchFamily="49" charset="-127"/>
+                <a:ea typeface="나눔고딕코딩" panose="020D0009000000000000" pitchFamily="49" charset="-127"/>
+              </a:rPr>
+              <a:t>I/DEBUG   (  218):     #50 pc 00000000000b8fe8  /system/lib64/libart.so (art::JValue art::interpreter::ExecuteGotoImpl&lt;false, false&gt;(art::Thread*, art::MethodHelper&amp;, art::DexFile::CodeItem const*, art::ShadowFrame&amp;, art::JValue)+22536)</a:t>
+            </a:r>
+          </a:p>
+          <a:p>
+            <a:r>
+              <a:rPr lang="en-US" altLang="ko-KR" sz="2000" smtClean="0">
+                <a:latin typeface="나눔고딕코딩" panose="020D0009000000000000" pitchFamily="49" charset="-127"/>
+                <a:ea typeface="나눔고딕코딩" panose="020D0009000000000000" pitchFamily="49" charset="-127"/>
+              </a:rPr>
+              <a:t>I/DEBUG   (  218):     #51 pc 00000000001df020  /system/lib64/libart.so (artInterpreterToInterpreterBridge+400)</a:t>
+            </a:r>
+          </a:p>
+          <a:p>
+            <a:r>
+              <a:rPr lang="en-US" altLang="ko-KR" sz="2000" smtClean="0">
+                <a:latin typeface="나눔고딕코딩" panose="020D0009000000000000" pitchFamily="49" charset="-127"/>
+                <a:ea typeface="나눔고딕코딩" panose="020D0009000000000000" pitchFamily="49" charset="-127"/>
+              </a:rPr>
+              <a:t>I/DEBUG   (  218):     #52 pc 00000000001f26ac  /system/lib64/libart.so (bool art::interpreter::DoCall&lt;false, false&gt;(art::mirror::ArtMethod*, art::Thread*, art::ShadowFrame&amp;, art::Instruction const*, unsigned short, art::JValue*)+440)</a:t>
+            </a:r>
+          </a:p>
+          <a:p>
+            <a:r>
+              <a:rPr lang="en-US" altLang="ko-KR" sz="2000" smtClean="0">
+                <a:latin typeface="나눔고딕코딩" panose="020D0009000000000000" pitchFamily="49" charset="-127"/>
+                <a:ea typeface="나눔고딕코딩" panose="020D0009000000000000" pitchFamily="49" charset="-127"/>
+              </a:rPr>
+              <a:t>I/DEBUG   (  218):     #53 pc 00000000000b9184  /system/lib64/libart.so (art::JValue art::interpreter::ExecuteGotoImpl&lt;false, false&gt;(art::Thread*, art::MethodHelper&amp;, art::DexFile::CodeItem const*, art::ShadowFrame&amp;, art::JValue)+22948)</a:t>
+            </a:r>
+          </a:p>
+          <a:p>
+            <a:r>
+              <a:rPr lang="en-US" altLang="ko-KR" sz="2000" smtClean="0">
+                <a:latin typeface="나눔고딕코딩" panose="020D0009000000000000" pitchFamily="49" charset="-127"/>
+                <a:ea typeface="나눔고딕코딩" panose="020D0009000000000000" pitchFamily="49" charset="-127"/>
+              </a:rPr>
+              <a:t>I/DEBUG   (  218):     #54 pc 00000000001d5628  /system/lib64/libart.so (art::interpreter::EnterInterpreterFromStub(art::Thread*, art::MethodHelper&amp;, art::DexFile::CodeItem const*, art::ShadowFrame&amp;)+136)</a:t>
+            </a:r>
+          </a:p>
+          <a:p>
+            <a:r>
+              <a:rPr lang="en-US" altLang="ko-KR" sz="2000" smtClean="0">
+                <a:latin typeface="나눔고딕코딩" panose="020D0009000000000000" pitchFamily="49" charset="-127"/>
+                <a:ea typeface="나눔고딕코딩" panose="020D0009000000000000" pitchFamily="49" charset="-127"/>
+              </a:rPr>
+              <a:t>I/DEBUG   (  218):     #55 pc 000000000038c060  /system/lib64/libart.so (artQuickToInterpreterBridge+628)</a:t>
+            </a:r>
+          </a:p>
+          <a:p>
+            <a:r>
+              <a:rPr lang="en-US" altLang="ko-KR" sz="2000" smtClean="0">
+                <a:latin typeface="나눔고딕코딩" panose="020D0009000000000000" pitchFamily="49" charset="-127"/>
+                <a:ea typeface="나눔고딕코딩" panose="020D0009000000000000" pitchFamily="49" charset="-127"/>
+              </a:rPr>
+              <a:t>I/DEBUG   (  218):     #56 pc 00000000000c7968  /system/lib64/libart.so (art_quick_to_interpreter_bridge+88)</a:t>
+            </a:r>
+          </a:p>
+          <a:p>
+            <a:r>
+              <a:rPr lang="en-US" altLang="ko-KR" sz="2000" smtClean="0">
+                <a:latin typeface="나눔고딕코딩" panose="020D0009000000000000" pitchFamily="49" charset="-127"/>
+                <a:ea typeface="나눔고딕코딩" panose="020D0009000000000000" pitchFamily="49" charset="-127"/>
+              </a:rPr>
+              <a:t>I/DEBUG   (  218):     #57 pc 00000000000c2944  /system/lib64/libart.so (art_quick_invoke_stub+564)</a:t>
+            </a:r>
+          </a:p>
+          <a:p>
+            <a:r>
+              <a:rPr lang="en-US" altLang="ko-KR" sz="2000" smtClean="0">
+                <a:latin typeface="나눔고딕코딩" panose="020D0009000000000000" pitchFamily="49" charset="-127"/>
+                <a:ea typeface="나눔고딕코딩" panose="020D0009000000000000" pitchFamily="49" charset="-127"/>
+              </a:rPr>
+              <a:t>I/DEBUG   (  218):     #58 pc 000000000027e810  /system/lib64/libart.so (art::mirror::ArtMethod::Invoke(art::Thread*, unsigned int*, unsigned int, art::JValue*, char const*)+248)</a:t>
+            </a:r>
+          </a:p>
+          <a:p>
+            <a:r>
+              <a:rPr lang="en-US" altLang="ko-KR" sz="2000" smtClean="0">
+                <a:latin typeface="나눔고딕코딩" panose="020D0009000000000000" pitchFamily="49" charset="-127"/>
+                <a:ea typeface="나눔고딕코딩" panose="020D0009000000000000" pitchFamily="49" charset="-127"/>
+              </a:rPr>
+              <a:t>I/DEBUG   (  218):     #59 pc 000000000035a44c  /system/lib64/libart.so (artInterpreterToCompiledCodeBridge+128)</a:t>
+            </a:r>
+          </a:p>
+          <a:p>
+            <a:r>
+              <a:rPr lang="en-US" altLang="ko-KR" sz="2000" smtClean="0">
+                <a:latin typeface="나눔고딕코딩" panose="020D0009000000000000" pitchFamily="49" charset="-127"/>
+                <a:ea typeface="나눔고딕코딩" panose="020D0009000000000000" pitchFamily="49" charset="-127"/>
+              </a:rPr>
+              <a:t>I/DEBUG   (  218):     #60 pc 00000000001f26ac  /system/lib64/libart.so (bool art::interpreter::DoCall&lt;false, false&gt;(art::mirror::ArtMethod*, art::Thread*, art::ShadowFrame&amp;, art::Instruction const*, unsigned short, art::JValue*)+440)</a:t>
+            </a:r>
+          </a:p>
+          <a:p>
+            <a:r>
+              <a:rPr lang="en-US" altLang="ko-KR" sz="2000" smtClean="0">
+                <a:latin typeface="나눔고딕코딩" panose="020D0009000000000000" pitchFamily="49" charset="-127"/>
+                <a:ea typeface="나눔고딕코딩" panose="020D0009000000000000" pitchFamily="49" charset="-127"/>
+              </a:rPr>
+              <a:t>I/DEBUG   (  218):     #61 pc 00000000003940bc  /system/lib64/libart.so (bool art::interpreter::DoInvokeVirtualQuick&lt;false&gt;(art::Thread*, art::ShadowFrame&amp;, art::Instruction const*, unsigned short, art::JValue*)+244)</a:t>
+            </a:r>
+          </a:p>
+          <a:p>
+            <a:r>
+              <a:rPr lang="en-US" altLang="ko-KR" sz="2000" smtClean="0">
+                <a:latin typeface="나눔고딕코딩" panose="020D0009000000000000" pitchFamily="49" charset="-127"/>
+                <a:ea typeface="나눔고딕코딩" panose="020D0009000000000000" pitchFamily="49" charset="-127"/>
+              </a:rPr>
+              <a:t>I/DEBUG   (  218):     #62 pc 00000000000abf64  /system/lib64/libart.so (art::JValue art::interpreter::ExecuteGotoImpl&lt;true, false&gt;(art::Thread*, art::MethodHelper&amp;, art::DexFile::CodeItem const*, art::ShadowFrame&amp;, art::JValue)+23964)</a:t>
+            </a:r>
+          </a:p>
+          <a:p>
+            <a:r>
+              <a:rPr lang="en-US" altLang="ko-KR" sz="2000" smtClean="0">
+                <a:latin typeface="나눔고딕코딩" panose="020D0009000000000000" pitchFamily="49" charset="-127"/>
+                <a:ea typeface="나눔고딕코딩" panose="020D0009000000000000" pitchFamily="49" charset="-127"/>
+              </a:rPr>
+              <a:t>I/DEBUG   (  218):     #63 pc 00000000001df110  /system/lib64/libart.so (artInterpreterToInterpreterBridge+640)</a:t>
+            </a:r>
+          </a:p>
+          <a:p>
+            <a:r>
+              <a:rPr lang="en-US" altLang="ko-KR" sz="2000" smtClean="0">
+                <a:latin typeface="나눔고딕코딩" panose="020D0009000000000000" pitchFamily="49" charset="-127"/>
+                <a:ea typeface="나눔고딕코딩" panose="020D0009000000000000" pitchFamily="49" charset="-127"/>
+              </a:rPr>
+              <a:t>I/DEBUG   (  218):</a:t>
+            </a:r>
+          </a:p>
+          <a:p>
+            <a:r>
+              <a:rPr lang="en-US" altLang="ko-KR" sz="2000" smtClean="0">
+                <a:latin typeface="나눔고딕코딩" panose="020D0009000000000000" pitchFamily="49" charset="-127"/>
+                <a:ea typeface="나눔고딕코딩" panose="020D0009000000000000" pitchFamily="49" charset="-127"/>
+              </a:rPr>
+              <a:t>I/DEBUG   (  218): Tombstone written to: /data/tombstones/tombstone_03</a:t>
+            </a:r>
+          </a:p>
+          <a:p>
+            <a:r>
+              <a:rPr lang="en-US" altLang="ko-KR" sz="2000" smtClean="0">
+                <a:latin typeface="나눔고딕코딩" panose="020D0009000000000000" pitchFamily="49" charset="-127"/>
+                <a:ea typeface="나눔고딕코딩" panose="020D0009000000000000" pitchFamily="49" charset="-127"/>
+              </a:rPr>
+              <a:t>W/ActivityManager(  521):   Force finishing activity com.example.debugtest/.MainActivity</a:t>
+            </a:r>
+          </a:p>
+          <a:p>
+            <a:r>
+              <a:rPr lang="en-US" altLang="ko-KR" sz="2000" smtClean="0">
+                <a:latin typeface="나눔고딕코딩" panose="020D0009000000000000" pitchFamily="49" charset="-127"/>
+                <a:ea typeface="나눔고딕코딩" panose="020D0009000000000000" pitchFamily="49" charset="-127"/>
+              </a:rPr>
+              <a:t>E/JavaBinder(  521): !!! FAILED BINDER TRANSACTION !!!</a:t>
+            </a:r>
+          </a:p>
+          <a:p>
+            <a:r>
+              <a:rPr lang="en-US" altLang="ko-KR" sz="2000" smtClean="0">
+                <a:latin typeface="나눔고딕코딩" panose="020D0009000000000000" pitchFamily="49" charset="-127"/>
+                <a:ea typeface="나눔고딕코딩" panose="020D0009000000000000" pitchFamily="49" charset="-127"/>
+              </a:rPr>
+              <a:t>I/WindowState(  521): WIN DEATH: Window{b02cec0 u0 com.example.debugtest/com.example.debugtest.MainActivity}</a:t>
+            </a:r>
+          </a:p>
+          <a:p>
+            <a:r>
+              <a:rPr lang="en-US" altLang="ko-KR" sz="2000" smtClean="0">
+                <a:latin typeface="나눔고딕코딩" panose="020D0009000000000000" pitchFamily="49" charset="-127"/>
+                <a:ea typeface="나눔고딕코딩" panose="020D0009000000000000" pitchFamily="49" charset="-127"/>
+              </a:rPr>
+              <a:t>W/ActivityManager(  521): Exception thrown during pause</a:t>
+            </a:r>
+          </a:p>
+          <a:p>
+            <a:r>
+              <a:rPr lang="en-US" altLang="ko-KR" sz="2000" smtClean="0">
+                <a:latin typeface="나눔고딕코딩" panose="020D0009000000000000" pitchFamily="49" charset="-127"/>
+                <a:ea typeface="나눔고딕코딩" panose="020D0009000000000000" pitchFamily="49" charset="-127"/>
+              </a:rPr>
+              <a:t>W/ActivityManager(  521): android.os.DeadObjectException</a:t>
+            </a:r>
+          </a:p>
+          <a:p>
+            <a:r>
+              <a:rPr lang="en-US" altLang="ko-KR" sz="2000" smtClean="0">
+                <a:latin typeface="나눔고딕코딩" panose="020D0009000000000000" pitchFamily="49" charset="-127"/>
+                <a:ea typeface="나눔고딕코딩" panose="020D0009000000000000" pitchFamily="49" charset="-127"/>
+              </a:rPr>
+              <a:t>W/ActivityManager(  521):       at android.os.BinderProxy.transactNative(Native Method)</a:t>
+            </a:r>
+          </a:p>
+          <a:p>
+            <a:r>
+              <a:rPr lang="en-US" altLang="ko-KR" sz="2000" smtClean="0">
+                <a:latin typeface="나눔고딕코딩" panose="020D0009000000000000" pitchFamily="49" charset="-127"/>
+                <a:ea typeface="나눔고딕코딩" panose="020D0009000000000000" pitchFamily="49" charset="-127"/>
+              </a:rPr>
+              <a:t>W/ActivityManager(  521):       at android.os.BinderProxy.transact(Binder.java:496)</a:t>
+            </a:r>
+          </a:p>
+          <a:p>
+            <a:r>
+              <a:rPr lang="en-US" altLang="ko-KR" sz="2000" smtClean="0">
+                <a:latin typeface="나눔고딕코딩" panose="020D0009000000000000" pitchFamily="49" charset="-127"/>
+                <a:ea typeface="나눔고딕코딩" panose="020D0009000000000000" pitchFamily="49" charset="-127"/>
+              </a:rPr>
+              <a:t>W/ActivityManager(  521):       at android.app.ApplicationThreadProxy.schedulePauseActivity(ApplicationThreadNative.java:701)</a:t>
+            </a:r>
+          </a:p>
+          <a:p>
+            <a:r>
+              <a:rPr lang="en-US" altLang="ko-KR" sz="2000" smtClean="0">
+                <a:latin typeface="나눔고딕코딩" panose="020D0009000000000000" pitchFamily="49" charset="-127"/>
+                <a:ea typeface="나눔고딕코딩" panose="020D0009000000000000" pitchFamily="49" charset="-127"/>
+              </a:rPr>
+              <a:t>W/ActivityManager(  521):       at com.android.server.am.ActivityStack.startPausingLocked(ActivityStack.java:852)</a:t>
+            </a:r>
+          </a:p>
+          <a:p>
+            <a:r>
+              <a:rPr lang="en-US" altLang="ko-KR" sz="2000" smtClean="0">
+                <a:latin typeface="나눔고딕코딩" panose="020D0009000000000000" pitchFamily="49" charset="-127"/>
+                <a:ea typeface="나눔고딕코딩" panose="020D0009000000000000" pitchFamily="49" charset="-127"/>
+              </a:rPr>
+              <a:t>W/ActivityManager(  521):       at com.android.server.am.ActivityStack.finishActivityLocked(ActivityStack.java:2754)</a:t>
+            </a:r>
+          </a:p>
+          <a:p>
+            <a:r>
+              <a:rPr lang="en-US" altLang="ko-KR" sz="2000" smtClean="0">
+                <a:latin typeface="나눔고딕코딩" panose="020D0009000000000000" pitchFamily="49" charset="-127"/>
+                <a:ea typeface="나눔고딕코딩" panose="020D0009000000000000" pitchFamily="49" charset="-127"/>
+              </a:rPr>
+              <a:t>W/ActivityManager(  521):       at com.android.server.am.ActivityStack.finishTopRunningActivityLocked(ActivityStack.java:2611)</a:t>
+            </a:r>
+          </a:p>
+          <a:p>
+            <a:r>
+              <a:rPr lang="en-US" altLang="ko-KR" sz="2000" smtClean="0">
+                <a:latin typeface="나눔고딕코딩" panose="020D0009000000000000" pitchFamily="49" charset="-127"/>
+                <a:ea typeface="나눔고딕코딩" panose="020D0009000000000000" pitchFamily="49" charset="-127"/>
+              </a:rPr>
+              <a:t>W/ActivityManager(  521):       at com.android.server.am.ActivityStackSupervisor.finishTopRunningActivityLocked(ActivityStackSupervisor.java:2453)</a:t>
+            </a:r>
+          </a:p>
+          <a:p>
+            <a:r>
+              <a:rPr lang="en-US" altLang="ko-KR" sz="2000" smtClean="0">
+                <a:latin typeface="나눔고딕코딩" panose="020D0009000000000000" pitchFamily="49" charset="-127"/>
+                <a:ea typeface="나눔고딕코딩" panose="020D0009000000000000" pitchFamily="49" charset="-127"/>
+              </a:rPr>
+              <a:t>W/ActivityManager(  521):       at com.android.server.am.ActivityManagerService.handleAppCrashLocked(ActivityManagerService.java:11511)</a:t>
+            </a:r>
+          </a:p>
+          <a:p>
+            <a:r>
+              <a:rPr lang="en-US" altLang="ko-KR" sz="2000" smtClean="0">
+                <a:latin typeface="나눔고딕코딩" panose="020D0009000000000000" pitchFamily="49" charset="-127"/>
+                <a:ea typeface="나눔고딕코딩" panose="020D0009000000000000" pitchFamily="49" charset="-127"/>
+              </a:rPr>
+              <a:t>W/ActivityManager(  521):       at com.android.server.am.ActivityManagerService.makeAppCrashingLocked(ActivityManagerService.java:11408)</a:t>
+            </a:r>
+          </a:p>
+          <a:p>
+            <a:r>
+              <a:rPr lang="en-US" altLang="ko-KR" sz="2000" smtClean="0">
+                <a:latin typeface="나눔고딕코딩" panose="020D0009000000000000" pitchFamily="49" charset="-127"/>
+                <a:ea typeface="나눔고딕코딩" panose="020D0009000000000000" pitchFamily="49" charset="-127"/>
+              </a:rPr>
+              <a:t>W/ActivityManager(  521):       at com.android.server.am.ActivityManagerService.crashApplication(ActivityManagerService.java:12087)</a:t>
+            </a:r>
+          </a:p>
+          <a:p>
+            <a:r>
+              <a:rPr lang="en-US" altLang="ko-KR" sz="2000" smtClean="0">
+                <a:latin typeface="나눔고딕코딩" panose="020D0009000000000000" pitchFamily="49" charset="-127"/>
+                <a:ea typeface="나눔고딕코딩" panose="020D0009000000000000" pitchFamily="49" charset="-127"/>
+              </a:rPr>
+              <a:t>W/ActivityManager(  521):       at com.android.server.am.ActivityManagerService.handleApplicationCrashInner(ActivityManagerService.java:11603)</a:t>
+            </a:r>
+          </a:p>
+          <a:p>
+            <a:r>
+              <a:rPr lang="en-US" altLang="ko-KR" sz="2000" smtClean="0">
+                <a:latin typeface="나눔고딕코딩" panose="020D0009000000000000" pitchFamily="49" charset="-127"/>
+                <a:ea typeface="나눔고딕코딩" panose="020D0009000000000000" pitchFamily="49" charset="-127"/>
+              </a:rPr>
+              <a:t>W/ActivityManager(  521):       at com.android.server.am.NativeCrashListener$NativeCrashReporter.run(NativeCrashListener.java:86)</a:t>
+            </a:r>
+          </a:p>
+          <a:p>
+            <a:r>
+              <a:rPr lang="en-US" altLang="ko-KR" sz="2000" smtClean="0">
+                <a:latin typeface="나눔고딕코딩" panose="020D0009000000000000" pitchFamily="49" charset="-127"/>
+                <a:ea typeface="나눔고딕코딩" panose="020D0009000000000000" pitchFamily="49" charset="-127"/>
+              </a:rPr>
+              <a:t>E/lowmemorykiller(  161): Error writing /proc/26469/oom_score_adj; errno=22</a:t>
+            </a:r>
+          </a:p>
+          <a:p>
+            <a:r>
+              <a:rPr lang="en-US" altLang="ko-KR" sz="2000" smtClean="0">
+                <a:latin typeface="나눔고딕코딩" panose="020D0009000000000000" pitchFamily="49" charset="-127"/>
+                <a:ea typeface="나눔고딕코딩" panose="020D0009000000000000" pitchFamily="49" charset="-127"/>
+              </a:rPr>
+              <a:t>I/Zygote  (  224): Process 26469 exited due to signal (11)</a:t>
+            </a:r>
+          </a:p>
+          <a:p>
+            <a:r>
+              <a:rPr lang="en-US" altLang="ko-KR" sz="2000" smtClean="0">
+                <a:latin typeface="나눔고딕코딩" panose="020D0009000000000000" pitchFamily="49" charset="-127"/>
+                <a:ea typeface="나눔고딕코딩" panose="020D0009000000000000" pitchFamily="49" charset="-127"/>
+              </a:rPr>
+              <a:t>I/ActivityManager(  521): Process com.example.debugtest (pid 26469) has died</a:t>
+            </a:r>
+          </a:p>
+          <a:p>
+            <a:r>
+              <a:rPr lang="en-US" altLang="ko-KR" sz="2000" smtClean="0">
+                <a:latin typeface="나눔고딕코딩" panose="020D0009000000000000" pitchFamily="49" charset="-127"/>
+                <a:ea typeface="나눔고딕코딩" panose="020D0009000000000000" pitchFamily="49" charset="-127"/>
+              </a:rPr>
+              <a:t>I/OpenGLRenderer(  521): Initialized EGL, version 1.4</a:t>
+            </a:r>
+          </a:p>
+          <a:p>
+            <a:r>
+              <a:rPr lang="en-US" altLang="ko-KR" sz="2000" smtClean="0">
+                <a:latin typeface="나눔고딕코딩" panose="020D0009000000000000" pitchFamily="49" charset="-127"/>
+                <a:ea typeface="나눔고딕코딩" panose="020D0009000000000000" pitchFamily="49" charset="-127"/>
+              </a:rPr>
+              <a:t>W/OpenGLRenderer(  917): Incorrectly called buildLayer on View: ShortcutAndWidgetContainer, destroying layer...</a:t>
+            </a:r>
+          </a:p>
+          <a:p>
+            <a:endParaRPr lang="ko-KR" altLang="en-US" sz="2000" smtClean="0">
+              <a:latin typeface="나눔고딕코딩" panose="020D0009000000000000" pitchFamily="49" charset="-127"/>
+              <a:ea typeface="나눔고딕코딩" panose="020D0009000000000000" pitchFamily="49" charset="-127"/>
+            </a:endParaRPr>
+          </a:p>
+        </p:txBody>
+      </p:sp>
+    </p:spTree>
+    <p:extLst>
+      <p:ext uri="{BB962C8B-B14F-4D97-AF65-F5344CB8AC3E}">
+        <p14:creationId xmlns:p14="http://schemas.microsoft.com/office/powerpoint/2010/main" val="2466709947"/>
+      </p:ext>
+    </p:extLst>
+  </p:cSld>
+  <p:clrMapOvr>
+    <a:masterClrMapping/>
+  </p:clrMapOvr>
+</p:sld>
+</file>
+
+<file path=ppt/slides/slide13.xml><?xml version="1.0" encoding="utf-8"?>
+<p:sld xmlns:a="http://schemas.openxmlformats.org/drawingml/2006/main" xmlns:r="http://schemas.openxmlformats.org/officeDocument/2006/relationships" xmlns:p="http://schemas.openxmlformats.org/presentationml/2006/main">
+  <p:cSld>
+    <p:spTree>
+      <p:nvGrpSpPr>
+        <p:cNvPr id="1" name=""/>
+        <p:cNvGrpSpPr/>
+        <p:nvPr/>
+      </p:nvGrpSpPr>
+      <p:grpSpPr>
+        <a:xfrm>
+          <a:off x="0" y="0"/>
+          <a:ext cx="0" cy="0"/>
+          <a:chOff x="0" y="0"/>
+          <a:chExt cx="0" cy="0"/>
+        </a:xfrm>
+      </p:grpSpPr>
+      <p:sp>
+        <p:nvSpPr>
+          <p:cNvPr id="4" name="TextBox 3"/>
+          <p:cNvSpPr txBox="1"/>
+          <p:nvPr/>
+        </p:nvSpPr>
+        <p:spPr>
+          <a:xfrm>
+            <a:off x="363794" y="304800"/>
+            <a:ext cx="11726287" cy="5632311"/>
+          </a:xfrm>
+          <a:prstGeom prst="rect">
+            <a:avLst/>
+          </a:prstGeom>
+          <a:noFill/>
+        </p:spPr>
+        <p:txBody>
+          <a:bodyPr wrap="none" rtlCol="0">
+            <a:spAutoFit/>
+          </a:bodyPr>
+          <a:lstStyle/>
+          <a:p>
+            <a:r>
+              <a:rPr lang="en-US" altLang="ko-KR" sz="2000" smtClean="0">
+                <a:latin typeface="나눔고딕코딩" panose="020D0009000000000000" pitchFamily="49" charset="-127"/>
+                <a:ea typeface="나눔고딕코딩" panose="020D0009000000000000" pitchFamily="49" charset="-127"/>
+              </a:rPr>
+              <a:t>#00 pc </a:t>
+            </a:r>
+            <a:r>
+              <a:rPr lang="en-US" altLang="ko-KR" sz="2000" smtClean="0">
+                <a:solidFill>
+                  <a:srgbClr val="FF0000"/>
+                </a:solidFill>
+                <a:latin typeface="나눔고딕코딩" panose="020D0009000000000000" pitchFamily="49" charset="-127"/>
+                <a:ea typeface="나눔고딕코딩" panose="020D0009000000000000" pitchFamily="49" charset="-127"/>
+              </a:rPr>
+              <a:t>0000000000000520</a:t>
+            </a:r>
+            <a:r>
+              <a:rPr lang="en-US" altLang="ko-KR" sz="2000" smtClean="0">
+                <a:latin typeface="나눔고딕코딩" panose="020D0009000000000000" pitchFamily="49" charset="-127"/>
+                <a:ea typeface="나눔고딕코딩" panose="020D0009000000000000" pitchFamily="49" charset="-127"/>
+              </a:rPr>
+              <a:t>  /data/app/com.example.debugtest-1/lib/arm64/libmydebug.so (foo+4)</a:t>
+            </a:r>
+          </a:p>
+          <a:p>
+            <a:endParaRPr lang="en-US" altLang="ko-KR" sz="2000">
+              <a:latin typeface="나눔고딕코딩" panose="020D0009000000000000" pitchFamily="49" charset="-127"/>
+              <a:ea typeface="나눔고딕코딩" panose="020D0009000000000000" pitchFamily="49" charset="-127"/>
+            </a:endParaRPr>
+          </a:p>
+          <a:p>
+            <a:r>
+              <a:rPr lang="ko-KR" altLang="en-US" sz="2000" smtClean="0">
+                <a:latin typeface="나눔고딕코딩" panose="020D0009000000000000" pitchFamily="49" charset="-127"/>
+                <a:ea typeface="나눔고딕코딩" panose="020D0009000000000000" pitchFamily="49" charset="-127"/>
+              </a:rPr>
+              <a:t>크로스 컴파일러용 </a:t>
+            </a:r>
+            <a:r>
+              <a:rPr lang="en-US" altLang="ko-KR" sz="2000" smtClean="0">
+                <a:latin typeface="나눔고딕코딩" panose="020D0009000000000000" pitchFamily="49" charset="-127"/>
+                <a:ea typeface="나눔고딕코딩" panose="020D0009000000000000" pitchFamily="49" charset="-127"/>
+              </a:rPr>
+              <a:t>addr2line</a:t>
+            </a:r>
+            <a:r>
+              <a:rPr lang="ko-KR" altLang="en-US" sz="2000" smtClean="0">
+                <a:latin typeface="나눔고딕코딩" panose="020D0009000000000000" pitchFamily="49" charset="-127"/>
+                <a:ea typeface="나눔고딕코딩" panose="020D0009000000000000" pitchFamily="49" charset="-127"/>
+              </a:rPr>
+              <a:t>을 사용해야 하며 </a:t>
+            </a:r>
+            <a:r>
+              <a:rPr lang="ko-KR" altLang="en-US" sz="2000" smtClean="0">
+                <a:latin typeface="나눔고딕코딩" panose="020D0009000000000000" pitchFamily="49" charset="-127"/>
+                <a:ea typeface="나눔고딕코딩" panose="020D0009000000000000" pitchFamily="49" charset="-127"/>
+              </a:rPr>
+              <a:t>이는 </a:t>
+            </a:r>
+            <a:r>
+              <a:rPr lang="en-US" altLang="ko-KR" sz="2000" smtClean="0">
+                <a:latin typeface="나눔고딕코딩" panose="020D0009000000000000" pitchFamily="49" charset="-127"/>
+                <a:ea typeface="나눔고딕코딩" panose="020D0009000000000000" pitchFamily="49" charset="-127"/>
+              </a:rPr>
+              <a:t>NDK</a:t>
+            </a:r>
+            <a:r>
+              <a:rPr lang="ko-KR" altLang="en-US" sz="2000" smtClean="0">
+                <a:latin typeface="나눔고딕코딩" panose="020D0009000000000000" pitchFamily="49" charset="-127"/>
+                <a:ea typeface="나눔고딕코딩" panose="020D0009000000000000" pitchFamily="49" charset="-127"/>
+              </a:rPr>
+              <a:t>에서 제공합니다</a:t>
+            </a:r>
+            <a:r>
+              <a:rPr lang="en-US" altLang="ko-KR" sz="2000" smtClean="0">
+                <a:latin typeface="나눔고딕코딩" panose="020D0009000000000000" pitchFamily="49" charset="-127"/>
+                <a:ea typeface="나눔고딕코딩" panose="020D0009000000000000" pitchFamily="49" charset="-127"/>
+              </a:rPr>
+              <a:t>.</a:t>
+            </a:r>
+          </a:p>
+          <a:p>
+            <a:r>
+              <a:rPr lang="en-US" altLang="ko-KR" sz="2000" smtClean="0">
+                <a:latin typeface="나눔고딕코딩" panose="020D0009000000000000" pitchFamily="49" charset="-127"/>
+                <a:ea typeface="나눔고딕코딩" panose="020D0009000000000000" pitchFamily="49" charset="-127"/>
+              </a:rPr>
+              <a:t>/root/android-ndk-r10e/toolchains/arm-linux-androideabi-4.9/prebuilt/linux-x86_64/bin</a:t>
+            </a:r>
+          </a:p>
+          <a:p>
+            <a:endParaRPr lang="en-US" altLang="ko-KR" sz="2000">
+              <a:latin typeface="나눔고딕코딩" panose="020D0009000000000000" pitchFamily="49" charset="-127"/>
+              <a:ea typeface="나눔고딕코딩" panose="020D0009000000000000" pitchFamily="49" charset="-127"/>
+            </a:endParaRPr>
+          </a:p>
+          <a:p>
+            <a:r>
+              <a:rPr lang="ko-KR" altLang="en-US" sz="2000" smtClean="0">
+                <a:latin typeface="나눔고딕코딩" panose="020D0009000000000000" pitchFamily="49" charset="-127"/>
+                <a:ea typeface="나눔고딕코딩" panose="020D0009000000000000" pitchFamily="49" charset="-127"/>
+              </a:rPr>
+              <a:t>조건은 공유 라이브러리가 </a:t>
+            </a:r>
+            <a:r>
+              <a:rPr lang="en-US" altLang="ko-KR" sz="2000" smtClean="0">
+                <a:latin typeface="나눔고딕코딩" panose="020D0009000000000000" pitchFamily="49" charset="-127"/>
+                <a:ea typeface="나눔고딕코딩" panose="020D0009000000000000" pitchFamily="49" charset="-127"/>
+              </a:rPr>
+              <a:t>not</a:t>
+            </a:r>
+            <a:r>
+              <a:rPr lang="ko-KR" altLang="en-US" sz="2000" smtClean="0">
+                <a:latin typeface="나눔고딕코딩" panose="020D0009000000000000" pitchFamily="49" charset="-127"/>
+                <a:ea typeface="나눔고딕코딩" panose="020D0009000000000000" pitchFamily="49" charset="-127"/>
+              </a:rPr>
+              <a:t> </a:t>
+            </a:r>
+            <a:r>
+              <a:rPr lang="en-US" altLang="ko-KR" sz="2000" smtClean="0">
+                <a:latin typeface="나눔고딕코딩" panose="020D0009000000000000" pitchFamily="49" charset="-127"/>
+                <a:ea typeface="나눔고딕코딩" panose="020D0009000000000000" pitchFamily="49" charset="-127"/>
+              </a:rPr>
+              <a:t>stripped</a:t>
+            </a:r>
+            <a:r>
+              <a:rPr lang="ko-KR" altLang="en-US" sz="2000" smtClean="0">
+                <a:latin typeface="나눔고딕코딩" panose="020D0009000000000000" pitchFamily="49" charset="-127"/>
+                <a:ea typeface="나눔고딕코딩" panose="020D0009000000000000" pitchFamily="49" charset="-127"/>
+              </a:rPr>
+              <a:t>이어야 합니다</a:t>
+            </a:r>
+            <a:r>
+              <a:rPr lang="en-US" altLang="ko-KR" sz="2000" smtClean="0">
+                <a:latin typeface="나눔고딕코딩" panose="020D0009000000000000" pitchFamily="49" charset="-127"/>
+                <a:ea typeface="나눔고딕코딩" panose="020D0009000000000000" pitchFamily="49" charset="-127"/>
+              </a:rPr>
+              <a:t>.</a:t>
+            </a:r>
+          </a:p>
+          <a:p>
+            <a:endParaRPr lang="en-US" altLang="ko-KR" sz="2000">
+              <a:latin typeface="나눔고딕코딩" panose="020D0009000000000000" pitchFamily="49" charset="-127"/>
+              <a:ea typeface="나눔고딕코딩" panose="020D0009000000000000" pitchFamily="49" charset="-127"/>
+            </a:endParaRPr>
+          </a:p>
+          <a:p>
+            <a:r>
+              <a:rPr lang="en-US" altLang="ko-KR" sz="2000" smtClean="0">
+                <a:latin typeface="나눔고딕코딩" panose="020D0009000000000000" pitchFamily="49" charset="-127"/>
+                <a:ea typeface="나눔고딕코딩" panose="020D0009000000000000" pitchFamily="49" charset="-127"/>
+              </a:rPr>
+              <a:t>/DebugTest# find . -name *.so</a:t>
+            </a:r>
+          </a:p>
+          <a:p>
+            <a:r>
+              <a:rPr lang="en-US" altLang="ko-KR" sz="2000" smtClean="0">
+                <a:latin typeface="나눔고딕코딩" panose="020D0009000000000000" pitchFamily="49" charset="-127"/>
+                <a:ea typeface="나눔고딕코딩" panose="020D0009000000000000" pitchFamily="49" charset="-127"/>
+              </a:rPr>
+              <a:t>./app/build/intermediates/ndk/debug/obj/local/arm64-v8a/</a:t>
+            </a:r>
+            <a:r>
+              <a:rPr lang="en-US" altLang="ko-KR" sz="2000" smtClean="0">
+                <a:solidFill>
+                  <a:srgbClr val="FF0000"/>
+                </a:solidFill>
+                <a:latin typeface="나눔고딕코딩" panose="020D0009000000000000" pitchFamily="49" charset="-127"/>
+                <a:ea typeface="나눔고딕코딩" panose="020D0009000000000000" pitchFamily="49" charset="-127"/>
+              </a:rPr>
+              <a:t>libmydebug.so </a:t>
+            </a:r>
+            <a:r>
+              <a:rPr lang="en-US" altLang="ko-KR" sz="2000" smtClean="0">
+                <a:latin typeface="나눔고딕코딩" panose="020D0009000000000000" pitchFamily="49" charset="-127"/>
+                <a:ea typeface="나눔고딕코딩" panose="020D0009000000000000" pitchFamily="49" charset="-127"/>
+              </a:rPr>
+              <a:t> &lt;- </a:t>
+            </a:r>
+            <a:r>
+              <a:rPr lang="en-US" altLang="ko-KR" sz="2000" smtClean="0">
+                <a:latin typeface="나눔고딕코딩" panose="020D0009000000000000" pitchFamily="49" charset="-127"/>
+                <a:ea typeface="나눔고딕코딩" panose="020D0009000000000000" pitchFamily="49" charset="-127"/>
+              </a:rPr>
+              <a:t>not</a:t>
+            </a:r>
+            <a:r>
+              <a:rPr lang="ko-KR" altLang="en-US" sz="2000" smtClean="0">
+                <a:latin typeface="나눔고딕코딩" panose="020D0009000000000000" pitchFamily="49" charset="-127"/>
+                <a:ea typeface="나눔고딕코딩" panose="020D0009000000000000" pitchFamily="49" charset="-127"/>
+              </a:rPr>
+              <a:t> </a:t>
+            </a:r>
+            <a:r>
+              <a:rPr lang="en-US" altLang="ko-KR" sz="2000" smtClean="0">
+                <a:latin typeface="나눔고딕코딩" panose="020D0009000000000000" pitchFamily="49" charset="-127"/>
+                <a:ea typeface="나눔고딕코딩" panose="020D0009000000000000" pitchFamily="49" charset="-127"/>
+              </a:rPr>
+              <a:t>stripped</a:t>
+            </a:r>
+            <a:endParaRPr lang="en-US" altLang="ko-KR" sz="2000" smtClean="0">
+              <a:latin typeface="나눔고딕코딩" panose="020D0009000000000000" pitchFamily="49" charset="-127"/>
+              <a:ea typeface="나눔고딕코딩" panose="020D0009000000000000" pitchFamily="49" charset="-127"/>
+            </a:endParaRPr>
+          </a:p>
+          <a:p>
+            <a:r>
+              <a:rPr lang="en-US" altLang="ko-KR" sz="2000" smtClean="0">
+                <a:latin typeface="나눔고딕코딩" panose="020D0009000000000000" pitchFamily="49" charset="-127"/>
+                <a:ea typeface="나눔고딕코딩" panose="020D0009000000000000" pitchFamily="49" charset="-127"/>
+              </a:rPr>
+              <a:t>./app/build/intermediates/ndk/debug/lib/arm64-v8a/libmydebug.so &lt;- s</a:t>
+            </a:r>
+            <a:r>
+              <a:rPr lang="en-US" altLang="ko-KR" sz="2000" smtClean="0">
+                <a:latin typeface="나눔고딕코딩" panose="020D0009000000000000" pitchFamily="49" charset="-127"/>
+                <a:ea typeface="나눔고딕코딩" panose="020D0009000000000000" pitchFamily="49" charset="-127"/>
+              </a:rPr>
+              <a:t>tripped</a:t>
+            </a:r>
+          </a:p>
+          <a:p>
+            <a:endParaRPr lang="en-US" altLang="ko-KR" sz="2000">
+              <a:latin typeface="나눔고딕코딩" panose="020D0009000000000000" pitchFamily="49" charset="-127"/>
+              <a:ea typeface="나눔고딕코딩" panose="020D0009000000000000" pitchFamily="49" charset="-127"/>
+            </a:endParaRPr>
+          </a:p>
+          <a:p>
+            <a:endParaRPr lang="en-US" altLang="ko-KR" sz="2000" smtClean="0">
+              <a:latin typeface="나눔고딕코딩" panose="020D0009000000000000" pitchFamily="49" charset="-127"/>
+              <a:ea typeface="나눔고딕코딩" panose="020D0009000000000000" pitchFamily="49" charset="-127"/>
+            </a:endParaRPr>
+          </a:p>
+          <a:p>
+            <a:r>
+              <a:rPr lang="en-US" altLang="ko-KR" sz="2000" smtClean="0">
+                <a:latin typeface="나눔고딕코딩" panose="020D0009000000000000" pitchFamily="49" charset="-127"/>
+                <a:ea typeface="나눔고딕코딩" panose="020D0009000000000000" pitchFamily="49" charset="-127"/>
+              </a:rPr>
+              <a:t>arm-linux-androideabi-addr2line</a:t>
+            </a:r>
+          </a:p>
+          <a:p>
+            <a:r>
+              <a:rPr lang="en-US" altLang="ko-KR" sz="2000" smtClean="0">
+                <a:latin typeface="나눔고딕코딩" panose="020D0009000000000000" pitchFamily="49" charset="-127"/>
+                <a:ea typeface="나눔고딕코딩" panose="020D0009000000000000" pitchFamily="49" charset="-127"/>
+              </a:rPr>
+              <a:t>-e :</a:t>
+            </a:r>
+            <a:r>
+              <a:rPr lang="ko-KR" altLang="en-US" sz="2000">
+                <a:latin typeface="나눔고딕코딩" panose="020D0009000000000000" pitchFamily="49" charset="-127"/>
+                <a:ea typeface="나눔고딕코딩" panose="020D0009000000000000" pitchFamily="49" charset="-127"/>
+              </a:rPr>
+              <a:t> </a:t>
+            </a:r>
+            <a:r>
+              <a:rPr lang="en-US" altLang="ko-KR" sz="2000" smtClean="0">
+                <a:latin typeface="나눔고딕코딩" panose="020D0009000000000000" pitchFamily="49" charset="-127"/>
+                <a:ea typeface="나눔고딕코딩" panose="020D0009000000000000" pitchFamily="49" charset="-127"/>
+              </a:rPr>
+              <a:t>filename</a:t>
+            </a:r>
+          </a:p>
+          <a:p>
+            <a:r>
+              <a:rPr lang="en-US" altLang="ko-KR" sz="2000" smtClean="0">
+                <a:latin typeface="나눔고딕코딩" panose="020D0009000000000000" pitchFamily="49" charset="-127"/>
+                <a:ea typeface="나눔고딕코딩" panose="020D0009000000000000" pitchFamily="49" charset="-127"/>
+              </a:rPr>
+              <a:t>-f : function name</a:t>
+            </a:r>
+          </a:p>
+          <a:p>
+            <a:endParaRPr lang="en-US" altLang="ko-KR" sz="2000">
+              <a:latin typeface="나눔고딕코딩" panose="020D0009000000000000" pitchFamily="49" charset="-127"/>
+              <a:ea typeface="나눔고딕코딩" panose="020D0009000000000000" pitchFamily="49" charset="-127"/>
+            </a:endParaRPr>
+          </a:p>
+          <a:p>
+            <a:r>
+              <a:rPr lang="en-US" altLang="ko-KR" sz="2000" smtClean="0">
+                <a:latin typeface="나눔고딕코딩" panose="020D0009000000000000" pitchFamily="49" charset="-127"/>
+                <a:ea typeface="나눔고딕코딩" panose="020D0009000000000000" pitchFamily="49" charset="-127"/>
+              </a:rPr>
+              <a:t>arm-linux-androideabi-addr2line -f -e </a:t>
+            </a:r>
+          </a:p>
+          <a:p>
+            <a:endParaRPr lang="ko-KR" altLang="en-US" sz="2000" smtClean="0">
+              <a:latin typeface="나눔고딕코딩" panose="020D0009000000000000" pitchFamily="49" charset="-127"/>
+              <a:ea typeface="나눔고딕코딩" panose="020D0009000000000000" pitchFamily="49" charset="-127"/>
+            </a:endParaRPr>
+          </a:p>
+        </p:txBody>
+      </p:sp>
+    </p:spTree>
+    <p:extLst>
+      <p:ext uri="{BB962C8B-B14F-4D97-AF65-F5344CB8AC3E}">
+        <p14:creationId xmlns:p14="http://schemas.microsoft.com/office/powerpoint/2010/main" val="1548786328"/>
+      </p:ext>
+    </p:extLst>
+  </p:cSld>
+  <p:clrMapOvr>
+    <a:masterClrMapping/>
+  </p:clrMapOvr>
+</p:sld>
+</file>
+
+<file path=ppt/slides/slide14.xml><?xml version="1.0" encoding="utf-8"?>
+<p:sld xmlns:a="http://schemas.openxmlformats.org/drawingml/2006/main" xmlns:r="http://schemas.openxmlformats.org/officeDocument/2006/relationships" xmlns:p="http://schemas.openxmlformats.org/presentationml/2006/main">
+  <p:cSld>
+    <p:spTree>
+      <p:nvGrpSpPr>
+        <p:cNvPr id="1" name=""/>
+        <p:cNvGrpSpPr/>
+        <p:nvPr/>
+      </p:nvGrpSpPr>
+      <p:grpSpPr>
+        <a:xfrm>
+          <a:off x="0" y="0"/>
+          <a:ext cx="0" cy="0"/>
+          <a:chOff x="0" y="0"/>
+          <a:chExt cx="0" cy="0"/>
+        </a:xfrm>
+      </p:grpSpPr>
+      <p:sp>
+        <p:nvSpPr>
+          <p:cNvPr id="4" name="TextBox 3"/>
+          <p:cNvSpPr txBox="1"/>
+          <p:nvPr/>
+        </p:nvSpPr>
+        <p:spPr>
+          <a:xfrm>
+            <a:off x="393290" y="422787"/>
+            <a:ext cx="2108269" cy="707886"/>
+          </a:xfrm>
+          <a:prstGeom prst="rect">
+            <a:avLst/>
+          </a:prstGeom>
+          <a:noFill/>
+        </p:spPr>
+        <p:txBody>
+          <a:bodyPr wrap="none" rtlCol="0">
+            <a:spAutoFit/>
+          </a:bodyPr>
+          <a:lstStyle/>
+          <a:p>
+            <a:r>
+              <a:rPr lang="en-US" altLang="ko-KR" sz="2000" smtClean="0">
+                <a:latin typeface="나눔고딕코딩" panose="020D0009000000000000" pitchFamily="49" charset="-127"/>
+                <a:ea typeface="나눔고딕코딩" panose="020D0009000000000000" pitchFamily="49" charset="-127"/>
+              </a:rPr>
+              <a:t># vi ~/.profile</a:t>
+            </a:r>
+          </a:p>
+          <a:p>
+            <a:endParaRPr lang="ko-KR" altLang="en-US" sz="2000" smtClean="0">
+              <a:latin typeface="나눔고딕코딩" panose="020D0009000000000000" pitchFamily="49" charset="-127"/>
+              <a:ea typeface="나눔고딕코딩" panose="020D0009000000000000" pitchFamily="49" charset="-127"/>
+            </a:endParaRPr>
+          </a:p>
+        </p:txBody>
+      </p:sp>
+      <p:sp>
+        <p:nvSpPr>
+          <p:cNvPr id="5" name="TextBox 4"/>
+          <p:cNvSpPr txBox="1"/>
+          <p:nvPr/>
+        </p:nvSpPr>
+        <p:spPr>
+          <a:xfrm>
+            <a:off x="393290" y="1130673"/>
+            <a:ext cx="10956846" cy="3785652"/>
+          </a:xfrm>
+          <a:prstGeom prst="rect">
+            <a:avLst/>
+          </a:prstGeom>
+          <a:noFill/>
+          <a:ln>
+            <a:solidFill>
+              <a:schemeClr val="tx1"/>
+            </a:solidFill>
+          </a:ln>
+        </p:spPr>
+        <p:txBody>
+          <a:bodyPr wrap="none" rtlCol="0">
+            <a:spAutoFit/>
+          </a:bodyPr>
+          <a:lstStyle/>
+          <a:p>
+            <a:r>
+              <a:rPr lang="en-US" altLang="ko-KR" sz="2000" smtClean="0">
+                <a:latin typeface="나눔고딕코딩" panose="020D0009000000000000" pitchFamily="49" charset="-127"/>
+                <a:ea typeface="나눔고딕코딩" panose="020D0009000000000000" pitchFamily="49" charset="-127"/>
+              </a:rPr>
+              <a:t># ~/.profile: executed by Bourne-compatible login shells.</a:t>
+            </a:r>
+          </a:p>
+          <a:p>
+            <a:endParaRPr lang="en-US" altLang="ko-KR" sz="2000" smtClean="0">
+              <a:latin typeface="나눔고딕코딩" panose="020D0009000000000000" pitchFamily="49" charset="-127"/>
+              <a:ea typeface="나눔고딕코딩" panose="020D0009000000000000" pitchFamily="49" charset="-127"/>
+            </a:endParaRPr>
+          </a:p>
+          <a:p>
+            <a:r>
+              <a:rPr lang="en-US" altLang="ko-KR" sz="2000" smtClean="0">
+                <a:latin typeface="나눔고딕코딩" panose="020D0009000000000000" pitchFamily="49" charset="-127"/>
+                <a:ea typeface="나눔고딕코딩" panose="020D0009000000000000" pitchFamily="49" charset="-127"/>
+              </a:rPr>
+              <a:t>if [ "$BASH" ]; then</a:t>
+            </a:r>
+          </a:p>
+          <a:p>
+            <a:r>
+              <a:rPr lang="en-US" altLang="ko-KR" sz="2000" smtClean="0">
+                <a:latin typeface="나눔고딕코딩" panose="020D0009000000000000" pitchFamily="49" charset="-127"/>
+                <a:ea typeface="나눔고딕코딩" panose="020D0009000000000000" pitchFamily="49" charset="-127"/>
+              </a:rPr>
+              <a:t>  if [ -f ~/.bashrc ]; then</a:t>
+            </a:r>
+          </a:p>
+          <a:p>
+            <a:r>
+              <a:rPr lang="en-US" altLang="ko-KR" sz="2000" smtClean="0">
+                <a:latin typeface="나눔고딕코딩" panose="020D0009000000000000" pitchFamily="49" charset="-127"/>
+                <a:ea typeface="나눔고딕코딩" panose="020D0009000000000000" pitchFamily="49" charset="-127"/>
+              </a:rPr>
+              <a:t>    . ~/.bashrc</a:t>
+            </a:r>
+          </a:p>
+          <a:p>
+            <a:r>
+              <a:rPr lang="en-US" altLang="ko-KR" sz="2000" smtClean="0">
+                <a:latin typeface="나눔고딕코딩" panose="020D0009000000000000" pitchFamily="49" charset="-127"/>
+                <a:ea typeface="나눔고딕코딩" panose="020D0009000000000000" pitchFamily="49" charset="-127"/>
+              </a:rPr>
+              <a:t>  fi</a:t>
+            </a:r>
+          </a:p>
+          <a:p>
+            <a:r>
+              <a:rPr lang="en-US" altLang="ko-KR" sz="2000" smtClean="0">
+                <a:latin typeface="나눔고딕코딩" panose="020D0009000000000000" pitchFamily="49" charset="-127"/>
+                <a:ea typeface="나눔고딕코딩" panose="020D0009000000000000" pitchFamily="49" charset="-127"/>
+              </a:rPr>
+              <a:t>fi</a:t>
+            </a:r>
+          </a:p>
+          <a:p>
+            <a:endParaRPr lang="en-US" altLang="ko-KR" sz="2000" smtClean="0">
+              <a:latin typeface="나눔고딕코딩" panose="020D0009000000000000" pitchFamily="49" charset="-127"/>
+              <a:ea typeface="나눔고딕코딩" panose="020D0009000000000000" pitchFamily="49" charset="-127"/>
+            </a:endParaRPr>
+          </a:p>
+          <a:p>
+            <a:r>
+              <a:rPr lang="en-US" altLang="ko-KR" sz="2000" smtClean="0">
+                <a:latin typeface="나눔고딕코딩" panose="020D0009000000000000" pitchFamily="49" charset="-127"/>
+                <a:ea typeface="나눔고딕코딩" panose="020D0009000000000000" pitchFamily="49" charset="-127"/>
+              </a:rPr>
+              <a:t>mesg n</a:t>
+            </a:r>
+          </a:p>
+          <a:p>
+            <a:endParaRPr lang="en-US" altLang="ko-KR" sz="2000" smtClean="0">
+              <a:latin typeface="나눔고딕코딩" panose="020D0009000000000000" pitchFamily="49" charset="-127"/>
+              <a:ea typeface="나눔고딕코딩" panose="020D0009000000000000" pitchFamily="49" charset="-127"/>
+            </a:endParaRPr>
+          </a:p>
+          <a:p>
+            <a:r>
+              <a:rPr lang="en-US" altLang="ko-KR" sz="2000" smtClean="0">
+                <a:latin typeface="나눔고딕코딩" panose="020D0009000000000000" pitchFamily="49" charset="-127"/>
+                <a:ea typeface="나눔고딕코딩" panose="020D0009000000000000" pitchFamily="49" charset="-127"/>
+              </a:rPr>
+              <a:t>PATH=$PATH:/root/Sublime\ Text\ 2:/root/android-studio/gradle/gradle-2.2.1/bin:</a:t>
+            </a:r>
+            <a:r>
+              <a:rPr lang="en-US" altLang="ko-KR" sz="2000" smtClean="0">
+                <a:solidFill>
+                  <a:srgbClr val="FF0000"/>
+                </a:solidFill>
+                <a:latin typeface="나눔고딕코딩" panose="020D0009000000000000" pitchFamily="49" charset="-127"/>
+                <a:ea typeface="나눔고딕코딩" panose="020D0009000000000000" pitchFamily="49" charset="-127"/>
+              </a:rPr>
+              <a:t>/root</a:t>
+            </a:r>
+          </a:p>
+          <a:p>
+            <a:r>
+              <a:rPr lang="en-US" altLang="ko-KR" sz="2000" smtClean="0">
+                <a:solidFill>
+                  <a:srgbClr val="FF0000"/>
+                </a:solidFill>
+                <a:latin typeface="나눔고딕코딩" panose="020D0009000000000000" pitchFamily="49" charset="-127"/>
+                <a:ea typeface="나눔고딕코딩" panose="020D0009000000000000" pitchFamily="49" charset="-127"/>
+              </a:rPr>
+              <a:t>/android-ndk-r10e/toolchains/arm-linux-androideabi-4.9/prebuilt/linux-x86_64/bin</a:t>
+            </a:r>
+            <a:endParaRPr lang="ko-KR" altLang="en-US" sz="2000" smtClean="0">
+              <a:solidFill>
+                <a:srgbClr val="FF0000"/>
+              </a:solidFill>
+              <a:latin typeface="나눔고딕코딩" panose="020D0009000000000000" pitchFamily="49" charset="-127"/>
+              <a:ea typeface="나눔고딕코딩" panose="020D0009000000000000" pitchFamily="49" charset="-127"/>
+            </a:endParaRPr>
+          </a:p>
+        </p:txBody>
+      </p:sp>
+      <p:sp>
+        <p:nvSpPr>
+          <p:cNvPr id="6" name="TextBox 5"/>
+          <p:cNvSpPr txBox="1"/>
+          <p:nvPr/>
+        </p:nvSpPr>
+        <p:spPr>
+          <a:xfrm>
+            <a:off x="393290" y="5161935"/>
+            <a:ext cx="2621230" cy="1323439"/>
+          </a:xfrm>
+          <a:prstGeom prst="rect">
+            <a:avLst/>
+          </a:prstGeom>
+          <a:noFill/>
+        </p:spPr>
+        <p:txBody>
+          <a:bodyPr wrap="none" rtlCol="0">
+            <a:spAutoFit/>
+          </a:bodyPr>
+          <a:lstStyle/>
+          <a:p>
+            <a:r>
+              <a:rPr lang="en-US" altLang="ko-KR" sz="2000" smtClean="0">
+                <a:latin typeface="나눔고딕코딩" panose="020D0009000000000000" pitchFamily="49" charset="-127"/>
+                <a:ea typeface="나눔고딕코딩" panose="020D0009000000000000" pitchFamily="49" charset="-127"/>
+              </a:rPr>
+              <a:t># . ~/.profile </a:t>
+            </a:r>
+          </a:p>
+          <a:p>
+            <a:r>
+              <a:rPr lang="ko-KR" altLang="en-US" sz="2000" smtClean="0">
+                <a:latin typeface="나눔고딕코딩" panose="020D0009000000000000" pitchFamily="49" charset="-127"/>
+                <a:ea typeface="나눔고딕코딩" panose="020D0009000000000000" pitchFamily="49" charset="-127"/>
+              </a:rPr>
+              <a:t>또는 </a:t>
+            </a:r>
+            <a:endParaRPr lang="en-US" altLang="ko-KR" sz="2000" smtClean="0">
+              <a:latin typeface="나눔고딕코딩" panose="020D0009000000000000" pitchFamily="49" charset="-127"/>
+              <a:ea typeface="나눔고딕코딩" panose="020D0009000000000000" pitchFamily="49" charset="-127"/>
+            </a:endParaRPr>
+          </a:p>
+          <a:p>
+            <a:r>
+              <a:rPr lang="en-US" altLang="ko-KR" sz="2000" smtClean="0">
+                <a:latin typeface="나눔고딕코딩" panose="020D0009000000000000" pitchFamily="49" charset="-127"/>
+                <a:ea typeface="나눔고딕코딩" panose="020D0009000000000000" pitchFamily="49" charset="-127"/>
+              </a:rPr>
+              <a:t># source ~/.profile</a:t>
+            </a:r>
+          </a:p>
+          <a:p>
+            <a:endParaRPr lang="ko-KR" altLang="en-US" sz="2000" smtClean="0">
+              <a:latin typeface="나눔고딕코딩" panose="020D0009000000000000" pitchFamily="49" charset="-127"/>
+              <a:ea typeface="나눔고딕코딩" panose="020D0009000000000000" pitchFamily="49" charset="-127"/>
+            </a:endParaRPr>
+          </a:p>
+        </p:txBody>
+      </p:sp>
+    </p:spTree>
+    <p:extLst>
+      <p:ext uri="{BB962C8B-B14F-4D97-AF65-F5344CB8AC3E}">
+        <p14:creationId xmlns:p14="http://schemas.microsoft.com/office/powerpoint/2010/main" val="1668893962"/>
+      </p:ext>
+    </p:extLst>
+  </p:cSld>
+  <p:clrMapOvr>
+    <a:masterClrMapping/>
+  </p:clrMapOvr>
+</p:sld>
+</file>
+
+<file path=ppt/slides/slide15.xml><?xml version="1.0" encoding="utf-8"?>
+<p:sld xmlns:a="http://schemas.openxmlformats.org/drawingml/2006/main" xmlns:r="http://schemas.openxmlformats.org/officeDocument/2006/relationships" xmlns:p="http://schemas.openxmlformats.org/presentationml/2006/main">
+  <p:cSld>
+    <p:spTree>
+      <p:nvGrpSpPr>
+        <p:cNvPr id="1" name=""/>
+        <p:cNvGrpSpPr/>
+        <p:nvPr/>
+      </p:nvGrpSpPr>
+      <p:grpSpPr>
+        <a:xfrm>
+          <a:off x="0" y="0"/>
+          <a:ext cx="0" cy="0"/>
+          <a:chOff x="0" y="0"/>
+          <a:chExt cx="0" cy="0"/>
+        </a:xfrm>
+      </p:grpSpPr>
+      <p:sp>
+        <p:nvSpPr>
+          <p:cNvPr id="4" name="TextBox 3"/>
+          <p:cNvSpPr txBox="1"/>
+          <p:nvPr/>
+        </p:nvSpPr>
+        <p:spPr>
+          <a:xfrm>
+            <a:off x="412955" y="304800"/>
+            <a:ext cx="16342935" cy="1015663"/>
+          </a:xfrm>
+          <a:prstGeom prst="rect">
+            <a:avLst/>
+          </a:prstGeom>
+          <a:noFill/>
+        </p:spPr>
+        <p:txBody>
+          <a:bodyPr wrap="none" rtlCol="0">
+            <a:spAutoFit/>
+          </a:bodyPr>
+          <a:lstStyle/>
+          <a:p>
+            <a:r>
+              <a:rPr lang="en-US" altLang="ko-KR" sz="2000" smtClean="0">
+                <a:latin typeface="나눔고딕코딩" panose="020D0009000000000000" pitchFamily="49" charset="-127"/>
+                <a:ea typeface="나눔고딕코딩" panose="020D0009000000000000" pitchFamily="49" charset="-127"/>
+              </a:rPr>
+              <a:t># aarch64-linux-android-addr2line -f -e ./app/build/intermediates/ndk/debug/obj/local/arm64-v8a/libmydebug.so 0000000000000520</a:t>
+            </a:r>
+          </a:p>
+          <a:p>
+            <a:r>
+              <a:rPr lang="en-US" altLang="ko-KR" sz="2000" smtClean="0">
+                <a:latin typeface="나눔고딕코딩" panose="020D0009000000000000" pitchFamily="49" charset="-127"/>
+                <a:ea typeface="나눔고딕코딩" panose="020D0009000000000000" pitchFamily="49" charset="-127"/>
+              </a:rPr>
+              <a:t>foo</a:t>
+            </a:r>
+          </a:p>
+          <a:p>
+            <a:r>
+              <a:rPr lang="en-US" altLang="ko-KR" sz="2000" smtClean="0">
+                <a:latin typeface="나눔고딕코딩" panose="020D0009000000000000" pitchFamily="49" charset="-127"/>
+                <a:ea typeface="나눔고딕코딩" panose="020D0009000000000000" pitchFamily="49" charset="-127"/>
+              </a:rPr>
+              <a:t>/root/AndroidStudioProjects/DebugTest/app/src/main/jni/MainActivity.c:7</a:t>
+            </a:r>
+            <a:endParaRPr lang="ko-KR" altLang="en-US" sz="2000" smtClean="0">
+              <a:latin typeface="나눔고딕코딩" panose="020D0009000000000000" pitchFamily="49" charset="-127"/>
+              <a:ea typeface="나눔고딕코딩" panose="020D0009000000000000" pitchFamily="49" charset="-127"/>
+            </a:endParaRPr>
+          </a:p>
+        </p:txBody>
+      </p:sp>
+    </p:spTree>
+    <p:extLst>
+      <p:ext uri="{BB962C8B-B14F-4D97-AF65-F5344CB8AC3E}">
+        <p14:creationId xmlns:p14="http://schemas.microsoft.com/office/powerpoint/2010/main" val="28818216"/>
+      </p:ext>
+    </p:extLst>
+  </p:cSld>
+  <p:clrMapOvr>
+    <a:masterClrMapping/>
+  </p:clrMapOvr>
+</p:sld>
+</file>
+
+<file path=ppt/slides/slide2.xml><?xml version="1.0" encoding="utf-8"?>
+<p:sld xmlns:a="http://schemas.openxmlformats.org/drawingml/2006/main" xmlns:r="http://schemas.openxmlformats.org/officeDocument/2006/relationships" xmlns:p="http://schemas.openxmlformats.org/presentationml/2006/main">
+  <p:cSld>
+    <p:spTree>
+      <p:nvGrpSpPr>
+        <p:cNvPr id="1" name=""/>
+        <p:cNvGrpSpPr/>
+        <p:nvPr/>
+      </p:nvGrpSpPr>
+      <p:grpSpPr>
+        <a:xfrm>
+          <a:off x="0" y="0"/>
+          <a:ext cx="0" cy="0"/>
+          <a:chOff x="0" y="0"/>
+          <a:chExt cx="0" cy="0"/>
+        </a:xfrm>
+      </p:grpSpPr>
+      <p:sp>
+        <p:nvSpPr>
+          <p:cNvPr id="4" name="TextBox 3"/>
+          <p:cNvSpPr txBox="1"/>
+          <p:nvPr/>
+        </p:nvSpPr>
+        <p:spPr>
+          <a:xfrm>
+            <a:off x="216310" y="344129"/>
+            <a:ext cx="8648521" cy="1015663"/>
+          </a:xfrm>
+          <a:prstGeom prst="rect">
+            <a:avLst/>
+          </a:prstGeom>
+          <a:noFill/>
+        </p:spPr>
+        <p:txBody>
+          <a:bodyPr wrap="none" rtlCol="0">
+            <a:spAutoFit/>
+          </a:bodyPr>
+          <a:lstStyle/>
+          <a:p>
+            <a:r>
+              <a:rPr lang="en-US" altLang="ko-KR" sz="2000" smtClean="0">
+                <a:latin typeface="나눔고딕코딩" panose="020D0009000000000000" pitchFamily="49" charset="-127"/>
+                <a:ea typeface="나눔고딕코딩" panose="020D0009000000000000" pitchFamily="49" charset="-127"/>
+              </a:rPr>
+              <a:t>&lt; BacklightApp &gt;</a:t>
+            </a:r>
+          </a:p>
+          <a:p>
+            <a:endParaRPr lang="en-US" altLang="ko-KR" sz="2000">
+              <a:latin typeface="나눔고딕코딩" panose="020D0009000000000000" pitchFamily="49" charset="-127"/>
+              <a:ea typeface="나눔고딕코딩" panose="020D0009000000000000" pitchFamily="49" charset="-127"/>
+            </a:endParaRPr>
+          </a:p>
+          <a:p>
+            <a:r>
+              <a:rPr lang="en-US" altLang="ko-KR" sz="2000" smtClean="0">
+                <a:latin typeface="나눔고딕코딩" panose="020D0009000000000000" pitchFamily="49" charset="-127"/>
+                <a:ea typeface="나눔고딕코딩" panose="020D0009000000000000" pitchFamily="49" charset="-127"/>
+              </a:rPr>
+              <a:t>MainActivity.c </a:t>
+            </a:r>
+            <a:r>
+              <a:rPr lang="ko-KR" altLang="en-US" sz="2000" smtClean="0">
+                <a:latin typeface="나눔고딕코딩" panose="020D0009000000000000" pitchFamily="49" charset="-127"/>
+                <a:ea typeface="나눔고딕코딩" panose="020D0009000000000000" pitchFamily="49" charset="-127"/>
+              </a:rPr>
+              <a:t>파일 구현 시</a:t>
+            </a:r>
+            <a:r>
+              <a:rPr lang="en-US" altLang="ko-KR" sz="2000" smtClean="0">
+                <a:latin typeface="나눔고딕코딩" panose="020D0009000000000000" pitchFamily="49" charset="-127"/>
+                <a:ea typeface="나눔고딕코딩" panose="020D0009000000000000" pitchFamily="49" charset="-127"/>
+              </a:rPr>
+              <a:t>, </a:t>
+            </a:r>
+            <a:r>
+              <a:rPr lang="ko-KR" altLang="en-US" sz="2000" smtClean="0">
+                <a:latin typeface="나눔고딕코딩" panose="020D0009000000000000" pitchFamily="49" charset="-127"/>
+                <a:ea typeface="나눔고딕코딩" panose="020D0009000000000000" pitchFamily="49" charset="-127"/>
+              </a:rPr>
+              <a:t>다음의 코드가 링크 오류가 발생합니다</a:t>
+            </a:r>
+            <a:r>
+              <a:rPr lang="en-US" altLang="ko-KR" sz="2000" smtClean="0">
+                <a:latin typeface="나눔고딕코딩" panose="020D0009000000000000" pitchFamily="49" charset="-127"/>
+                <a:ea typeface="나눔고딕코딩" panose="020D0009000000000000" pitchFamily="49" charset="-127"/>
+              </a:rPr>
+              <a:t>.</a:t>
+            </a:r>
+            <a:endParaRPr lang="ko-KR" altLang="en-US" sz="2000" smtClean="0">
+              <a:latin typeface="나눔고딕코딩" panose="020D0009000000000000" pitchFamily="49" charset="-127"/>
+              <a:ea typeface="나눔고딕코딩" panose="020D0009000000000000" pitchFamily="49" charset="-127"/>
+            </a:endParaRPr>
+          </a:p>
+        </p:txBody>
+      </p:sp>
+      <p:sp>
+        <p:nvSpPr>
+          <p:cNvPr id="5" name="TextBox 4"/>
+          <p:cNvSpPr txBox="1"/>
+          <p:nvPr/>
+        </p:nvSpPr>
+        <p:spPr>
+          <a:xfrm>
+            <a:off x="353961" y="1661652"/>
+            <a:ext cx="5476568" cy="4093428"/>
+          </a:xfrm>
+          <a:prstGeom prst="rect">
+            <a:avLst/>
+          </a:prstGeom>
+          <a:noFill/>
+          <a:ln>
+            <a:solidFill>
+              <a:schemeClr val="tx1"/>
+            </a:solidFill>
+          </a:ln>
+        </p:spPr>
+        <p:txBody>
+          <a:bodyPr wrap="square" rtlCol="0">
+            <a:spAutoFit/>
+          </a:bodyPr>
+          <a:lstStyle/>
+          <a:p>
+            <a:r>
+              <a:rPr lang="en-US" altLang="ko-KR" sz="2000" smtClean="0">
+                <a:latin typeface="나눔고딕코딩" panose="020D0009000000000000" pitchFamily="49" charset="-127"/>
+                <a:ea typeface="나눔고딕코딩" panose="020D0009000000000000" pitchFamily="49" charset="-127"/>
+              </a:rPr>
+              <a:t>// binder.c</a:t>
+            </a:r>
+          </a:p>
+          <a:p>
+            <a:r>
+              <a:rPr lang="en-US" altLang="ko-KR" sz="2000" smtClean="0">
+                <a:latin typeface="나눔고딕코딩" panose="020D0009000000000000" pitchFamily="49" charset="-127"/>
+                <a:ea typeface="나눔고딕코딩" panose="020D0009000000000000" pitchFamily="49" charset="-127"/>
+              </a:rPr>
+              <a:t>#include &lt;inttypes.h&gt;</a:t>
+            </a:r>
+          </a:p>
+          <a:p>
+            <a:r>
+              <a:rPr lang="en-US" altLang="ko-KR" sz="2000" smtClean="0">
+                <a:latin typeface="나눔고딕코딩" panose="020D0009000000000000" pitchFamily="49" charset="-127"/>
+                <a:ea typeface="나눔고딕코딩" panose="020D0009000000000000" pitchFamily="49" charset="-127"/>
+              </a:rPr>
+              <a:t>#include &lt;stdio.h&gt;</a:t>
+            </a:r>
+          </a:p>
+          <a:p>
+            <a:r>
+              <a:rPr lang="en-US" altLang="ko-KR" sz="2000" smtClean="0">
+                <a:latin typeface="나눔고딕코딩" panose="020D0009000000000000" pitchFamily="49" charset="-127"/>
+                <a:ea typeface="나눔고딕코딩" panose="020D0009000000000000" pitchFamily="49" charset="-127"/>
+              </a:rPr>
+              <a:t>...</a:t>
+            </a:r>
+          </a:p>
+          <a:p>
+            <a:r>
+              <a:rPr lang="en-US" altLang="ko-KR" sz="2000" smtClean="0">
+                <a:latin typeface="나눔고딕코딩" panose="020D0009000000000000" pitchFamily="49" charset="-127"/>
+                <a:ea typeface="나눔고딕코딩" panose="020D0009000000000000" pitchFamily="49" charset="-127"/>
+              </a:rPr>
+              <a:t>#include &lt;fcntl.h&gt;</a:t>
+            </a:r>
+          </a:p>
+          <a:p>
+            <a:r>
+              <a:rPr lang="en-US" altLang="ko-KR" sz="2000" smtClean="0">
+                <a:latin typeface="나눔고딕코딩" panose="020D0009000000000000" pitchFamily="49" charset="-127"/>
+                <a:ea typeface="나눔고딕코딩" panose="020D0009000000000000" pitchFamily="49" charset="-127"/>
+              </a:rPr>
+              <a:t>#include &lt;sys/mman.h&gt;</a:t>
+            </a:r>
+          </a:p>
+          <a:p>
+            <a:endParaRPr lang="en-US" altLang="ko-KR" sz="2000" smtClean="0">
+              <a:latin typeface="나눔고딕코딩" panose="020D0009000000000000" pitchFamily="49" charset="-127"/>
+              <a:ea typeface="나눔고딕코딩" panose="020D0009000000000000" pitchFamily="49" charset="-127"/>
+            </a:endParaRPr>
+          </a:p>
+          <a:p>
+            <a:r>
+              <a:rPr lang="en-US" altLang="ko-KR" sz="2000" smtClean="0">
+                <a:latin typeface="나눔고딕코딩" panose="020D0009000000000000" pitchFamily="49" charset="-127"/>
+                <a:ea typeface="나눔고딕코딩" panose="020D0009000000000000" pitchFamily="49" charset="-127"/>
+              </a:rPr>
+              <a:t>#include "binder.h"</a:t>
+            </a:r>
+          </a:p>
+          <a:p>
+            <a:r>
+              <a:rPr lang="en-US" altLang="ko-KR" sz="2000" smtClean="0">
+                <a:latin typeface="나눔고딕코딩" panose="020D0009000000000000" pitchFamily="49" charset="-127"/>
+                <a:ea typeface="나눔고딕코딩" panose="020D0009000000000000" pitchFamily="49" charset="-127"/>
+              </a:rPr>
+              <a:t>#define MAX_BIO_SIZE (1 &lt;&lt; 30)</a:t>
+            </a:r>
+          </a:p>
+          <a:p>
+            <a:r>
+              <a:rPr lang="en-US" altLang="ko-KR" sz="2000" smtClean="0">
+                <a:latin typeface="나눔고딕코딩" panose="020D0009000000000000" pitchFamily="49" charset="-127"/>
+                <a:ea typeface="나눔고딕코딩" panose="020D0009000000000000" pitchFamily="49" charset="-127"/>
+              </a:rPr>
+              <a:t>#define TRACE 0</a:t>
+            </a:r>
+          </a:p>
+          <a:p>
+            <a:endParaRPr lang="en-US" altLang="ko-KR" sz="2000" smtClean="0">
+              <a:latin typeface="나눔고딕코딩" panose="020D0009000000000000" pitchFamily="49" charset="-127"/>
+              <a:ea typeface="나눔고딕코딩" panose="020D0009000000000000" pitchFamily="49" charset="-127"/>
+            </a:endParaRPr>
+          </a:p>
+          <a:p>
+            <a:r>
+              <a:rPr lang="en-US" altLang="ko-KR" sz="2000" smtClean="0">
+                <a:latin typeface="나눔고딕코딩" panose="020D0009000000000000" pitchFamily="49" charset="-127"/>
+                <a:ea typeface="나눔고딕코딩" panose="020D0009000000000000" pitchFamily="49" charset="-127"/>
+              </a:rPr>
+              <a:t>#define LOG_TAG "Binder"</a:t>
+            </a:r>
+          </a:p>
+          <a:p>
+            <a:r>
+              <a:rPr lang="en-US" altLang="ko-KR" sz="2000" smtClean="0">
+                <a:solidFill>
+                  <a:srgbClr val="FF0000"/>
+                </a:solidFill>
+                <a:latin typeface="나눔고딕코딩" panose="020D0009000000000000" pitchFamily="49" charset="-127"/>
+                <a:ea typeface="나눔고딕코딩" panose="020D0009000000000000" pitchFamily="49" charset="-127"/>
+              </a:rPr>
+              <a:t>#include &lt;cutils/log.h&gt;</a:t>
+            </a:r>
+            <a:endParaRPr lang="ko-KR" altLang="en-US" sz="2000" smtClean="0">
+              <a:latin typeface="나눔고딕코딩" panose="020D0009000000000000" pitchFamily="49" charset="-127"/>
+              <a:ea typeface="나눔고딕코딩" panose="020D0009000000000000" pitchFamily="49" charset="-127"/>
+            </a:endParaRPr>
+          </a:p>
+        </p:txBody>
+      </p:sp>
+      <p:sp>
+        <p:nvSpPr>
+          <p:cNvPr id="6" name="TextBox 5"/>
+          <p:cNvSpPr txBox="1"/>
+          <p:nvPr/>
+        </p:nvSpPr>
+        <p:spPr>
+          <a:xfrm>
+            <a:off x="285135" y="6204155"/>
+            <a:ext cx="12111008" cy="400110"/>
+          </a:xfrm>
+          <a:prstGeom prst="rect">
+            <a:avLst/>
+          </a:prstGeom>
+          <a:noFill/>
+        </p:spPr>
+        <p:txBody>
+          <a:bodyPr wrap="none" rtlCol="0">
+            <a:spAutoFit/>
+          </a:bodyPr>
+          <a:lstStyle/>
+          <a:p>
+            <a:r>
+              <a:rPr lang="en-US" altLang="ko-KR" sz="2000" smtClean="0">
+                <a:latin typeface="나눔고딕코딩" panose="020D0009000000000000" pitchFamily="49" charset="-127"/>
+                <a:ea typeface="나눔고딕코딩" panose="020D0009000000000000" pitchFamily="49" charset="-127"/>
+              </a:rPr>
+              <a:t>NDK</a:t>
+            </a:r>
+            <a:r>
+              <a:rPr lang="ko-KR" altLang="en-US" sz="2000" smtClean="0">
+                <a:latin typeface="나눔고딕코딩" panose="020D0009000000000000" pitchFamily="49" charset="-127"/>
+                <a:ea typeface="나눔고딕코딩" panose="020D0009000000000000" pitchFamily="49" charset="-127"/>
+              </a:rPr>
+              <a:t>는 </a:t>
+            </a:r>
+            <a:r>
+              <a:rPr lang="en-US" altLang="ko-KR" sz="2000" smtClean="0">
+                <a:latin typeface="나눔고딕코딩" panose="020D0009000000000000" pitchFamily="49" charset="-127"/>
+                <a:ea typeface="나눔고딕코딩" panose="020D0009000000000000" pitchFamily="49" charset="-127"/>
+              </a:rPr>
+              <a:t>cutils </a:t>
+            </a:r>
+            <a:r>
+              <a:rPr lang="ko-KR" altLang="en-US" sz="2000" smtClean="0">
+                <a:latin typeface="나눔고딕코딩" panose="020D0009000000000000" pitchFamily="49" charset="-127"/>
+                <a:ea typeface="나눔고딕코딩" panose="020D0009000000000000" pitchFamily="49" charset="-127"/>
+              </a:rPr>
+              <a:t>라이브러리를 제공하지 않습니다</a:t>
+            </a:r>
+            <a:r>
+              <a:rPr lang="en-US" altLang="ko-KR" sz="2000" smtClean="0">
+                <a:latin typeface="나눔고딕코딩" panose="020D0009000000000000" pitchFamily="49" charset="-127"/>
+                <a:ea typeface="나눔고딕코딩" panose="020D0009000000000000" pitchFamily="49" charset="-127"/>
+              </a:rPr>
+              <a:t>. </a:t>
+            </a:r>
+            <a:r>
+              <a:rPr lang="ko-KR" altLang="en-US" sz="2000" smtClean="0">
+                <a:latin typeface="나눔고딕코딩" panose="020D0009000000000000" pitchFamily="49" charset="-127"/>
+                <a:ea typeface="나눔고딕코딩" panose="020D0009000000000000" pitchFamily="49" charset="-127"/>
+              </a:rPr>
+              <a:t>때문에 이 </a:t>
+            </a:r>
+            <a:r>
+              <a:rPr lang="en-US" altLang="ko-KR" sz="2000" smtClean="0">
+                <a:latin typeface="나눔고딕코딩" panose="020D0009000000000000" pitchFamily="49" charset="-127"/>
+                <a:ea typeface="나눔고딕코딩" panose="020D0009000000000000" pitchFamily="49" charset="-127"/>
+              </a:rPr>
+              <a:t>jni </a:t>
+            </a:r>
+            <a:r>
+              <a:rPr lang="ko-KR" altLang="en-US" sz="2000" smtClean="0">
+                <a:latin typeface="나눔고딕코딩" panose="020D0009000000000000" pitchFamily="49" charset="-127"/>
+                <a:ea typeface="나눔고딕코딩" panose="020D0009000000000000" pitchFamily="49" charset="-127"/>
+              </a:rPr>
+              <a:t>폴더를 </a:t>
+            </a:r>
+            <a:r>
+              <a:rPr lang="en-US" altLang="ko-KR" sz="2000" smtClean="0">
+                <a:latin typeface="나눔고딕코딩" panose="020D0009000000000000" pitchFamily="49" charset="-127"/>
+                <a:ea typeface="나눔고딕코딩" panose="020D0009000000000000" pitchFamily="49" charset="-127"/>
+              </a:rPr>
+              <a:t>PDK </a:t>
+            </a:r>
+            <a:r>
+              <a:rPr lang="ko-KR" altLang="en-US" sz="2000" smtClean="0">
+                <a:latin typeface="나눔고딕코딩" panose="020D0009000000000000" pitchFamily="49" charset="-127"/>
+                <a:ea typeface="나눔고딕코딩" panose="020D0009000000000000" pitchFamily="49" charset="-127"/>
+              </a:rPr>
+              <a:t>빌드를 수행해야 합니다</a:t>
+            </a:r>
+            <a:r>
+              <a:rPr lang="en-US" altLang="ko-KR" sz="2000" smtClean="0">
+                <a:latin typeface="나눔고딕코딩" panose="020D0009000000000000" pitchFamily="49" charset="-127"/>
+                <a:ea typeface="나눔고딕코딩" panose="020D0009000000000000" pitchFamily="49" charset="-127"/>
+              </a:rPr>
+              <a:t>.</a:t>
+            </a:r>
+            <a:endParaRPr lang="ko-KR" altLang="en-US" sz="2000" smtClean="0">
+              <a:latin typeface="나눔고딕코딩" panose="020D0009000000000000" pitchFamily="49" charset="-127"/>
+              <a:ea typeface="나눔고딕코딩" panose="020D0009000000000000" pitchFamily="49" charset="-127"/>
+            </a:endParaRPr>
+          </a:p>
+        </p:txBody>
+      </p:sp>
+    </p:spTree>
+    <p:extLst>
+      <p:ext uri="{BB962C8B-B14F-4D97-AF65-F5344CB8AC3E}">
+        <p14:creationId xmlns:p14="http://schemas.microsoft.com/office/powerpoint/2010/main" val="3282759248"/>
+      </p:ext>
+    </p:extLst>
+  </p:cSld>
+  <p:clrMapOvr>
+    <a:masterClrMapping/>
+  </p:clrMapOvr>
+</p:sld>
+</file>
+
+<file path=ppt/slides/slide3.xml><?xml version="1.0" encoding="utf-8"?>
+<p:sld xmlns:a="http://schemas.openxmlformats.org/drawingml/2006/main" xmlns:r="http://schemas.openxmlformats.org/officeDocument/2006/relationships" xmlns:p="http://schemas.openxmlformats.org/presentationml/2006/main">
+  <p:cSld>
+    <p:spTree>
+      <p:nvGrpSpPr>
+        <p:cNvPr id="1" name=""/>
+        <p:cNvGrpSpPr/>
+        <p:nvPr/>
+      </p:nvGrpSpPr>
+      <p:grpSpPr>
+        <a:xfrm>
+          <a:off x="0" y="0"/>
+          <a:ext cx="0" cy="0"/>
+          <a:chOff x="0" y="0"/>
+          <a:chExt cx="0" cy="0"/>
+        </a:xfrm>
+      </p:grpSpPr>
+      <p:sp>
+        <p:nvSpPr>
+          <p:cNvPr id="4" name="TextBox 3"/>
+          <p:cNvSpPr txBox="1"/>
+          <p:nvPr/>
+        </p:nvSpPr>
+        <p:spPr>
+          <a:xfrm>
+            <a:off x="216310" y="344129"/>
+            <a:ext cx="11982768" cy="2246769"/>
+          </a:xfrm>
+          <a:prstGeom prst="rect">
+            <a:avLst/>
+          </a:prstGeom>
+          <a:noFill/>
+        </p:spPr>
+        <p:txBody>
+          <a:bodyPr wrap="none" rtlCol="0">
+            <a:spAutoFit/>
+          </a:bodyPr>
+          <a:lstStyle/>
+          <a:p>
+            <a:r>
+              <a:rPr lang="en-US" altLang="ko-KR" sz="2000" smtClean="0">
+                <a:latin typeface="나눔고딕코딩" panose="020D0009000000000000" pitchFamily="49" charset="-127"/>
+                <a:ea typeface="나눔고딕코딩" panose="020D0009000000000000" pitchFamily="49" charset="-127"/>
+              </a:rPr>
+              <a:t>&lt; BacklightApp &gt;</a:t>
+            </a:r>
+          </a:p>
+          <a:p>
+            <a:endParaRPr lang="en-US" altLang="ko-KR" sz="2000">
+              <a:latin typeface="나눔고딕코딩" panose="020D0009000000000000" pitchFamily="49" charset="-127"/>
+              <a:ea typeface="나눔고딕코딩" panose="020D0009000000000000" pitchFamily="49" charset="-127"/>
+            </a:endParaRPr>
+          </a:p>
+          <a:p>
+            <a:r>
+              <a:rPr lang="en-US" altLang="ko-KR" sz="2000" smtClean="0">
+                <a:latin typeface="나눔고딕코딩" panose="020D0009000000000000" pitchFamily="49" charset="-127"/>
+                <a:ea typeface="나눔고딕코딩" panose="020D0009000000000000" pitchFamily="49" charset="-127"/>
+              </a:rPr>
+              <a:t>MainActivity.c</a:t>
+            </a:r>
+            <a:r>
+              <a:rPr lang="ko-KR" altLang="en-US" sz="2000" smtClean="0">
+                <a:latin typeface="나눔고딕코딩" panose="020D0009000000000000" pitchFamily="49" charset="-127"/>
+                <a:ea typeface="나눔고딕코딩" panose="020D0009000000000000" pitchFamily="49" charset="-127"/>
+              </a:rPr>
+              <a:t>의 모든 소스 코드를 </a:t>
+            </a:r>
+            <a:r>
+              <a:rPr lang="en-US" altLang="ko-KR" sz="2000" smtClean="0">
+                <a:latin typeface="나눔고딕코딩" panose="020D0009000000000000" pitchFamily="49" charset="-127"/>
+                <a:ea typeface="나눔고딕코딩" panose="020D0009000000000000" pitchFamily="49" charset="-127"/>
+              </a:rPr>
+              <a:t>android-google/backlight_service/backlight_client.c </a:t>
+            </a:r>
+            <a:r>
+              <a:rPr lang="ko-KR" altLang="en-US" sz="2000" smtClean="0">
+                <a:latin typeface="나눔고딕코딩" panose="020D0009000000000000" pitchFamily="49" charset="-127"/>
+                <a:ea typeface="나눔고딕코딩" panose="020D0009000000000000" pitchFamily="49" charset="-127"/>
+              </a:rPr>
+              <a:t>파일에</a:t>
+            </a:r>
+            <a:endParaRPr lang="en-US" altLang="ko-KR" sz="2000" smtClean="0">
+              <a:latin typeface="나눔고딕코딩" panose="020D0009000000000000" pitchFamily="49" charset="-127"/>
+              <a:ea typeface="나눔고딕코딩" panose="020D0009000000000000" pitchFamily="49" charset="-127"/>
+            </a:endParaRPr>
+          </a:p>
+          <a:p>
+            <a:r>
+              <a:rPr lang="ko-KR" altLang="en-US" sz="2000" smtClean="0">
+                <a:latin typeface="나눔고딕코딩" panose="020D0009000000000000" pitchFamily="49" charset="-127"/>
+                <a:ea typeface="나눔고딕코딩" panose="020D0009000000000000" pitchFamily="49" charset="-127"/>
+              </a:rPr>
+              <a:t>복사하세요</a:t>
+            </a:r>
+            <a:r>
+              <a:rPr lang="en-US" altLang="ko-KR" sz="2000" smtClean="0">
+                <a:latin typeface="나눔고딕코딩" panose="020D0009000000000000" pitchFamily="49" charset="-127"/>
+                <a:ea typeface="나눔고딕코딩" panose="020D0009000000000000" pitchFamily="49" charset="-127"/>
+              </a:rPr>
+              <a:t>. </a:t>
+            </a:r>
+          </a:p>
+          <a:p>
+            <a:endParaRPr lang="en-US" altLang="ko-KR" sz="2000">
+              <a:latin typeface="나눔고딕코딩" panose="020D0009000000000000" pitchFamily="49" charset="-127"/>
+              <a:ea typeface="나눔고딕코딩" panose="020D0009000000000000" pitchFamily="49" charset="-127"/>
+            </a:endParaRPr>
+          </a:p>
+          <a:p>
+            <a:r>
+              <a:rPr lang="en-US" altLang="ko-KR" sz="2000" smtClean="0">
+                <a:latin typeface="나눔고딕코딩" panose="020D0009000000000000" pitchFamily="49" charset="-127"/>
+                <a:ea typeface="나눔고딕코딩" panose="020D0009000000000000" pitchFamily="49" charset="-127"/>
+              </a:rPr>
+              <a:t>backlight_client.c</a:t>
+            </a:r>
+            <a:r>
+              <a:rPr lang="ko-KR" altLang="en-US" sz="2000" smtClean="0">
+                <a:latin typeface="나눔고딕코딩" panose="020D0009000000000000" pitchFamily="49" charset="-127"/>
+                <a:ea typeface="나눔고딕코딩" panose="020D0009000000000000" pitchFamily="49" charset="-127"/>
+              </a:rPr>
+              <a:t>의 출력을 실행 파일이 아니라 공유 라이브러리 형태로 생성할 수 있도록 빌드</a:t>
+            </a:r>
+            <a:endParaRPr lang="en-US" altLang="ko-KR" sz="2000" smtClean="0">
+              <a:latin typeface="나눔고딕코딩" panose="020D0009000000000000" pitchFamily="49" charset="-127"/>
+              <a:ea typeface="나눔고딕코딩" panose="020D0009000000000000" pitchFamily="49" charset="-127"/>
+            </a:endParaRPr>
+          </a:p>
+          <a:p>
+            <a:r>
+              <a:rPr lang="ko-KR" altLang="en-US" sz="2000" smtClean="0">
+                <a:latin typeface="나눔고딕코딩" panose="020D0009000000000000" pitchFamily="49" charset="-127"/>
+                <a:ea typeface="나눔고딕코딩" panose="020D0009000000000000" pitchFamily="49" charset="-127"/>
+              </a:rPr>
+              <a:t>스크립트를 아래와 같이 변경합니다</a:t>
+            </a:r>
+            <a:r>
+              <a:rPr lang="en-US" altLang="ko-KR" sz="2000" smtClean="0">
+                <a:latin typeface="나눔고딕코딩" panose="020D0009000000000000" pitchFamily="49" charset="-127"/>
+                <a:ea typeface="나눔고딕코딩" panose="020D0009000000000000" pitchFamily="49" charset="-127"/>
+              </a:rPr>
+              <a:t>.</a:t>
+            </a:r>
+            <a:endParaRPr lang="ko-KR" altLang="en-US" sz="2000" smtClean="0">
+              <a:latin typeface="나눔고딕코딩" panose="020D0009000000000000" pitchFamily="49" charset="-127"/>
+              <a:ea typeface="나눔고딕코딩" panose="020D0009000000000000" pitchFamily="49" charset="-127"/>
+            </a:endParaRPr>
+          </a:p>
+        </p:txBody>
+      </p:sp>
+      <p:sp>
+        <p:nvSpPr>
+          <p:cNvPr id="2" name="TextBox 1"/>
+          <p:cNvSpPr txBox="1"/>
+          <p:nvPr/>
+        </p:nvSpPr>
+        <p:spPr>
+          <a:xfrm>
+            <a:off x="216310" y="2674374"/>
+            <a:ext cx="6211957" cy="5632311"/>
+          </a:xfrm>
+          <a:prstGeom prst="rect">
+            <a:avLst/>
+          </a:prstGeom>
+          <a:noFill/>
+          <a:ln>
+            <a:solidFill>
+              <a:schemeClr val="tx1"/>
+            </a:solidFill>
+          </a:ln>
+        </p:spPr>
+        <p:txBody>
+          <a:bodyPr wrap="none" rtlCol="0">
+            <a:spAutoFit/>
+          </a:bodyPr>
+          <a:lstStyle/>
+          <a:p>
+            <a:r>
+              <a:rPr lang="en-US" altLang="ko-KR" sz="2000" smtClean="0">
+                <a:latin typeface="나눔고딕코딩" panose="020D0009000000000000" pitchFamily="49" charset="-127"/>
+                <a:ea typeface="나눔고딕코딩" panose="020D0009000000000000" pitchFamily="49" charset="-127"/>
+              </a:rPr>
+              <a:t># Android.mk</a:t>
+            </a:r>
+          </a:p>
+          <a:p>
+            <a:endParaRPr lang="en-US" altLang="ko-KR" sz="2000" smtClean="0">
+              <a:latin typeface="나눔고딕코딩" panose="020D0009000000000000" pitchFamily="49" charset="-127"/>
+              <a:ea typeface="나눔고딕코딩" panose="020D0009000000000000" pitchFamily="49" charset="-127"/>
+            </a:endParaRPr>
+          </a:p>
+          <a:p>
+            <a:r>
+              <a:rPr lang="en-US" altLang="ko-KR" sz="2000" smtClean="0">
+                <a:latin typeface="나눔고딕코딩" panose="020D0009000000000000" pitchFamily="49" charset="-127"/>
+                <a:ea typeface="나눔고딕코딩" panose="020D0009000000000000" pitchFamily="49" charset="-127"/>
+              </a:rPr>
+              <a:t>LOCAL_PATH:= $(call my-dir)</a:t>
+            </a:r>
+          </a:p>
+          <a:p>
+            <a:endParaRPr lang="en-US" altLang="ko-KR" sz="2000" smtClean="0">
+              <a:latin typeface="나눔고딕코딩" panose="020D0009000000000000" pitchFamily="49" charset="-127"/>
+              <a:ea typeface="나눔고딕코딩" panose="020D0009000000000000" pitchFamily="49" charset="-127"/>
+            </a:endParaRPr>
+          </a:p>
+          <a:p>
+            <a:r>
+              <a:rPr lang="en-US" altLang="ko-KR" sz="2000" smtClean="0">
+                <a:latin typeface="나눔고딕코딩" panose="020D0009000000000000" pitchFamily="49" charset="-127"/>
+                <a:ea typeface="나눔고딕코딩" panose="020D0009000000000000" pitchFamily="49" charset="-127"/>
+              </a:rPr>
+              <a:t># for backlight_service</a:t>
+            </a:r>
+          </a:p>
+          <a:p>
+            <a:r>
+              <a:rPr lang="en-US" altLang="ko-KR" sz="2000" smtClean="0">
+                <a:latin typeface="나눔고딕코딩" panose="020D0009000000000000" pitchFamily="49" charset="-127"/>
+                <a:ea typeface="나눔고딕코딩" panose="020D0009000000000000" pitchFamily="49" charset="-127"/>
+              </a:rPr>
+              <a:t>include $(CLEAR_VARS)</a:t>
+            </a:r>
+          </a:p>
+          <a:p>
+            <a:r>
+              <a:rPr lang="en-US" altLang="ko-KR" sz="2000" smtClean="0">
+                <a:latin typeface="나눔고딕코딩" panose="020D0009000000000000" pitchFamily="49" charset="-127"/>
+                <a:ea typeface="나눔고딕코딩" panose="020D0009000000000000" pitchFamily="49" charset="-127"/>
+              </a:rPr>
+              <a:t>LOCAL_SHARED_LIBRARIES := liblog</a:t>
+            </a:r>
+          </a:p>
+          <a:p>
+            <a:r>
+              <a:rPr lang="en-US" altLang="ko-KR" sz="2000" smtClean="0">
+                <a:latin typeface="나눔고딕코딩" panose="020D0009000000000000" pitchFamily="49" charset="-127"/>
+                <a:ea typeface="나눔고딕코딩" panose="020D0009000000000000" pitchFamily="49" charset="-127"/>
+              </a:rPr>
+              <a:t>LOCAL_SRC_FILES := backlight_service.c binder.c</a:t>
+            </a:r>
+          </a:p>
+          <a:p>
+            <a:r>
+              <a:rPr lang="en-US" altLang="ko-KR" sz="2000" smtClean="0">
+                <a:latin typeface="나눔고딕코딩" panose="020D0009000000000000" pitchFamily="49" charset="-127"/>
+                <a:ea typeface="나눔고딕코딩" panose="020D0009000000000000" pitchFamily="49" charset="-127"/>
+              </a:rPr>
+              <a:t>LOCAL_MODULE := backlight_service</a:t>
+            </a:r>
+          </a:p>
+          <a:p>
+            <a:r>
+              <a:rPr lang="en-US" altLang="ko-KR" sz="2000" smtClean="0">
+                <a:latin typeface="나눔고딕코딩" panose="020D0009000000000000" pitchFamily="49" charset="-127"/>
+                <a:ea typeface="나눔고딕코딩" panose="020D0009000000000000" pitchFamily="49" charset="-127"/>
+              </a:rPr>
+              <a:t>include $(BUILD_EXECUTABLE)</a:t>
+            </a:r>
+          </a:p>
+          <a:p>
+            <a:endParaRPr lang="en-US" altLang="ko-KR" sz="2000" smtClean="0">
+              <a:latin typeface="나눔고딕코딩" panose="020D0009000000000000" pitchFamily="49" charset="-127"/>
+              <a:ea typeface="나눔고딕코딩" panose="020D0009000000000000" pitchFamily="49" charset="-127"/>
+            </a:endParaRPr>
+          </a:p>
+          <a:p>
+            <a:r>
+              <a:rPr lang="en-US" altLang="ko-KR" sz="2000" smtClean="0">
+                <a:latin typeface="나눔고딕코딩" panose="020D0009000000000000" pitchFamily="49" charset="-127"/>
+                <a:ea typeface="나눔고딕코딩" panose="020D0009000000000000" pitchFamily="49" charset="-127"/>
+              </a:rPr>
+              <a:t># for backlight_client</a:t>
+            </a:r>
+          </a:p>
+          <a:p>
+            <a:r>
+              <a:rPr lang="en-US" altLang="ko-KR" sz="2000" smtClean="0">
+                <a:latin typeface="나눔고딕코딩" panose="020D0009000000000000" pitchFamily="49" charset="-127"/>
+                <a:ea typeface="나눔고딕코딩" panose="020D0009000000000000" pitchFamily="49" charset="-127"/>
+              </a:rPr>
+              <a:t>include $(CLEAR_VARS)</a:t>
+            </a:r>
+          </a:p>
+          <a:p>
+            <a:r>
+              <a:rPr lang="en-US" altLang="ko-KR" sz="2000" smtClean="0">
+                <a:solidFill>
+                  <a:srgbClr val="FF0000"/>
+                </a:solidFill>
+                <a:latin typeface="나눔고딕코딩" panose="020D0009000000000000" pitchFamily="49" charset="-127"/>
+                <a:ea typeface="나눔고딕코딩" panose="020D0009000000000000" pitchFamily="49" charset="-127"/>
+              </a:rPr>
+              <a:t>LOCAL_MULTILIB := both</a:t>
+            </a:r>
+          </a:p>
+          <a:p>
+            <a:r>
+              <a:rPr lang="en-US" altLang="ko-KR" sz="2000" smtClean="0">
+                <a:latin typeface="나눔고딕코딩" panose="020D0009000000000000" pitchFamily="49" charset="-127"/>
+                <a:ea typeface="나눔고딕코딩" panose="020D0009000000000000" pitchFamily="49" charset="-127"/>
+              </a:rPr>
+              <a:t>LOCAL_SHARED_LIBRARIES := liblog</a:t>
+            </a:r>
+          </a:p>
+          <a:p>
+            <a:r>
+              <a:rPr lang="en-US" altLang="ko-KR" sz="2000" smtClean="0">
+                <a:latin typeface="나눔고딕코딩" panose="020D0009000000000000" pitchFamily="49" charset="-127"/>
+                <a:ea typeface="나눔고딕코딩" panose="020D0009000000000000" pitchFamily="49" charset="-127"/>
+              </a:rPr>
+              <a:t>LOCAL_SRC_FILES := backlight_client.c binder.c</a:t>
+            </a:r>
+          </a:p>
+          <a:p>
+            <a:r>
+              <a:rPr lang="en-US" altLang="ko-KR" sz="2000" smtClean="0">
+                <a:latin typeface="나눔고딕코딩" panose="020D0009000000000000" pitchFamily="49" charset="-127"/>
+                <a:ea typeface="나눔고딕코딩" panose="020D0009000000000000" pitchFamily="49" charset="-127"/>
+              </a:rPr>
+              <a:t>LOCAL_MODULE := </a:t>
+            </a:r>
+            <a:r>
+              <a:rPr lang="en-US" altLang="ko-KR" sz="2000" smtClean="0">
+                <a:solidFill>
+                  <a:srgbClr val="FF0000"/>
+                </a:solidFill>
+                <a:latin typeface="나눔고딕코딩" panose="020D0009000000000000" pitchFamily="49" charset="-127"/>
+                <a:ea typeface="나눔고딕코딩" panose="020D0009000000000000" pitchFamily="49" charset="-127"/>
+              </a:rPr>
+              <a:t>libbacklight</a:t>
+            </a:r>
+          </a:p>
+          <a:p>
+            <a:r>
+              <a:rPr lang="en-US" altLang="ko-KR" sz="2000" smtClean="0">
+                <a:latin typeface="나눔고딕코딩" panose="020D0009000000000000" pitchFamily="49" charset="-127"/>
+                <a:ea typeface="나눔고딕코딩" panose="020D0009000000000000" pitchFamily="49" charset="-127"/>
+              </a:rPr>
+              <a:t>include $(</a:t>
+            </a:r>
+            <a:r>
+              <a:rPr lang="en-US" altLang="ko-KR" sz="2000" smtClean="0">
+                <a:solidFill>
+                  <a:srgbClr val="FF0000"/>
+                </a:solidFill>
+                <a:latin typeface="나눔고딕코딩" panose="020D0009000000000000" pitchFamily="49" charset="-127"/>
+                <a:ea typeface="나눔고딕코딩" panose="020D0009000000000000" pitchFamily="49" charset="-127"/>
+              </a:rPr>
+              <a:t>BUILD_SHARED_LIBRARY</a:t>
+            </a:r>
+            <a:r>
+              <a:rPr lang="en-US" altLang="ko-KR" sz="2000" smtClean="0">
+                <a:latin typeface="나눔고딕코딩" panose="020D0009000000000000" pitchFamily="49" charset="-127"/>
+                <a:ea typeface="나눔고딕코딩" panose="020D0009000000000000" pitchFamily="49" charset="-127"/>
+              </a:rPr>
+              <a:t>)</a:t>
+            </a:r>
+            <a:endParaRPr lang="ko-KR" altLang="en-US" sz="2000" smtClean="0">
+              <a:latin typeface="나눔고딕코딩" panose="020D0009000000000000" pitchFamily="49" charset="-127"/>
+              <a:ea typeface="나눔고딕코딩" panose="020D0009000000000000" pitchFamily="49" charset="-127"/>
+            </a:endParaRPr>
+          </a:p>
+        </p:txBody>
+      </p:sp>
+      <p:sp>
+        <p:nvSpPr>
+          <p:cNvPr id="7" name="TextBox 6"/>
+          <p:cNvSpPr txBox="1"/>
+          <p:nvPr/>
+        </p:nvSpPr>
+        <p:spPr>
+          <a:xfrm>
+            <a:off x="6636774" y="6056671"/>
+            <a:ext cx="4929555" cy="1015663"/>
+          </a:xfrm>
+          <a:prstGeom prst="rect">
+            <a:avLst/>
+          </a:prstGeom>
+          <a:noFill/>
+        </p:spPr>
+        <p:txBody>
+          <a:bodyPr wrap="none" rtlCol="0">
+            <a:spAutoFit/>
+          </a:bodyPr>
+          <a:lstStyle/>
+          <a:p>
+            <a:r>
+              <a:rPr lang="en-US" altLang="ko-KR" sz="2000" smtClean="0">
+                <a:solidFill>
+                  <a:srgbClr val="FF0000"/>
+                </a:solidFill>
+                <a:latin typeface="나눔고딕코딩" panose="020D0009000000000000" pitchFamily="49" charset="-127"/>
+                <a:ea typeface="나눔고딕코딩" panose="020D0009000000000000" pitchFamily="49" charset="-127"/>
+              </a:rPr>
+              <a:t>LOCAL_MULTILIB := both</a:t>
+            </a:r>
+          </a:p>
+          <a:p>
+            <a:r>
+              <a:rPr lang="en-US" altLang="ko-KR" sz="2000" smtClean="0">
+                <a:latin typeface="나눔고딕코딩" panose="020D0009000000000000" pitchFamily="49" charset="-127"/>
+                <a:ea typeface="나눔고딕코딩" panose="020D0009000000000000" pitchFamily="49" charset="-127"/>
+              </a:rPr>
+              <a:t>-&gt; </a:t>
+            </a:r>
+            <a:r>
+              <a:rPr lang="ko-KR" altLang="en-US" sz="2000" smtClean="0">
+                <a:latin typeface="나눔고딕코딩" panose="020D0009000000000000" pitchFamily="49" charset="-127"/>
+                <a:ea typeface="나눔고딕코딩" panose="020D0009000000000000" pitchFamily="49" charset="-127"/>
+              </a:rPr>
+              <a:t>공유 라이브러리를 </a:t>
+            </a:r>
+            <a:r>
+              <a:rPr lang="en-US" altLang="ko-KR" sz="2000" smtClean="0">
+                <a:latin typeface="나눔고딕코딩" panose="020D0009000000000000" pitchFamily="49" charset="-127"/>
+                <a:ea typeface="나눔고딕코딩" panose="020D0009000000000000" pitchFamily="49" charset="-127"/>
+              </a:rPr>
+              <a:t>32/64</a:t>
+            </a:r>
+            <a:r>
+              <a:rPr lang="ko-KR" altLang="en-US" sz="2000" smtClean="0">
+                <a:latin typeface="나눔고딕코딩" panose="020D0009000000000000" pitchFamily="49" charset="-127"/>
+                <a:ea typeface="나눔고딕코딩" panose="020D0009000000000000" pitchFamily="49" charset="-127"/>
+              </a:rPr>
+              <a:t>비트 버전의</a:t>
+            </a:r>
+            <a:endParaRPr lang="en-US" altLang="ko-KR" sz="2000" smtClean="0">
+              <a:latin typeface="나눔고딕코딩" panose="020D0009000000000000" pitchFamily="49" charset="-127"/>
+              <a:ea typeface="나눔고딕코딩" panose="020D0009000000000000" pitchFamily="49" charset="-127"/>
+            </a:endParaRPr>
+          </a:p>
+          <a:p>
+            <a:r>
+              <a:rPr lang="en-US" altLang="ko-KR" sz="2000" smtClean="0">
+                <a:latin typeface="나눔고딕코딩" panose="020D0009000000000000" pitchFamily="49" charset="-127"/>
+                <a:ea typeface="나눔고딕코딩" panose="020D0009000000000000" pitchFamily="49" charset="-127"/>
+              </a:rPr>
+              <a:t>2</a:t>
+            </a:r>
+            <a:r>
+              <a:rPr lang="ko-KR" altLang="en-US" sz="2000" smtClean="0">
+                <a:latin typeface="나눔고딕코딩" panose="020D0009000000000000" pitchFamily="49" charset="-127"/>
+                <a:ea typeface="나눔고딕코딩" panose="020D0009000000000000" pitchFamily="49" charset="-127"/>
+              </a:rPr>
+              <a:t>가지 형태로 생성해 줍니다</a:t>
+            </a:r>
+            <a:r>
+              <a:rPr lang="en-US" altLang="ko-KR" sz="2000" smtClean="0">
+                <a:latin typeface="나눔고딕코딩" panose="020D0009000000000000" pitchFamily="49" charset="-127"/>
+                <a:ea typeface="나눔고딕코딩" panose="020D0009000000000000" pitchFamily="49" charset="-127"/>
+              </a:rPr>
+              <a:t>.</a:t>
+            </a:r>
+            <a:endParaRPr lang="ko-KR" altLang="en-US" sz="2000" smtClean="0">
+              <a:latin typeface="나눔고딕코딩" panose="020D0009000000000000" pitchFamily="49" charset="-127"/>
+              <a:ea typeface="나눔고딕코딩" panose="020D0009000000000000" pitchFamily="49" charset="-127"/>
+            </a:endParaRPr>
+          </a:p>
+        </p:txBody>
+      </p:sp>
+    </p:spTree>
+    <p:extLst>
+      <p:ext uri="{BB962C8B-B14F-4D97-AF65-F5344CB8AC3E}">
+        <p14:creationId xmlns:p14="http://schemas.microsoft.com/office/powerpoint/2010/main" val="1078231734"/>
+      </p:ext>
+    </p:extLst>
+  </p:cSld>
+  <p:clrMapOvr>
+    <a:masterClrMapping/>
+  </p:clrMapOvr>
+</p:sld>
+</file>
+
+<file path=ppt/slides/slide4.xml><?xml version="1.0" encoding="utf-8"?>
+<p:sld xmlns:a="http://schemas.openxmlformats.org/drawingml/2006/main" xmlns:r="http://schemas.openxmlformats.org/officeDocument/2006/relationships" xmlns:p="http://schemas.openxmlformats.org/presentationml/2006/main">
+  <p:cSld>
+    <p:spTree>
+      <p:nvGrpSpPr>
+        <p:cNvPr id="1" name=""/>
+        <p:cNvGrpSpPr/>
+        <p:nvPr/>
+      </p:nvGrpSpPr>
+      <p:grpSpPr>
+        <a:xfrm>
+          <a:off x="0" y="0"/>
+          <a:ext cx="0" cy="0"/>
+          <a:chOff x="0" y="0"/>
+          <a:chExt cx="0" cy="0"/>
+        </a:xfrm>
+      </p:grpSpPr>
+      <p:sp>
+        <p:nvSpPr>
+          <p:cNvPr id="4" name="TextBox 3"/>
+          <p:cNvSpPr txBox="1"/>
+          <p:nvPr/>
+        </p:nvSpPr>
+        <p:spPr>
+          <a:xfrm>
+            <a:off x="226142" y="304800"/>
+            <a:ext cx="19292461" cy="7478970"/>
+          </a:xfrm>
+          <a:prstGeom prst="rect">
+            <a:avLst/>
+          </a:prstGeom>
+          <a:noFill/>
+        </p:spPr>
+        <p:txBody>
+          <a:bodyPr wrap="none" rtlCol="0">
+            <a:spAutoFit/>
+          </a:bodyPr>
+          <a:lstStyle/>
+          <a:p>
+            <a:r>
+              <a:rPr lang="en-US" altLang="ko-KR" sz="2000" smtClean="0">
+                <a:latin typeface="나눔고딕코딩" panose="020D0009000000000000" pitchFamily="49" charset="-127"/>
+                <a:ea typeface="나눔고딕코딩" panose="020D0009000000000000" pitchFamily="49" charset="-127"/>
+              </a:rPr>
+              <a:t>&lt; </a:t>
+            </a:r>
+            <a:r>
+              <a:rPr lang="ko-KR" altLang="en-US" sz="2000" smtClean="0">
+                <a:latin typeface="나눔고딕코딩" panose="020D0009000000000000" pitchFamily="49" charset="-127"/>
+                <a:ea typeface="나눔고딕코딩" panose="020D0009000000000000" pitchFamily="49" charset="-127"/>
+              </a:rPr>
+              <a:t>빌드 </a:t>
+            </a:r>
+            <a:r>
+              <a:rPr lang="en-US" altLang="ko-KR" sz="2000" smtClean="0">
+                <a:latin typeface="나눔고딕코딩" panose="020D0009000000000000" pitchFamily="49" charset="-127"/>
+                <a:ea typeface="나눔고딕코딩" panose="020D0009000000000000" pitchFamily="49" charset="-127"/>
+              </a:rPr>
+              <a:t>&gt;</a:t>
+            </a:r>
+          </a:p>
+          <a:p>
+            <a:endParaRPr lang="en-US" altLang="ko-KR" sz="2000">
+              <a:latin typeface="나눔고딕코딩" panose="020D0009000000000000" pitchFamily="49" charset="-127"/>
+              <a:ea typeface="나눔고딕코딩" panose="020D0009000000000000" pitchFamily="49" charset="-127"/>
+            </a:endParaRPr>
+          </a:p>
+          <a:p>
+            <a:r>
+              <a:rPr lang="en-US" altLang="ko-KR" sz="2000" smtClean="0">
+                <a:latin typeface="나눔고딕코딩" panose="020D0009000000000000" pitchFamily="49" charset="-127"/>
+                <a:ea typeface="나눔고딕코딩" panose="020D0009000000000000" pitchFamily="49" charset="-127"/>
+              </a:rPr>
+              <a:t>target  C: libbacklight &lt;= backlight_service/backlight_client.c</a:t>
+            </a:r>
+          </a:p>
+          <a:p>
+            <a:r>
+              <a:rPr lang="en-US" altLang="ko-KR" sz="2000" smtClean="0">
+                <a:latin typeface="나눔고딕코딩" panose="020D0009000000000000" pitchFamily="49" charset="-127"/>
+                <a:ea typeface="나눔고딕코딩" panose="020D0009000000000000" pitchFamily="49" charset="-127"/>
+              </a:rPr>
+              <a:t>backlight_service/backlight_client.c: In function 'Java_com_example_backlightapp_MainActivity_setBacklight':</a:t>
+            </a:r>
+          </a:p>
+          <a:p>
+            <a:r>
+              <a:rPr lang="en-US" altLang="ko-KR" sz="2000" smtClean="0">
+                <a:latin typeface="나눔고딕코딩" panose="020D0009000000000000" pitchFamily="49" charset="-127"/>
+                <a:ea typeface="나눔고딕코딩" panose="020D0009000000000000" pitchFamily="49" charset="-127"/>
+              </a:rPr>
+              <a:t>...</a:t>
+            </a:r>
+          </a:p>
+          <a:p>
+            <a:r>
+              <a:rPr lang="en-US" altLang="ko-KR" sz="2000" smtClean="0">
+                <a:latin typeface="나눔고딕코딩" panose="020D0009000000000000" pitchFamily="49" charset="-127"/>
+                <a:ea typeface="나눔고딕코딩" panose="020D0009000000000000" pitchFamily="49" charset="-127"/>
+              </a:rPr>
+              <a:t>target SharedLib: libbacklight (out/target/product/flounder/obj/SHARED_LIBRARIES/libbacklight_intermediates/LINKED/libbacklight.so)</a:t>
+            </a:r>
+          </a:p>
+          <a:p>
+            <a:r>
+              <a:rPr lang="en-US" altLang="ko-KR" sz="2000" smtClean="0">
+                <a:latin typeface="나눔고딕코딩" panose="020D0009000000000000" pitchFamily="49" charset="-127"/>
+                <a:ea typeface="나눔고딕코딩" panose="020D0009000000000000" pitchFamily="49" charset="-127"/>
+              </a:rPr>
+              <a:t>target Symbolic: libbacklight (out/target/product/flounder/symbols/system/lib64/libbacklight.so)</a:t>
+            </a:r>
+          </a:p>
+          <a:p>
+            <a:r>
+              <a:rPr lang="en-US" altLang="ko-KR" sz="2000" smtClean="0">
+                <a:latin typeface="나눔고딕코딩" panose="020D0009000000000000" pitchFamily="49" charset="-127"/>
+                <a:ea typeface="나눔고딕코딩" panose="020D0009000000000000" pitchFamily="49" charset="-127"/>
+              </a:rPr>
+              <a:t>Export includes file: backlight_service/Android.mk -- out/target/product/flounder/obj/SHARED_LIBRARIES/libbacklight_intermediates/export_includes</a:t>
+            </a:r>
+          </a:p>
+          <a:p>
+            <a:r>
+              <a:rPr lang="en-US" altLang="ko-KR" sz="2000" smtClean="0">
+                <a:latin typeface="나눔고딕코딩" panose="020D0009000000000000" pitchFamily="49" charset="-127"/>
+                <a:ea typeface="나눔고딕코딩" panose="020D0009000000000000" pitchFamily="49" charset="-127"/>
+              </a:rPr>
+              <a:t>target Strip: libbacklight (out/target/product/flounder/obj/lib/libbacklight.so)</a:t>
+            </a:r>
+          </a:p>
+          <a:p>
+            <a:r>
+              <a:rPr lang="en-US" altLang="ko-KR" sz="2000" smtClean="0">
+                <a:solidFill>
+                  <a:srgbClr val="FF0000"/>
+                </a:solidFill>
+                <a:latin typeface="나눔고딕코딩" panose="020D0009000000000000" pitchFamily="49" charset="-127"/>
+                <a:ea typeface="나눔고딕코딩" panose="020D0009000000000000" pitchFamily="49" charset="-127"/>
+              </a:rPr>
+              <a:t>Install: out/target/product/flounder/system/lib64/libbacklight.so</a:t>
+            </a:r>
+          </a:p>
+          <a:p>
+            <a:r>
+              <a:rPr lang="en-US" altLang="ko-KR" sz="2000" smtClean="0">
+                <a:latin typeface="나눔고딕코딩" panose="020D0009000000000000" pitchFamily="49" charset="-127"/>
+                <a:ea typeface="나눔고딕코딩" panose="020D0009000000000000" pitchFamily="49" charset="-127"/>
+              </a:rPr>
+              <a:t>Import includes file: out/target/product/flounder/obj_arm/SHARED_LIBRARIES/libbacklight_intermediates/import_includes</a:t>
+            </a:r>
+          </a:p>
+          <a:p>
+            <a:r>
+              <a:rPr lang="en-US" altLang="ko-KR" sz="2000" smtClean="0">
+                <a:latin typeface="나눔고딕코딩" panose="020D0009000000000000" pitchFamily="49" charset="-127"/>
+                <a:ea typeface="나눔고딕코딩" panose="020D0009000000000000" pitchFamily="49" charset="-127"/>
+              </a:rPr>
+              <a:t>target thumb C: libbacklight_32 &lt;= backlight_service/backlight_client.c</a:t>
+            </a:r>
+          </a:p>
+          <a:p>
+            <a:r>
+              <a:rPr lang="en-US" altLang="ko-KR" sz="2000" smtClean="0">
+                <a:latin typeface="나눔고딕코딩" panose="020D0009000000000000" pitchFamily="49" charset="-127"/>
+                <a:ea typeface="나눔고딕코딩" panose="020D0009000000000000" pitchFamily="49" charset="-127"/>
+              </a:rPr>
+              <a:t>backlight_service/backlight_client.c: In function 'Java_com_example_backlightapp_MainActivity_setBacklight':</a:t>
+            </a:r>
+          </a:p>
+          <a:p>
+            <a:r>
+              <a:rPr lang="en-US" altLang="ko-KR" sz="2000" smtClean="0">
+                <a:latin typeface="나눔고딕코딩" panose="020D0009000000000000" pitchFamily="49" charset="-127"/>
+                <a:ea typeface="나눔고딕코딩" panose="020D0009000000000000" pitchFamily="49" charset="-127"/>
+              </a:rPr>
+              <a:t>target thumb C: libbacklight_32 &lt;= backlight_service/binder.c</a:t>
+            </a:r>
+          </a:p>
+          <a:p>
+            <a:r>
+              <a:rPr lang="en-US" altLang="ko-KR" sz="2000" smtClean="0">
+                <a:latin typeface="나눔고딕코딩" panose="020D0009000000000000" pitchFamily="49" charset="-127"/>
+                <a:ea typeface="나눔고딕코딩" panose="020D0009000000000000" pitchFamily="49" charset="-127"/>
+              </a:rPr>
+              <a:t>...</a:t>
+            </a:r>
+          </a:p>
+          <a:p>
+            <a:r>
+              <a:rPr lang="en-US" altLang="ko-KR" sz="2000" smtClean="0">
+                <a:latin typeface="나눔고딕코딩" panose="020D0009000000000000" pitchFamily="49" charset="-127"/>
+                <a:ea typeface="나눔고딕코딩" panose="020D0009000000000000" pitchFamily="49" charset="-127"/>
+              </a:rPr>
+              <a:t>target SharedLib: libbacklight_32 (out/target/product/flounder/obj_arm/SHARED_LIBRARIES/libbacklight_intermediates/LINKED/libbacklight.so)</a:t>
+            </a:r>
+          </a:p>
+          <a:p>
+            <a:r>
+              <a:rPr lang="en-US" altLang="ko-KR" sz="2000" smtClean="0">
+                <a:latin typeface="나눔고딕코딩" panose="020D0009000000000000" pitchFamily="49" charset="-127"/>
+                <a:ea typeface="나눔고딕코딩" panose="020D0009000000000000" pitchFamily="49" charset="-127"/>
+              </a:rPr>
+              <a:t>target Symbolic: libbacklight_32 (out/target/product/flounder/symbols/system/lib/libbacklight.so)</a:t>
+            </a:r>
+          </a:p>
+          <a:p>
+            <a:r>
+              <a:rPr lang="en-US" altLang="ko-KR" sz="2000" smtClean="0">
+                <a:latin typeface="나눔고딕코딩" panose="020D0009000000000000" pitchFamily="49" charset="-127"/>
+                <a:ea typeface="나눔고딕코딩" panose="020D0009000000000000" pitchFamily="49" charset="-127"/>
+              </a:rPr>
+              <a:t>Export includes file: backlight_service/Android.mk -- out/target/product/flounder/obj_arm/SHARED_LIBRARIES/libbacklight_intermediates/export_includes</a:t>
+            </a:r>
+          </a:p>
+          <a:p>
+            <a:r>
+              <a:rPr lang="en-US" altLang="ko-KR" sz="2000" smtClean="0">
+                <a:latin typeface="나눔고딕코딩" panose="020D0009000000000000" pitchFamily="49" charset="-127"/>
+                <a:ea typeface="나눔고딕코딩" panose="020D0009000000000000" pitchFamily="49" charset="-127"/>
+              </a:rPr>
+              <a:t>target Strip: libbacklight_32 (out/target/product/flounder/obj_arm/lib/libbacklight.so)</a:t>
+            </a:r>
+          </a:p>
+          <a:p>
+            <a:r>
+              <a:rPr lang="en-US" altLang="ko-KR" sz="2000" smtClean="0">
+                <a:solidFill>
+                  <a:srgbClr val="FF0000"/>
+                </a:solidFill>
+                <a:latin typeface="나눔고딕코딩" panose="020D0009000000000000" pitchFamily="49" charset="-127"/>
+                <a:ea typeface="나눔고딕코딩" panose="020D0009000000000000" pitchFamily="49" charset="-127"/>
+              </a:rPr>
+              <a:t>Install: out/target/product/flounder/system/lib/libbacklight.so</a:t>
+            </a:r>
+          </a:p>
+          <a:p>
+            <a:r>
+              <a:rPr lang="en-US" altLang="ko-KR" sz="2000" smtClean="0">
+                <a:latin typeface="나눔고딕코딩" panose="020D0009000000000000" pitchFamily="49" charset="-127"/>
+                <a:ea typeface="나눔고딕코딩" panose="020D0009000000000000" pitchFamily="49" charset="-127"/>
+              </a:rPr>
+              <a:t>make: Leaving directory `/root/android-google'</a:t>
+            </a:r>
+          </a:p>
+          <a:p>
+            <a:endParaRPr lang="en-US" altLang="ko-KR" sz="2000" smtClean="0">
+              <a:latin typeface="나눔고딕코딩" panose="020D0009000000000000" pitchFamily="49" charset="-127"/>
+              <a:ea typeface="나눔고딕코딩" panose="020D0009000000000000" pitchFamily="49" charset="-127"/>
+            </a:endParaRPr>
+          </a:p>
+          <a:p>
+            <a:r>
+              <a:rPr lang="en-US" altLang="ko-KR" sz="2000" smtClean="0">
+                <a:latin typeface="나눔고딕코딩" panose="020D0009000000000000" pitchFamily="49" charset="-127"/>
+                <a:ea typeface="나눔고딕코딩" panose="020D0009000000000000" pitchFamily="49" charset="-127"/>
+              </a:rPr>
+              <a:t>#### make completed successfully (5 seconds) ####</a:t>
+            </a:r>
+          </a:p>
+          <a:p>
+            <a:endParaRPr lang="ko-KR" altLang="en-US" sz="2000" smtClean="0">
+              <a:latin typeface="나눔고딕코딩" panose="020D0009000000000000" pitchFamily="49" charset="-127"/>
+              <a:ea typeface="나눔고딕코딩" panose="020D0009000000000000" pitchFamily="49" charset="-127"/>
+            </a:endParaRPr>
+          </a:p>
+        </p:txBody>
+      </p:sp>
+    </p:spTree>
+    <p:extLst>
+      <p:ext uri="{BB962C8B-B14F-4D97-AF65-F5344CB8AC3E}">
+        <p14:creationId xmlns:p14="http://schemas.microsoft.com/office/powerpoint/2010/main" val="3977077171"/>
+      </p:ext>
+    </p:extLst>
+  </p:cSld>
+  <p:clrMapOvr>
+    <a:masterClrMapping/>
+  </p:clrMapOvr>
+</p:sld>
+</file>
+
+<file path=ppt/slides/slide5.xml><?xml version="1.0" encoding="utf-8"?>
+<p:sld xmlns:a="http://schemas.openxmlformats.org/drawingml/2006/main" xmlns:r="http://schemas.openxmlformats.org/officeDocument/2006/relationships" xmlns:p="http://schemas.openxmlformats.org/presentationml/2006/main">
+  <p:cSld>
+    <p:spTree>
+      <p:nvGrpSpPr>
+        <p:cNvPr id="1" name=""/>
+        <p:cNvGrpSpPr/>
+        <p:nvPr/>
+      </p:nvGrpSpPr>
+      <p:grpSpPr>
+        <a:xfrm>
+          <a:off x="0" y="0"/>
+          <a:ext cx="0" cy="0"/>
+          <a:chOff x="0" y="0"/>
+          <a:chExt cx="0" cy="0"/>
+        </a:xfrm>
+      </p:grpSpPr>
+      <p:sp>
+        <p:nvSpPr>
+          <p:cNvPr id="4" name="TextBox 3"/>
+          <p:cNvSpPr txBox="1"/>
+          <p:nvPr/>
+        </p:nvSpPr>
+        <p:spPr>
+          <a:xfrm>
+            <a:off x="324465" y="363794"/>
+            <a:ext cx="10700365" cy="2554545"/>
+          </a:xfrm>
+          <a:prstGeom prst="rect">
+            <a:avLst/>
+          </a:prstGeom>
+          <a:noFill/>
+        </p:spPr>
+        <p:txBody>
+          <a:bodyPr wrap="none" rtlCol="0">
+            <a:spAutoFit/>
+          </a:bodyPr>
+          <a:lstStyle/>
+          <a:p>
+            <a:r>
+              <a:rPr lang="ko-KR" altLang="en-US" sz="2000" smtClean="0">
+                <a:latin typeface="나눔고딕코딩" panose="020D0009000000000000" pitchFamily="49" charset="-127"/>
+                <a:ea typeface="나눔고딕코딩" panose="020D0009000000000000" pitchFamily="49" charset="-127"/>
+              </a:rPr>
+              <a:t>이제 생성된 공유 라이브러리</a:t>
+            </a:r>
+            <a:r>
+              <a:rPr lang="en-US" altLang="ko-KR" sz="2000" smtClean="0">
+                <a:latin typeface="나눔고딕코딩" panose="020D0009000000000000" pitchFamily="49" charset="-127"/>
+                <a:ea typeface="나눔고딕코딩" panose="020D0009000000000000" pitchFamily="49" charset="-127"/>
+              </a:rPr>
+              <a:t>(64</a:t>
+            </a:r>
+            <a:r>
+              <a:rPr lang="ko-KR" altLang="en-US" sz="2000" smtClean="0">
+                <a:latin typeface="나눔고딕코딩" panose="020D0009000000000000" pitchFamily="49" charset="-127"/>
+                <a:ea typeface="나눔고딕코딩" panose="020D0009000000000000" pitchFamily="49" charset="-127"/>
+              </a:rPr>
+              <a:t>비트 버전</a:t>
+            </a:r>
+            <a:r>
+              <a:rPr lang="en-US" altLang="ko-KR" sz="2000" smtClean="0">
+                <a:latin typeface="나눔고딕코딩" panose="020D0009000000000000" pitchFamily="49" charset="-127"/>
+                <a:ea typeface="나눔고딕코딩" panose="020D0009000000000000" pitchFamily="49" charset="-127"/>
+              </a:rPr>
+              <a:t>)</a:t>
+            </a:r>
+            <a:r>
+              <a:rPr lang="ko-KR" altLang="en-US" sz="2000" smtClean="0">
+                <a:latin typeface="나눔고딕코딩" panose="020D0009000000000000" pitchFamily="49" charset="-127"/>
+                <a:ea typeface="나눔고딕코딩" panose="020D0009000000000000" pitchFamily="49" charset="-127"/>
+              </a:rPr>
+              <a:t>을 안드로이드 프로젝트에 복사합니다</a:t>
+            </a:r>
+            <a:r>
+              <a:rPr lang="en-US" altLang="ko-KR" sz="2000" smtClean="0">
+                <a:latin typeface="나눔고딕코딩" panose="020D0009000000000000" pitchFamily="49" charset="-127"/>
+                <a:ea typeface="나눔고딕코딩" panose="020D0009000000000000" pitchFamily="49" charset="-127"/>
+              </a:rPr>
+              <a:t>.</a:t>
+            </a:r>
+          </a:p>
+          <a:p>
+            <a:r>
+              <a:rPr lang="ko-KR" altLang="en-US" sz="2000" smtClean="0">
+                <a:latin typeface="나눔고딕코딩" panose="020D0009000000000000" pitchFamily="49" charset="-127"/>
+                <a:ea typeface="나눔고딕코딩" panose="020D0009000000000000" pitchFamily="49" charset="-127"/>
+              </a:rPr>
+              <a:t>다음의 위치에 복사합니다</a:t>
+            </a:r>
+            <a:r>
+              <a:rPr lang="en-US" altLang="ko-KR" sz="2000" smtClean="0">
+                <a:latin typeface="나눔고딕코딩" panose="020D0009000000000000" pitchFamily="49" charset="-127"/>
+                <a:ea typeface="나눔고딕코딩" panose="020D0009000000000000" pitchFamily="49" charset="-127"/>
+              </a:rPr>
+              <a:t>.</a:t>
+            </a:r>
+          </a:p>
+          <a:p>
+            <a:endParaRPr lang="en-US" altLang="ko-KR" sz="2000">
+              <a:latin typeface="나눔고딕코딩" panose="020D0009000000000000" pitchFamily="49" charset="-127"/>
+              <a:ea typeface="나눔고딕코딩" panose="020D0009000000000000" pitchFamily="49" charset="-127"/>
+            </a:endParaRPr>
+          </a:p>
+          <a:p>
+            <a:r>
+              <a:rPr lang="ko-KR" altLang="en-US" sz="2000" smtClean="0">
+                <a:latin typeface="나눔고딕코딩" panose="020D0009000000000000" pitchFamily="49" charset="-127"/>
+                <a:ea typeface="나눔고딕코딩" panose="020D0009000000000000" pitchFamily="49" charset="-127"/>
+              </a:rPr>
+              <a:t>이 때</a:t>
+            </a:r>
+            <a:r>
+              <a:rPr lang="en-US" altLang="ko-KR" sz="2000" smtClean="0">
+                <a:latin typeface="나눔고딕코딩" panose="020D0009000000000000" pitchFamily="49" charset="-127"/>
+                <a:ea typeface="나눔고딕코딩" panose="020D0009000000000000" pitchFamily="49" charset="-127"/>
+              </a:rPr>
+              <a:t>, </a:t>
+            </a:r>
+            <a:r>
+              <a:rPr lang="en-US" altLang="ko-KR" sz="2000" smtClean="0">
+                <a:latin typeface="나눔고딕코딩" panose="020D0009000000000000" pitchFamily="49" charset="-127"/>
+                <a:ea typeface="나눔고딕코딩" panose="020D0009000000000000" pitchFamily="49" charset="-127"/>
+              </a:rPr>
+              <a:t>/root/AndroidStudioProjects/BacklightApp/app/src/main/ </a:t>
+            </a:r>
+            <a:r>
+              <a:rPr lang="ko-KR" altLang="en-US" sz="2000" smtClean="0">
+                <a:latin typeface="나눔고딕코딩" panose="020D0009000000000000" pitchFamily="49" charset="-127"/>
+                <a:ea typeface="나눔고딕코딩" panose="020D0009000000000000" pitchFamily="49" charset="-127"/>
+              </a:rPr>
+              <a:t>안에 다음의</a:t>
+            </a:r>
+            <a:endParaRPr lang="en-US" altLang="ko-KR" sz="2000" smtClean="0">
+              <a:latin typeface="나눔고딕코딩" panose="020D0009000000000000" pitchFamily="49" charset="-127"/>
+              <a:ea typeface="나눔고딕코딩" panose="020D0009000000000000" pitchFamily="49" charset="-127"/>
+            </a:endParaRPr>
+          </a:p>
+          <a:p>
+            <a:r>
+              <a:rPr lang="ko-KR" altLang="en-US" sz="2000" smtClean="0">
+                <a:latin typeface="나눔고딕코딩" panose="020D0009000000000000" pitchFamily="49" charset="-127"/>
+                <a:ea typeface="나눔고딕코딩" panose="020D0009000000000000" pitchFamily="49" charset="-127"/>
+              </a:rPr>
+              <a:t>폴더를 생성합니다</a:t>
+            </a:r>
+            <a:r>
+              <a:rPr lang="en-US" altLang="ko-KR" sz="2000" smtClean="0">
+                <a:latin typeface="나눔고딕코딩" panose="020D0009000000000000" pitchFamily="49" charset="-127"/>
+                <a:ea typeface="나눔고딕코딩" panose="020D0009000000000000" pitchFamily="49" charset="-127"/>
+              </a:rPr>
+              <a:t>.</a:t>
+            </a:r>
+            <a:endParaRPr lang="en-US" altLang="ko-KR" sz="2000">
+              <a:latin typeface="나눔고딕코딩" panose="020D0009000000000000" pitchFamily="49" charset="-127"/>
+              <a:ea typeface="나눔고딕코딩" panose="020D0009000000000000" pitchFamily="49" charset="-127"/>
+            </a:endParaRPr>
+          </a:p>
+          <a:p>
+            <a:r>
+              <a:rPr lang="en-US" altLang="ko-KR" sz="2000" smtClean="0">
+                <a:solidFill>
+                  <a:srgbClr val="FF0000"/>
+                </a:solidFill>
+                <a:latin typeface="나눔고딕코딩" panose="020D0009000000000000" pitchFamily="49" charset="-127"/>
+                <a:ea typeface="나눔고딕코딩" panose="020D0009000000000000" pitchFamily="49" charset="-127"/>
+              </a:rPr>
+              <a:t>jniLibs/arm64-v8a</a:t>
+            </a:r>
+          </a:p>
+          <a:p>
+            <a:endParaRPr lang="en-US" altLang="ko-KR" sz="2000">
+              <a:solidFill>
+                <a:srgbClr val="FF0000"/>
+              </a:solidFill>
+              <a:latin typeface="나눔고딕코딩" panose="020D0009000000000000" pitchFamily="49" charset="-127"/>
+              <a:ea typeface="나눔고딕코딩" panose="020D0009000000000000" pitchFamily="49" charset="-127"/>
+            </a:endParaRPr>
+          </a:p>
+          <a:p>
+            <a:r>
+              <a:rPr lang="ko-KR" altLang="en-US" sz="2000" smtClean="0">
+                <a:solidFill>
+                  <a:srgbClr val="FF0000"/>
+                </a:solidFill>
+                <a:latin typeface="나눔고딕코딩" panose="020D0009000000000000" pitchFamily="49" charset="-127"/>
+                <a:ea typeface="나눔고딕코딩" panose="020D0009000000000000" pitchFamily="49" charset="-127"/>
+              </a:rPr>
+              <a:t>최종 경로</a:t>
+            </a:r>
+            <a:r>
+              <a:rPr lang="en-US" altLang="ko-KR" sz="2000" smtClean="0">
+                <a:solidFill>
+                  <a:srgbClr val="FF0000"/>
+                </a:solidFill>
+                <a:latin typeface="나눔고딕코딩" panose="020D0009000000000000" pitchFamily="49" charset="-127"/>
+                <a:ea typeface="나눔고딕코딩" panose="020D0009000000000000" pitchFamily="49" charset="-127"/>
+              </a:rPr>
+              <a:t>: /root/AndroidStudioProjects/BacklightApp/app/src/main/jniLibs/arm64-v8a</a:t>
+            </a:r>
+            <a:endParaRPr lang="en-US" altLang="ko-KR" sz="2000">
+              <a:solidFill>
+                <a:srgbClr val="FF0000"/>
+              </a:solidFill>
+              <a:latin typeface="나눔고딕코딩" panose="020D0009000000000000" pitchFamily="49" charset="-127"/>
+              <a:ea typeface="나눔고딕코딩" panose="020D0009000000000000" pitchFamily="49" charset="-127"/>
+            </a:endParaRPr>
+          </a:p>
+        </p:txBody>
+      </p:sp>
+      <p:sp>
+        <p:nvSpPr>
+          <p:cNvPr id="5" name="TextBox 4"/>
+          <p:cNvSpPr txBox="1"/>
+          <p:nvPr/>
+        </p:nvSpPr>
+        <p:spPr>
+          <a:xfrm>
+            <a:off x="324465" y="3303639"/>
+            <a:ext cx="12367488" cy="1015663"/>
+          </a:xfrm>
+          <a:prstGeom prst="rect">
+            <a:avLst/>
+          </a:prstGeom>
+          <a:noFill/>
+        </p:spPr>
+        <p:txBody>
+          <a:bodyPr wrap="none" rtlCol="0">
+            <a:spAutoFit/>
+          </a:bodyPr>
+          <a:lstStyle/>
+          <a:p>
+            <a:r>
+              <a:rPr lang="en-US" altLang="ko-KR" sz="2000" smtClean="0">
+                <a:latin typeface="나눔고딕코딩" panose="020D0009000000000000" pitchFamily="49" charset="-127"/>
+                <a:ea typeface="나눔고딕코딩" panose="020D0009000000000000" pitchFamily="49" charset="-127"/>
+              </a:rPr>
+              <a:t>/backlight_service # cp ../out/target/product/flounder/system/</a:t>
+            </a:r>
+            <a:r>
+              <a:rPr lang="en-US" altLang="ko-KR" sz="2000" smtClean="0">
+                <a:solidFill>
+                  <a:srgbClr val="FF0000"/>
+                </a:solidFill>
+                <a:latin typeface="나눔고딕코딩" panose="020D0009000000000000" pitchFamily="49" charset="-127"/>
+                <a:ea typeface="나눔고딕코딩" panose="020D0009000000000000" pitchFamily="49" charset="-127"/>
+              </a:rPr>
+              <a:t>lib64/libbacklight.so</a:t>
+            </a:r>
+          </a:p>
+          <a:p>
+            <a:r>
+              <a:rPr lang="en-US" altLang="ko-KR" sz="2000">
+                <a:latin typeface="나눔고딕코딩" panose="020D0009000000000000" pitchFamily="49" charset="-127"/>
+                <a:ea typeface="나눔고딕코딩" panose="020D0009000000000000" pitchFamily="49" charset="-127"/>
+              </a:rPr>
+              <a:t> </a:t>
+            </a:r>
+            <a:r>
+              <a:rPr lang="en-US" altLang="ko-KR" sz="2000" smtClean="0">
+                <a:latin typeface="나눔고딕코딩" panose="020D0009000000000000" pitchFamily="49" charset="-127"/>
+                <a:ea typeface="나눔고딕코딩" panose="020D0009000000000000" pitchFamily="49" charset="-127"/>
+              </a:rPr>
+              <a:t>                       /root/AndroidStudioProjects/BacklightApp/app/src/main/jniLibs/arm64-v8a</a:t>
+            </a:r>
+          </a:p>
+          <a:p>
+            <a:endParaRPr lang="ko-KR" altLang="en-US" sz="2000" smtClean="0">
+              <a:latin typeface="나눔고딕코딩" panose="020D0009000000000000" pitchFamily="49" charset="-127"/>
+              <a:ea typeface="나눔고딕코딩" panose="020D0009000000000000" pitchFamily="49" charset="-127"/>
+            </a:endParaRPr>
+          </a:p>
+        </p:txBody>
+      </p:sp>
+    </p:spTree>
+    <p:extLst>
+      <p:ext uri="{BB962C8B-B14F-4D97-AF65-F5344CB8AC3E}">
+        <p14:creationId xmlns:p14="http://schemas.microsoft.com/office/powerpoint/2010/main" val="4173917914"/>
+      </p:ext>
+    </p:extLst>
+  </p:cSld>
+  <p:clrMapOvr>
+    <a:masterClrMapping/>
+  </p:clrMapOvr>
+</p:sld>
+</file>
+
+<file path=ppt/slides/slide6.xml><?xml version="1.0" encoding="utf-8"?>
+<p:sld xmlns:a="http://schemas.openxmlformats.org/drawingml/2006/main" xmlns:r="http://schemas.openxmlformats.org/officeDocument/2006/relationships" xmlns:p="http://schemas.openxmlformats.org/presentationml/2006/main">
+  <p:cSld>
+    <p:spTree>
+      <p:nvGrpSpPr>
+        <p:cNvPr id="1" name=""/>
+        <p:cNvGrpSpPr/>
+        <p:nvPr/>
+      </p:nvGrpSpPr>
+      <p:grpSpPr>
+        <a:xfrm>
+          <a:off x="0" y="0"/>
+          <a:ext cx="0" cy="0"/>
+          <a:chOff x="0" y="0"/>
+          <a:chExt cx="0" cy="0"/>
+        </a:xfrm>
+      </p:grpSpPr>
+      <p:sp>
+        <p:nvSpPr>
+          <p:cNvPr id="4" name="TextBox 3"/>
+          <p:cNvSpPr txBox="1"/>
+          <p:nvPr/>
+        </p:nvSpPr>
+        <p:spPr>
+          <a:xfrm>
+            <a:off x="180870" y="452176"/>
+            <a:ext cx="9417963" cy="2246769"/>
+          </a:xfrm>
+          <a:prstGeom prst="rect">
+            <a:avLst/>
+          </a:prstGeom>
+          <a:noFill/>
+        </p:spPr>
+        <p:txBody>
+          <a:bodyPr wrap="none" rtlCol="0">
+            <a:spAutoFit/>
+          </a:bodyPr>
+          <a:lstStyle/>
+          <a:p>
+            <a:r>
+              <a:rPr lang="ko-KR" altLang="en-US" sz="2000" smtClean="0">
+                <a:latin typeface="나눔고딕코딩" panose="020D0009000000000000" pitchFamily="49" charset="-127"/>
+                <a:ea typeface="나눔고딕코딩" panose="020D0009000000000000" pitchFamily="49" charset="-127"/>
+              </a:rPr>
+              <a:t>이제 백라이트 앱을 테스트 하기 위해 </a:t>
+            </a:r>
+            <a:r>
+              <a:rPr lang="en-US" altLang="ko-KR" sz="2000" smtClean="0">
+                <a:latin typeface="나눔고딕코딩" panose="020D0009000000000000" pitchFamily="49" charset="-127"/>
+                <a:ea typeface="나눔고딕코딩" panose="020D0009000000000000" pitchFamily="49" charset="-127"/>
+              </a:rPr>
+              <a:t>backlight_service</a:t>
+            </a:r>
+            <a:r>
+              <a:rPr lang="ko-KR" altLang="en-US" sz="2000" smtClean="0">
+                <a:latin typeface="나눔고딕코딩" panose="020D0009000000000000" pitchFamily="49" charset="-127"/>
+                <a:ea typeface="나눔고딕코딩" panose="020D0009000000000000" pitchFamily="49" charset="-127"/>
+              </a:rPr>
+              <a:t>를 먼저 실행합니다</a:t>
+            </a:r>
+            <a:r>
+              <a:rPr lang="en-US" altLang="ko-KR" sz="2000" smtClean="0">
+                <a:latin typeface="나눔고딕코딩" panose="020D0009000000000000" pitchFamily="49" charset="-127"/>
+                <a:ea typeface="나눔고딕코딩" panose="020D0009000000000000" pitchFamily="49" charset="-127"/>
+              </a:rPr>
+              <a:t>.</a:t>
+            </a:r>
+          </a:p>
+          <a:p>
+            <a:endParaRPr lang="en-US" altLang="ko-KR" sz="2000">
+              <a:latin typeface="나눔고딕코딩" panose="020D0009000000000000" pitchFamily="49" charset="-127"/>
+              <a:ea typeface="나눔고딕코딩" panose="020D0009000000000000" pitchFamily="49" charset="-127"/>
+            </a:endParaRPr>
+          </a:p>
+          <a:p>
+            <a:r>
+              <a:rPr lang="en-US" altLang="ko-KR" sz="2000" smtClean="0">
+                <a:latin typeface="나눔고딕코딩" panose="020D0009000000000000" pitchFamily="49" charset="-127"/>
+                <a:ea typeface="나눔고딕코딩" panose="020D0009000000000000" pitchFamily="49" charset="-127"/>
+              </a:rPr>
+              <a:t># adb shell</a:t>
+            </a:r>
+          </a:p>
+          <a:p>
+            <a:r>
+              <a:rPr lang="en-US" altLang="ko-KR" sz="2000" smtClean="0">
+                <a:latin typeface="나눔고딕코딩" panose="020D0009000000000000" pitchFamily="49" charset="-127"/>
+                <a:ea typeface="나눔고딕코딩" panose="020D0009000000000000" pitchFamily="49" charset="-127"/>
+              </a:rPr>
+              <a:t># cd data</a:t>
+            </a:r>
+          </a:p>
+          <a:p>
+            <a:r>
+              <a:rPr lang="en-US" altLang="ko-KR" sz="2000" smtClean="0">
+                <a:latin typeface="나눔고딕코딩" panose="020D0009000000000000" pitchFamily="49" charset="-127"/>
+                <a:ea typeface="나눔고딕코딩" panose="020D0009000000000000" pitchFamily="49" charset="-127"/>
+              </a:rPr>
+              <a:t># ./backlight_service </a:t>
+            </a:r>
+            <a:r>
+              <a:rPr lang="ko-KR" altLang="en-US" sz="2000" smtClean="0">
+                <a:latin typeface="나눔고딕코딩" panose="020D0009000000000000" pitchFamily="49" charset="-127"/>
+                <a:ea typeface="나눔고딕코딩" panose="020D0009000000000000" pitchFamily="49" charset="-127"/>
+              </a:rPr>
+              <a:t>또는 </a:t>
+            </a:r>
+            <a:r>
+              <a:rPr lang="en-US" altLang="ko-KR" sz="2000" smtClean="0">
+                <a:latin typeface="나눔고딕코딩" panose="020D0009000000000000" pitchFamily="49" charset="-127"/>
+                <a:ea typeface="나눔고딕코딩" panose="020D0009000000000000" pitchFamily="49" charset="-127"/>
+              </a:rPr>
+              <a:t>./backlight_service &amp; &lt;- </a:t>
+            </a:r>
+            <a:r>
+              <a:rPr lang="ko-KR" altLang="en-US" sz="2000" smtClean="0">
+                <a:latin typeface="나눔고딕코딩" panose="020D0009000000000000" pitchFamily="49" charset="-127"/>
+                <a:ea typeface="나눔고딕코딩" panose="020D0009000000000000" pitchFamily="49" charset="-127"/>
+              </a:rPr>
+              <a:t>백그라운드 구동</a:t>
+            </a:r>
+            <a:endParaRPr lang="en-US" altLang="ko-KR" sz="2000" smtClean="0">
+              <a:latin typeface="나눔고딕코딩" panose="020D0009000000000000" pitchFamily="49" charset="-127"/>
+              <a:ea typeface="나눔고딕코딩" panose="020D0009000000000000" pitchFamily="49" charset="-127"/>
+            </a:endParaRPr>
+          </a:p>
+          <a:p>
+            <a:endParaRPr lang="en-US" altLang="ko-KR" sz="2000">
+              <a:latin typeface="나눔고딕코딩" panose="020D0009000000000000" pitchFamily="49" charset="-127"/>
+              <a:ea typeface="나눔고딕코딩" panose="020D0009000000000000" pitchFamily="49" charset="-127"/>
+            </a:endParaRPr>
+          </a:p>
+          <a:p>
+            <a:r>
+              <a:rPr lang="ko-KR" altLang="en-US" sz="2000" smtClean="0">
+                <a:latin typeface="나눔고딕코딩" panose="020D0009000000000000" pitchFamily="49" charset="-127"/>
+                <a:ea typeface="나눔고딕코딩" panose="020D0009000000000000" pitchFamily="49" charset="-127"/>
+              </a:rPr>
+              <a:t>마지막으로 앱을 구동한다</a:t>
+            </a:r>
+            <a:r>
+              <a:rPr lang="en-US" altLang="ko-KR" sz="2000" smtClean="0">
+                <a:latin typeface="나눔고딕코딩" panose="020D0009000000000000" pitchFamily="49" charset="-127"/>
+                <a:ea typeface="나눔고딕코딩" panose="020D0009000000000000" pitchFamily="49" charset="-127"/>
+              </a:rPr>
+              <a:t>.</a:t>
+            </a:r>
+            <a:endParaRPr lang="ko-KR" altLang="en-US" sz="2000" smtClean="0">
+              <a:latin typeface="나눔고딕코딩" panose="020D0009000000000000" pitchFamily="49" charset="-127"/>
+              <a:ea typeface="나눔고딕코딩" panose="020D0009000000000000" pitchFamily="49" charset="-127"/>
+            </a:endParaRPr>
+          </a:p>
+        </p:txBody>
+      </p:sp>
+    </p:spTree>
+    <p:extLst>
+      <p:ext uri="{BB962C8B-B14F-4D97-AF65-F5344CB8AC3E}">
+        <p14:creationId xmlns:p14="http://schemas.microsoft.com/office/powerpoint/2010/main" val="735326346"/>
+      </p:ext>
+    </p:extLst>
+  </p:cSld>
+  <p:clrMapOvr>
+    <a:masterClrMapping/>
+  </p:clrMapOvr>
+</p:sld>
+</file>
+
+<file path=ppt/slides/slide7.xml><?xml version="1.0" encoding="utf-8"?>
+<p:sld xmlns:a="http://schemas.openxmlformats.org/drawingml/2006/main" xmlns:r="http://schemas.openxmlformats.org/officeDocument/2006/relationships" xmlns:p="http://schemas.openxmlformats.org/presentationml/2006/main">
+  <p:cSld>
+    <p:spTree>
+      <p:nvGrpSpPr>
+        <p:cNvPr id="1" name=""/>
+        <p:cNvGrpSpPr/>
+        <p:nvPr/>
+      </p:nvGrpSpPr>
+      <p:grpSpPr>
+        <a:xfrm>
+          <a:off x="0" y="0"/>
+          <a:ext cx="0" cy="0"/>
+          <a:chOff x="0" y="0"/>
+          <a:chExt cx="0" cy="0"/>
+        </a:xfrm>
+      </p:grpSpPr>
+      <p:sp>
+        <p:nvSpPr>
+          <p:cNvPr id="4" name="TextBox 3"/>
+          <p:cNvSpPr txBox="1"/>
+          <p:nvPr/>
+        </p:nvSpPr>
+        <p:spPr>
+          <a:xfrm>
+            <a:off x="351692" y="391886"/>
+            <a:ext cx="10828605" cy="1631216"/>
+          </a:xfrm>
+          <a:prstGeom prst="rect">
+            <a:avLst/>
+          </a:prstGeom>
+          <a:noFill/>
+        </p:spPr>
+        <p:txBody>
+          <a:bodyPr wrap="none" rtlCol="0">
+            <a:spAutoFit/>
+          </a:bodyPr>
+          <a:lstStyle/>
+          <a:p>
+            <a:r>
+              <a:rPr lang="en-US" altLang="ko-KR" sz="2000" smtClean="0">
+                <a:latin typeface="나눔고딕코딩" panose="020D0009000000000000" pitchFamily="49" charset="-127"/>
+                <a:ea typeface="나눔고딕코딩" panose="020D0009000000000000" pitchFamily="49" charset="-127"/>
+              </a:rPr>
+              <a:t>&lt; NativeActivity </a:t>
+            </a:r>
+            <a:r>
+              <a:rPr lang="ko-KR" altLang="en-US" sz="2000" smtClean="0">
+                <a:latin typeface="나눔고딕코딩" panose="020D0009000000000000" pitchFamily="49" charset="-127"/>
+                <a:ea typeface="나눔고딕코딩" panose="020D0009000000000000" pitchFamily="49" charset="-127"/>
+              </a:rPr>
+              <a:t>구현 </a:t>
+            </a:r>
+            <a:r>
+              <a:rPr lang="en-US" altLang="ko-KR" sz="2000" smtClean="0">
+                <a:latin typeface="나눔고딕코딩" panose="020D0009000000000000" pitchFamily="49" charset="-127"/>
+                <a:ea typeface="나눔고딕코딩" panose="020D0009000000000000" pitchFamily="49" charset="-127"/>
+              </a:rPr>
+              <a:t>&gt;</a:t>
+            </a:r>
+          </a:p>
+          <a:p>
+            <a:endParaRPr lang="en-US" altLang="ko-KR" sz="2000">
+              <a:latin typeface="나눔고딕코딩" panose="020D0009000000000000" pitchFamily="49" charset="-127"/>
+              <a:ea typeface="나눔고딕코딩" panose="020D0009000000000000" pitchFamily="49" charset="-127"/>
+            </a:endParaRPr>
+          </a:p>
+          <a:p>
+            <a:r>
+              <a:rPr lang="en-US" altLang="ko-KR" sz="2000" smtClean="0">
+                <a:latin typeface="나눔고딕코딩" panose="020D0009000000000000" pitchFamily="49" charset="-127"/>
+                <a:ea typeface="나눔고딕코딩" panose="020D0009000000000000" pitchFamily="49" charset="-127"/>
+              </a:rPr>
+              <a:t>1. </a:t>
+            </a:r>
+            <a:r>
+              <a:rPr lang="ko-KR" altLang="en-US" sz="2000" smtClean="0">
+                <a:latin typeface="나눔고딕코딩" panose="020D0009000000000000" pitchFamily="49" charset="-127"/>
+                <a:ea typeface="나눔고딕코딩" panose="020D0009000000000000" pitchFamily="49" charset="-127"/>
+              </a:rPr>
+              <a:t>보통의 안드로이드 앱 프로젝트를 생성합니다</a:t>
+            </a:r>
+            <a:r>
+              <a:rPr lang="en-US" altLang="ko-KR" sz="2000" smtClean="0">
+                <a:latin typeface="나눔고딕코딩" panose="020D0009000000000000" pitchFamily="49" charset="-127"/>
+                <a:ea typeface="나눔고딕코딩" panose="020D0009000000000000" pitchFamily="49" charset="-127"/>
+              </a:rPr>
+              <a:t>. </a:t>
+            </a:r>
+            <a:r>
+              <a:rPr lang="ko-KR" altLang="en-US" sz="2000" smtClean="0">
+                <a:latin typeface="나눔고딕코딩" panose="020D0009000000000000" pitchFamily="49" charset="-127"/>
+                <a:ea typeface="나눔고딕코딩" panose="020D0009000000000000" pitchFamily="49" charset="-127"/>
+              </a:rPr>
+              <a:t>이 때</a:t>
+            </a:r>
+            <a:r>
+              <a:rPr lang="en-US" altLang="ko-KR" sz="2000" smtClean="0">
+                <a:latin typeface="나눔고딕코딩" panose="020D0009000000000000" pitchFamily="49" charset="-127"/>
+                <a:ea typeface="나눔고딕코딩" panose="020D0009000000000000" pitchFamily="49" charset="-127"/>
+              </a:rPr>
+              <a:t>, </a:t>
+            </a:r>
+            <a:r>
+              <a:rPr lang="ko-KR" altLang="en-US" sz="2000" smtClean="0">
+                <a:latin typeface="나눔고딕코딩" panose="020D0009000000000000" pitchFamily="49" charset="-127"/>
+                <a:ea typeface="나눔고딕코딩" panose="020D0009000000000000" pitchFamily="49" charset="-127"/>
+              </a:rPr>
+              <a:t>액티비티는 추가하지 않습니다</a:t>
+            </a:r>
+            <a:r>
+              <a:rPr lang="en-US" altLang="ko-KR" sz="2000" smtClean="0">
+                <a:latin typeface="나눔고딕코딩" panose="020D0009000000000000" pitchFamily="49" charset="-127"/>
+                <a:ea typeface="나눔고딕코딩" panose="020D0009000000000000" pitchFamily="49" charset="-127"/>
+              </a:rPr>
+              <a:t>.</a:t>
+            </a:r>
+          </a:p>
+          <a:p>
+            <a:endParaRPr lang="en-US" altLang="ko-KR" sz="2000">
+              <a:latin typeface="나눔고딕코딩" panose="020D0009000000000000" pitchFamily="49" charset="-127"/>
+              <a:ea typeface="나눔고딕코딩" panose="020D0009000000000000" pitchFamily="49" charset="-127"/>
+            </a:endParaRPr>
+          </a:p>
+          <a:p>
+            <a:r>
+              <a:rPr lang="en-US" altLang="ko-KR" sz="2000" smtClean="0">
+                <a:latin typeface="나눔고딕코딩" panose="020D0009000000000000" pitchFamily="49" charset="-127"/>
+                <a:ea typeface="나눔고딕코딩" panose="020D0009000000000000" pitchFamily="49" charset="-127"/>
+              </a:rPr>
+              <a:t>2. </a:t>
+            </a:r>
+            <a:r>
+              <a:rPr lang="ko-KR" altLang="en-US" sz="2000" smtClean="0">
+                <a:latin typeface="나눔고딕코딩" panose="020D0009000000000000" pitchFamily="49" charset="-127"/>
+                <a:ea typeface="나눔고딕코딩" panose="020D0009000000000000" pitchFamily="49" charset="-127"/>
+              </a:rPr>
+              <a:t>프로젝트가 로딩되면 </a:t>
+            </a:r>
+            <a:r>
+              <a:rPr lang="en-US" altLang="ko-KR" sz="2000" smtClean="0">
+                <a:latin typeface="나눔고딕코딩" panose="020D0009000000000000" pitchFamily="49" charset="-127"/>
+                <a:ea typeface="나눔고딕코딩" panose="020D0009000000000000" pitchFamily="49" charset="-127"/>
+              </a:rPr>
+              <a:t>AndroidManifest.xml </a:t>
+            </a:r>
+            <a:r>
+              <a:rPr lang="ko-KR" altLang="en-US" sz="2000" smtClean="0">
+                <a:latin typeface="나눔고딕코딩" panose="020D0009000000000000" pitchFamily="49" charset="-127"/>
+                <a:ea typeface="나눔고딕코딩" panose="020D0009000000000000" pitchFamily="49" charset="-127"/>
+              </a:rPr>
+              <a:t>파일을 다음과 같이 수정합니다</a:t>
+            </a:r>
+            <a:r>
+              <a:rPr lang="en-US" altLang="ko-KR" sz="2000" smtClean="0">
+                <a:latin typeface="나눔고딕코딩" panose="020D0009000000000000" pitchFamily="49" charset="-127"/>
+                <a:ea typeface="나눔고딕코딩" panose="020D0009000000000000" pitchFamily="49" charset="-127"/>
+              </a:rPr>
+              <a:t>.</a:t>
+            </a:r>
+            <a:endParaRPr lang="ko-KR" altLang="en-US" sz="2000" smtClean="0">
+              <a:latin typeface="나눔고딕코딩" panose="020D0009000000000000" pitchFamily="49" charset="-127"/>
+              <a:ea typeface="나눔고딕코딩" panose="020D0009000000000000" pitchFamily="49" charset="-127"/>
+            </a:endParaRPr>
+          </a:p>
+        </p:txBody>
+      </p:sp>
+      <p:sp>
+        <p:nvSpPr>
+          <p:cNvPr id="5" name="TextBox 4"/>
+          <p:cNvSpPr txBox="1"/>
+          <p:nvPr/>
+        </p:nvSpPr>
+        <p:spPr>
+          <a:xfrm>
+            <a:off x="351692" y="2260879"/>
+            <a:ext cx="11341566" cy="5940088"/>
+          </a:xfrm>
+          <a:prstGeom prst="rect">
+            <a:avLst/>
+          </a:prstGeom>
+          <a:noFill/>
+          <a:ln>
+            <a:solidFill>
+              <a:schemeClr val="tx1"/>
+            </a:solidFill>
+          </a:ln>
+        </p:spPr>
+        <p:txBody>
+          <a:bodyPr wrap="none" rtlCol="0">
+            <a:spAutoFit/>
+          </a:bodyPr>
+          <a:lstStyle/>
+          <a:p>
+            <a:r>
+              <a:rPr lang="en-US" altLang="ko-KR" sz="2000" smtClean="0">
+                <a:latin typeface="나눔고딕코딩" panose="020D0009000000000000" pitchFamily="49" charset="-127"/>
+                <a:ea typeface="나눔고딕코딩" panose="020D0009000000000000" pitchFamily="49" charset="-127"/>
+              </a:rPr>
+              <a:t>&lt;manifest xmlns:android="http://schemas.android.com/apk/res/android"</a:t>
+            </a:r>
+          </a:p>
+          <a:p>
+            <a:r>
+              <a:rPr lang="en-US" altLang="ko-KR" sz="2000" smtClean="0">
+                <a:latin typeface="나눔고딕코딩" panose="020D0009000000000000" pitchFamily="49" charset="-127"/>
+                <a:ea typeface="나눔고딕코딩" panose="020D0009000000000000" pitchFamily="49" charset="-127"/>
+              </a:rPr>
+              <a:t>    package="com.example.nativeapp"&gt;</a:t>
+            </a:r>
+          </a:p>
+          <a:p>
+            <a:endParaRPr lang="en-US" altLang="ko-KR" sz="2000" smtClean="0">
+              <a:latin typeface="나눔고딕코딩" panose="020D0009000000000000" pitchFamily="49" charset="-127"/>
+              <a:ea typeface="나눔고딕코딩" panose="020D0009000000000000" pitchFamily="49" charset="-127"/>
+            </a:endParaRPr>
+          </a:p>
+          <a:p>
+            <a:r>
+              <a:rPr lang="en-US" altLang="ko-KR" sz="2000" smtClean="0">
+                <a:latin typeface="나눔고딕코딩" panose="020D0009000000000000" pitchFamily="49" charset="-127"/>
+                <a:ea typeface="나눔고딕코딩" panose="020D0009000000000000" pitchFamily="49" charset="-127"/>
+              </a:rPr>
+              <a:t>    &lt;application</a:t>
+            </a:r>
+          </a:p>
+          <a:p>
+            <a:r>
+              <a:rPr lang="en-US" altLang="ko-KR" sz="2000" smtClean="0">
+                <a:latin typeface="나눔고딕코딩" panose="020D0009000000000000" pitchFamily="49" charset="-127"/>
+                <a:ea typeface="나눔고딕코딩" panose="020D0009000000000000" pitchFamily="49" charset="-127"/>
+              </a:rPr>
+              <a:t>        android:allowBackup="true"</a:t>
+            </a:r>
+          </a:p>
+          <a:p>
+            <a:r>
+              <a:rPr lang="en-US" altLang="ko-KR" sz="2000" smtClean="0">
+                <a:latin typeface="나눔고딕코딩" panose="020D0009000000000000" pitchFamily="49" charset="-127"/>
+                <a:ea typeface="나눔고딕코딩" panose="020D0009000000000000" pitchFamily="49" charset="-127"/>
+              </a:rPr>
+              <a:t>        android:label="@string/app_name"</a:t>
+            </a:r>
+          </a:p>
+          <a:p>
+            <a:r>
+              <a:rPr lang="en-US" altLang="ko-KR" sz="2000" smtClean="0">
+                <a:latin typeface="나눔고딕코딩" panose="020D0009000000000000" pitchFamily="49" charset="-127"/>
+                <a:ea typeface="나눔고딕코딩" panose="020D0009000000000000" pitchFamily="49" charset="-127"/>
+              </a:rPr>
+              <a:t>        android:icon="@mipmap/ic_launcher"</a:t>
+            </a:r>
+          </a:p>
+          <a:p>
+            <a:r>
+              <a:rPr lang="en-US" altLang="ko-KR" sz="2000" smtClean="0">
+                <a:latin typeface="나눔고딕코딩" panose="020D0009000000000000" pitchFamily="49" charset="-127"/>
+                <a:ea typeface="나눔고딕코딩" panose="020D0009000000000000" pitchFamily="49" charset="-127"/>
+              </a:rPr>
+              <a:t>        android:theme="@style/AppTheme"&gt;</a:t>
+            </a:r>
+          </a:p>
+          <a:p>
+            <a:endParaRPr lang="en-US" altLang="ko-KR" sz="2000" smtClean="0">
+              <a:latin typeface="나눔고딕코딩" panose="020D0009000000000000" pitchFamily="49" charset="-127"/>
+              <a:ea typeface="나눔고딕코딩" panose="020D0009000000000000" pitchFamily="49" charset="-127"/>
+            </a:endParaRPr>
+          </a:p>
+          <a:p>
+            <a:r>
+              <a:rPr lang="en-US" altLang="ko-KR" sz="2000" smtClean="0">
+                <a:solidFill>
+                  <a:srgbClr val="FF0000"/>
+                </a:solidFill>
+                <a:latin typeface="나눔고딕코딩" panose="020D0009000000000000" pitchFamily="49" charset="-127"/>
+                <a:ea typeface="나눔고딕코딩" panose="020D0009000000000000" pitchFamily="49" charset="-127"/>
+              </a:rPr>
+              <a:t>        &lt;activity android:name="android.app.NativeActivity" &gt;</a:t>
+            </a:r>
+          </a:p>
+          <a:p>
+            <a:r>
+              <a:rPr lang="en-US" altLang="ko-KR" sz="2000" smtClean="0">
+                <a:solidFill>
+                  <a:srgbClr val="FF0000"/>
+                </a:solidFill>
+                <a:latin typeface="나눔고딕코딩" panose="020D0009000000000000" pitchFamily="49" charset="-127"/>
+                <a:ea typeface="나눔고딕코딩" panose="020D0009000000000000" pitchFamily="49" charset="-127"/>
+              </a:rPr>
+              <a:t>            &lt;meta-data android:name="android.app.lib_name" android:value="nativeapp" /&gt;</a:t>
+            </a:r>
+          </a:p>
+          <a:p>
+            <a:r>
+              <a:rPr lang="en-US" altLang="ko-KR" sz="2000" smtClean="0">
+                <a:solidFill>
+                  <a:srgbClr val="FF0000"/>
+                </a:solidFill>
+                <a:latin typeface="나눔고딕코딩" panose="020D0009000000000000" pitchFamily="49" charset="-127"/>
+                <a:ea typeface="나눔고딕코딩" panose="020D0009000000000000" pitchFamily="49" charset="-127"/>
+              </a:rPr>
+              <a:t>            &lt;intent-filter&gt;</a:t>
+            </a:r>
+          </a:p>
+          <a:p>
+            <a:r>
+              <a:rPr lang="en-US" altLang="ko-KR" sz="2000" smtClean="0">
+                <a:solidFill>
+                  <a:srgbClr val="FF0000"/>
+                </a:solidFill>
+                <a:latin typeface="나눔고딕코딩" panose="020D0009000000000000" pitchFamily="49" charset="-127"/>
+                <a:ea typeface="나눔고딕코딩" panose="020D0009000000000000" pitchFamily="49" charset="-127"/>
+              </a:rPr>
+              <a:t>                &lt;action android:name="android.intent.action.MAIN"/&gt;</a:t>
+            </a:r>
+          </a:p>
+          <a:p>
+            <a:r>
+              <a:rPr lang="en-US" altLang="ko-KR" sz="2000" smtClean="0">
+                <a:solidFill>
+                  <a:srgbClr val="FF0000"/>
+                </a:solidFill>
+                <a:latin typeface="나눔고딕코딩" panose="020D0009000000000000" pitchFamily="49" charset="-127"/>
+                <a:ea typeface="나눔고딕코딩" panose="020D0009000000000000" pitchFamily="49" charset="-127"/>
+              </a:rPr>
+              <a:t>                &lt;category android:name="android.intent.category.LAUNCHER"/&gt;</a:t>
+            </a:r>
+          </a:p>
+          <a:p>
+            <a:r>
+              <a:rPr lang="en-US" altLang="ko-KR" sz="2000" smtClean="0">
+                <a:solidFill>
+                  <a:srgbClr val="FF0000"/>
+                </a:solidFill>
+                <a:latin typeface="나눔고딕코딩" panose="020D0009000000000000" pitchFamily="49" charset="-127"/>
+                <a:ea typeface="나눔고딕코딩" panose="020D0009000000000000" pitchFamily="49" charset="-127"/>
+              </a:rPr>
+              <a:t>            &lt;/intent-filter&gt;</a:t>
+            </a:r>
+          </a:p>
+          <a:p>
+            <a:r>
+              <a:rPr lang="en-US" altLang="ko-KR" sz="2000" smtClean="0">
+                <a:solidFill>
+                  <a:srgbClr val="FF0000"/>
+                </a:solidFill>
+                <a:latin typeface="나눔고딕코딩" panose="020D0009000000000000" pitchFamily="49" charset="-127"/>
+                <a:ea typeface="나눔고딕코딩" panose="020D0009000000000000" pitchFamily="49" charset="-127"/>
+              </a:rPr>
+              <a:t>        &lt;/activity&gt;</a:t>
+            </a:r>
+          </a:p>
+          <a:p>
+            <a:endParaRPr lang="en-US" altLang="ko-KR" sz="2000" smtClean="0">
+              <a:latin typeface="나눔고딕코딩" panose="020D0009000000000000" pitchFamily="49" charset="-127"/>
+              <a:ea typeface="나눔고딕코딩" panose="020D0009000000000000" pitchFamily="49" charset="-127"/>
+            </a:endParaRPr>
+          </a:p>
+          <a:p>
+            <a:r>
+              <a:rPr lang="en-US" altLang="ko-KR" sz="2000" smtClean="0">
+                <a:latin typeface="나눔고딕코딩" panose="020D0009000000000000" pitchFamily="49" charset="-127"/>
+                <a:ea typeface="나눔고딕코딩" panose="020D0009000000000000" pitchFamily="49" charset="-127"/>
+              </a:rPr>
+              <a:t>    &lt;/application&gt;</a:t>
+            </a:r>
+          </a:p>
+          <a:p>
+            <a:r>
+              <a:rPr lang="en-US" altLang="ko-KR" sz="2000" smtClean="0">
+                <a:latin typeface="나눔고딕코딩" panose="020D0009000000000000" pitchFamily="49" charset="-127"/>
+                <a:ea typeface="나눔고딕코딩" panose="020D0009000000000000" pitchFamily="49" charset="-127"/>
+              </a:rPr>
+              <a:t>&lt;/manifest&gt;</a:t>
+            </a:r>
+            <a:endParaRPr lang="ko-KR" altLang="en-US" sz="2000" smtClean="0">
+              <a:latin typeface="나눔고딕코딩" panose="020D0009000000000000" pitchFamily="49" charset="-127"/>
+              <a:ea typeface="나눔고딕코딩" panose="020D0009000000000000" pitchFamily="49" charset="-127"/>
+            </a:endParaRPr>
+          </a:p>
+        </p:txBody>
+      </p:sp>
+    </p:spTree>
+    <p:extLst>
+      <p:ext uri="{BB962C8B-B14F-4D97-AF65-F5344CB8AC3E}">
+        <p14:creationId xmlns:p14="http://schemas.microsoft.com/office/powerpoint/2010/main" val="4182529068"/>
+      </p:ext>
+    </p:extLst>
+  </p:cSld>
+  <p:clrMapOvr>
+    <a:masterClrMapping/>
+  </p:clrMapOvr>
+</p:sld>
+</file>
+
+<file path=ppt/slides/slide8.xml><?xml version="1.0" encoding="utf-8"?>
+<p:sld xmlns:a="http://schemas.openxmlformats.org/drawingml/2006/main" xmlns:r="http://schemas.openxmlformats.org/officeDocument/2006/relationships" xmlns:p="http://schemas.openxmlformats.org/presentationml/2006/main">
+  <p:cSld>
+    <p:spTree>
+      <p:nvGrpSpPr>
+        <p:cNvPr id="1" name=""/>
+        <p:cNvGrpSpPr/>
+        <p:nvPr/>
+      </p:nvGrpSpPr>
+      <p:grpSpPr>
+        <a:xfrm>
+          <a:off x="0" y="0"/>
+          <a:ext cx="0" cy="0"/>
+          <a:chOff x="0" y="0"/>
+          <a:chExt cx="0" cy="0"/>
+        </a:xfrm>
+      </p:grpSpPr>
+      <p:sp>
+        <p:nvSpPr>
+          <p:cNvPr id="4" name="TextBox 3"/>
+          <p:cNvSpPr txBox="1"/>
+          <p:nvPr/>
+        </p:nvSpPr>
+        <p:spPr>
+          <a:xfrm>
+            <a:off x="261257" y="301451"/>
+            <a:ext cx="13111282" cy="1015663"/>
+          </a:xfrm>
+          <a:prstGeom prst="rect">
+            <a:avLst/>
+          </a:prstGeom>
+          <a:noFill/>
+        </p:spPr>
+        <p:txBody>
+          <a:bodyPr wrap="none" rtlCol="0">
+            <a:spAutoFit/>
+          </a:bodyPr>
+          <a:lstStyle/>
+          <a:p>
+            <a:r>
+              <a:rPr lang="en-US" altLang="ko-KR" sz="2000" smtClean="0">
+                <a:solidFill>
+                  <a:srgbClr val="FF0000"/>
+                </a:solidFill>
+                <a:latin typeface="나눔고딕코딩" panose="020D0009000000000000" pitchFamily="49" charset="-127"/>
+                <a:ea typeface="나눔고딕코딩" panose="020D0009000000000000" pitchFamily="49" charset="-127"/>
+              </a:rPr>
+              <a:t>&lt;activity android:name="android.app.NativeActivity"&gt; // Activity</a:t>
+            </a:r>
+            <a:r>
+              <a:rPr lang="ko-KR" altLang="en-US" sz="2000" smtClean="0">
+                <a:solidFill>
+                  <a:srgbClr val="FF0000"/>
+                </a:solidFill>
+                <a:latin typeface="나눔고딕코딩" panose="020D0009000000000000" pitchFamily="49" charset="-127"/>
+                <a:ea typeface="나눔고딕코딩" panose="020D0009000000000000" pitchFamily="49" charset="-127"/>
+              </a:rPr>
+              <a:t>는 </a:t>
+            </a:r>
+            <a:r>
+              <a:rPr lang="en-US" altLang="ko-KR" sz="2000" smtClean="0">
+                <a:solidFill>
+                  <a:srgbClr val="FF0000"/>
+                </a:solidFill>
+                <a:latin typeface="나눔고딕코딩" panose="020D0009000000000000" pitchFamily="49" charset="-127"/>
+                <a:ea typeface="나눔고딕코딩" panose="020D0009000000000000" pitchFamily="49" charset="-127"/>
+              </a:rPr>
+              <a:t>NativeActivity</a:t>
+            </a:r>
+            <a:r>
+              <a:rPr lang="ko-KR" altLang="en-US" sz="2000" smtClean="0">
+                <a:solidFill>
+                  <a:srgbClr val="FF0000"/>
+                </a:solidFill>
+                <a:latin typeface="나눔고딕코딩" panose="020D0009000000000000" pitchFamily="49" charset="-127"/>
+                <a:ea typeface="나눔고딕코딩" panose="020D0009000000000000" pitchFamily="49" charset="-127"/>
+              </a:rPr>
+              <a:t>를 사용하겠다</a:t>
+            </a:r>
+            <a:endParaRPr lang="en-US" altLang="ko-KR" sz="2000" smtClean="0">
+              <a:solidFill>
+                <a:srgbClr val="FF0000"/>
+              </a:solidFill>
+              <a:latin typeface="나눔고딕코딩" panose="020D0009000000000000" pitchFamily="49" charset="-127"/>
+              <a:ea typeface="나눔고딕코딩" panose="020D0009000000000000" pitchFamily="49" charset="-127"/>
+            </a:endParaRPr>
+          </a:p>
+          <a:p>
+            <a:r>
+              <a:rPr lang="en-US" altLang="ko-KR" sz="2000" smtClean="0">
+                <a:solidFill>
+                  <a:srgbClr val="FF0000"/>
+                </a:solidFill>
+                <a:latin typeface="나눔고딕코딩" panose="020D0009000000000000" pitchFamily="49" charset="-127"/>
+                <a:ea typeface="나눔고딕코딩" panose="020D0009000000000000" pitchFamily="49" charset="-127"/>
+              </a:rPr>
+              <a:t>&lt;meta-data android:name="android.app.lib_name" android:value="nativeapp" /&gt; // </a:t>
+            </a:r>
+            <a:r>
+              <a:rPr lang="ko-KR" altLang="en-US" sz="2000" smtClean="0">
+                <a:solidFill>
+                  <a:srgbClr val="FF0000"/>
+                </a:solidFill>
+                <a:latin typeface="나눔고딕코딩" panose="020D0009000000000000" pitchFamily="49" charset="-127"/>
+                <a:ea typeface="나눔고딕코딩" panose="020D0009000000000000" pitchFamily="49" charset="-127"/>
+              </a:rPr>
+              <a:t>공유 라이브러리는 </a:t>
+            </a:r>
+            <a:endParaRPr lang="en-US" altLang="ko-KR" sz="2000" smtClean="0">
+              <a:solidFill>
+                <a:srgbClr val="FF0000"/>
+              </a:solidFill>
+              <a:latin typeface="나눔고딕코딩" panose="020D0009000000000000" pitchFamily="49" charset="-127"/>
+              <a:ea typeface="나눔고딕코딩" panose="020D0009000000000000" pitchFamily="49" charset="-127"/>
+            </a:endParaRPr>
+          </a:p>
+          <a:p>
+            <a:r>
+              <a:rPr lang="en-US" altLang="ko-KR" sz="2000" smtClean="0">
+                <a:solidFill>
+                  <a:srgbClr val="FF0000"/>
+                </a:solidFill>
+                <a:latin typeface="나눔고딕코딩" panose="020D0009000000000000" pitchFamily="49" charset="-127"/>
+                <a:ea typeface="나눔고딕코딩" panose="020D0009000000000000" pitchFamily="49" charset="-127"/>
+              </a:rPr>
+              <a:t>&lt;/activity&gt;									    // nativeapp </a:t>
+            </a:r>
+            <a:r>
+              <a:rPr lang="ko-KR" altLang="en-US" sz="2000" smtClean="0">
+                <a:solidFill>
+                  <a:srgbClr val="FF0000"/>
+                </a:solidFill>
+                <a:latin typeface="나눔고딕코딩" panose="020D0009000000000000" pitchFamily="49" charset="-127"/>
+                <a:ea typeface="나눔고딕코딩" panose="020D0009000000000000" pitchFamily="49" charset="-127"/>
+              </a:rPr>
+              <a:t>을 사용</a:t>
+            </a:r>
+            <a:r>
+              <a:rPr lang="en-US" altLang="ko-KR" sz="2000" smtClean="0">
+                <a:solidFill>
+                  <a:srgbClr val="FF0000"/>
+                </a:solidFill>
+                <a:latin typeface="나눔고딕코딩" panose="020D0009000000000000" pitchFamily="49" charset="-127"/>
+                <a:ea typeface="나눔고딕코딩" panose="020D0009000000000000" pitchFamily="49" charset="-127"/>
+              </a:rPr>
+              <a:t>	</a:t>
+            </a:r>
+            <a:endParaRPr lang="ko-KR" altLang="en-US" sz="2000" smtClean="0">
+              <a:latin typeface="나눔고딕코딩" panose="020D0009000000000000" pitchFamily="49" charset="-127"/>
+              <a:ea typeface="나눔고딕코딩" panose="020D0009000000000000" pitchFamily="49" charset="-127"/>
+            </a:endParaRPr>
+          </a:p>
+        </p:txBody>
+      </p:sp>
+      <p:sp>
+        <p:nvSpPr>
+          <p:cNvPr id="5" name="TextBox 4"/>
+          <p:cNvSpPr txBox="1"/>
+          <p:nvPr/>
+        </p:nvSpPr>
+        <p:spPr>
+          <a:xfrm>
+            <a:off x="291402" y="1748413"/>
+            <a:ext cx="9417963" cy="1631216"/>
+          </a:xfrm>
+          <a:prstGeom prst="rect">
+            <a:avLst/>
+          </a:prstGeom>
+          <a:noFill/>
+        </p:spPr>
+        <p:txBody>
+          <a:bodyPr wrap="none" rtlCol="0">
+            <a:spAutoFit/>
+          </a:bodyPr>
+          <a:lstStyle/>
+          <a:p>
+            <a:r>
+              <a:rPr lang="en-US" altLang="ko-KR" sz="2000" smtClean="0">
+                <a:latin typeface="나눔고딕코딩" panose="020D0009000000000000" pitchFamily="49" charset="-127"/>
+                <a:ea typeface="나눔고딕코딩" panose="020D0009000000000000" pitchFamily="49" charset="-127"/>
+              </a:rPr>
+              <a:t>3. </a:t>
+            </a:r>
+            <a:r>
+              <a:rPr lang="ko-KR" altLang="en-US" sz="2000" smtClean="0">
+                <a:latin typeface="나눔고딕코딩" panose="020D0009000000000000" pitchFamily="49" charset="-127"/>
+                <a:ea typeface="나눔고딕코딩" panose="020D0009000000000000" pitchFamily="49" charset="-127"/>
+              </a:rPr>
+              <a:t>네이티브 코드를 작성합니다</a:t>
+            </a:r>
+            <a:r>
+              <a:rPr lang="en-US" altLang="ko-KR" sz="2000" smtClean="0">
+                <a:latin typeface="나눔고딕코딩" panose="020D0009000000000000" pitchFamily="49" charset="-127"/>
+                <a:ea typeface="나눔고딕코딩" panose="020D0009000000000000" pitchFamily="49" charset="-127"/>
+              </a:rPr>
+              <a:t>.</a:t>
+            </a:r>
+          </a:p>
+          <a:p>
+            <a:r>
+              <a:rPr lang="en-US" altLang="ko-KR" sz="2000" smtClean="0">
+                <a:latin typeface="나눔고딕코딩" panose="020D0009000000000000" pitchFamily="49" charset="-127"/>
+                <a:ea typeface="나눔고딕코딩" panose="020D0009000000000000" pitchFamily="49" charset="-127"/>
+              </a:rPr>
+              <a:t>jni </a:t>
+            </a:r>
+            <a:r>
+              <a:rPr lang="ko-KR" altLang="en-US" sz="2000" smtClean="0">
+                <a:latin typeface="나눔고딕코딩" panose="020D0009000000000000" pitchFamily="49" charset="-127"/>
+                <a:ea typeface="나눔고딕코딩" panose="020D0009000000000000" pitchFamily="49" charset="-127"/>
+              </a:rPr>
+              <a:t>폴더를 생성하는 것과 동일하게 생성합니다</a:t>
+            </a:r>
+            <a:r>
+              <a:rPr lang="en-US" altLang="ko-KR" sz="2000" smtClean="0">
+                <a:latin typeface="나눔고딕코딩" panose="020D0009000000000000" pitchFamily="49" charset="-127"/>
+                <a:ea typeface="나눔고딕코딩" panose="020D0009000000000000" pitchFamily="49" charset="-127"/>
+              </a:rPr>
+              <a:t>.</a:t>
+            </a:r>
+          </a:p>
+          <a:p>
+            <a:endParaRPr lang="en-US" altLang="ko-KR" sz="2000">
+              <a:latin typeface="나눔고딕코딩" panose="020D0009000000000000" pitchFamily="49" charset="-127"/>
+              <a:ea typeface="나눔고딕코딩" panose="020D0009000000000000" pitchFamily="49" charset="-127"/>
+            </a:endParaRPr>
+          </a:p>
+          <a:p>
+            <a:r>
+              <a:rPr lang="en-US" altLang="ko-KR" sz="2000" smtClean="0">
+                <a:latin typeface="나눔고딕코딩" panose="020D0009000000000000" pitchFamily="49" charset="-127"/>
+                <a:ea typeface="나눔고딕코딩" panose="020D0009000000000000" pitchFamily="49" charset="-127"/>
+              </a:rPr>
+              <a:t>jni </a:t>
+            </a:r>
+            <a:r>
+              <a:rPr lang="ko-KR" altLang="en-US" sz="2000" smtClean="0">
+                <a:latin typeface="나눔고딕코딩" panose="020D0009000000000000" pitchFamily="49" charset="-127"/>
+                <a:ea typeface="나눔고딕코딩" panose="020D0009000000000000" pitchFamily="49" charset="-127"/>
+              </a:rPr>
+              <a:t>폴더 안에 소스 코드를 생성합니다</a:t>
+            </a:r>
+            <a:r>
+              <a:rPr lang="en-US" altLang="ko-KR" sz="2000" smtClean="0">
+                <a:latin typeface="나눔고딕코딩" panose="020D0009000000000000" pitchFamily="49" charset="-127"/>
+                <a:ea typeface="나눔고딕코딩" panose="020D0009000000000000" pitchFamily="49" charset="-127"/>
+              </a:rPr>
+              <a:t>. </a:t>
+            </a:r>
+            <a:r>
+              <a:rPr lang="ko-KR" altLang="en-US" sz="2000" smtClean="0">
+                <a:latin typeface="나눔고딕코딩" panose="020D0009000000000000" pitchFamily="49" charset="-127"/>
+                <a:ea typeface="나눔고딕코딩" panose="020D0009000000000000" pitchFamily="49" charset="-127"/>
+              </a:rPr>
+              <a:t>파일명의 이름은 임의로 작성합니다</a:t>
+            </a:r>
+            <a:r>
+              <a:rPr lang="en-US" altLang="ko-KR" sz="2000" smtClean="0">
+                <a:latin typeface="나눔고딕코딩" panose="020D0009000000000000" pitchFamily="49" charset="-127"/>
+                <a:ea typeface="나눔고딕코딩" panose="020D0009000000000000" pitchFamily="49" charset="-127"/>
+              </a:rPr>
+              <a:t>.</a:t>
+            </a:r>
+          </a:p>
+          <a:p>
+            <a:r>
+              <a:rPr lang="ko-KR" altLang="en-US" sz="2000" smtClean="0">
+                <a:latin typeface="나눔고딕코딩" panose="020D0009000000000000" pitchFamily="49" charset="-127"/>
+                <a:ea typeface="나눔고딕코딩" panose="020D0009000000000000" pitchFamily="49" charset="-127"/>
+              </a:rPr>
+              <a:t>여기에서는 </a:t>
+            </a:r>
+            <a:r>
+              <a:rPr lang="en-US" altLang="ko-KR" sz="2000" smtClean="0">
+                <a:latin typeface="나눔고딕코딩" panose="020D0009000000000000" pitchFamily="49" charset="-127"/>
+                <a:ea typeface="나눔고딕코딩" panose="020D0009000000000000" pitchFamily="49" charset="-127"/>
+              </a:rPr>
+              <a:t>main.c</a:t>
+            </a:r>
+            <a:r>
+              <a:rPr lang="ko-KR" altLang="en-US" sz="2000" smtClean="0">
+                <a:latin typeface="나눔고딕코딩" panose="020D0009000000000000" pitchFamily="49" charset="-127"/>
+                <a:ea typeface="나눔고딕코딩" panose="020D0009000000000000" pitchFamily="49" charset="-127"/>
+              </a:rPr>
+              <a:t>로 합니다</a:t>
+            </a:r>
+            <a:r>
+              <a:rPr lang="en-US" altLang="ko-KR" sz="2000" smtClean="0">
+                <a:latin typeface="나눔고딕코딩" panose="020D0009000000000000" pitchFamily="49" charset="-127"/>
+                <a:ea typeface="나눔고딕코딩" panose="020D0009000000000000" pitchFamily="49" charset="-127"/>
+              </a:rPr>
+              <a:t>.</a:t>
+            </a:r>
+            <a:endParaRPr lang="ko-KR" altLang="en-US" sz="2000" smtClean="0">
+              <a:latin typeface="나눔고딕코딩" panose="020D0009000000000000" pitchFamily="49" charset="-127"/>
+              <a:ea typeface="나눔고딕코딩" panose="020D0009000000000000" pitchFamily="49" charset="-127"/>
+            </a:endParaRPr>
+          </a:p>
+        </p:txBody>
+      </p:sp>
+    </p:spTree>
+    <p:extLst>
+      <p:ext uri="{BB962C8B-B14F-4D97-AF65-F5344CB8AC3E}">
+        <p14:creationId xmlns:p14="http://schemas.microsoft.com/office/powerpoint/2010/main" val="266302860"/>
+      </p:ext>
+    </p:extLst>
+  </p:cSld>
+  <p:clrMapOvr>
+    <a:masterClrMapping/>
+  </p:clrMapOvr>
+</p:sld>
+</file>
+
+<file path=ppt/slides/slide9.xml><?xml version="1.0" encoding="utf-8"?>
+<p:sld xmlns:a="http://schemas.openxmlformats.org/drawingml/2006/main" xmlns:r="http://schemas.openxmlformats.org/officeDocument/2006/relationships" xmlns:p="http://schemas.openxmlformats.org/presentationml/2006/main">
+  <p:cSld>
+    <p:spTree>
+      <p:nvGrpSpPr>
+        <p:cNvPr id="1" name=""/>
+        <p:cNvGrpSpPr/>
+        <p:nvPr/>
+      </p:nvGrpSpPr>
+      <p:grpSpPr>
+        <a:xfrm>
+          <a:off x="0" y="0"/>
+          <a:ext cx="0" cy="0"/>
+          <a:chOff x="0" y="0"/>
+          <a:chExt cx="0" cy="0"/>
+        </a:xfrm>
+      </p:grpSpPr>
+      <p:sp>
+        <p:nvSpPr>
+          <p:cNvPr id="4" name="TextBox 3"/>
+          <p:cNvSpPr txBox="1"/>
+          <p:nvPr/>
+        </p:nvSpPr>
+        <p:spPr>
+          <a:xfrm>
+            <a:off x="226142" y="285135"/>
+            <a:ext cx="5570756" cy="707886"/>
+          </a:xfrm>
+          <a:prstGeom prst="rect">
+            <a:avLst/>
+          </a:prstGeom>
+          <a:noFill/>
+        </p:spPr>
+        <p:txBody>
+          <a:bodyPr wrap="none" rtlCol="0">
+            <a:spAutoFit/>
+          </a:bodyPr>
+          <a:lstStyle/>
+          <a:p>
+            <a:r>
+              <a:rPr lang="en-US" altLang="ko-KR" sz="2000" smtClean="0">
+                <a:latin typeface="나눔고딕코딩" panose="020D0009000000000000" pitchFamily="49" charset="-127"/>
+                <a:ea typeface="나눔고딕코딩" panose="020D0009000000000000" pitchFamily="49" charset="-127"/>
+              </a:rPr>
+              <a:t>4. </a:t>
+            </a:r>
+            <a:r>
+              <a:rPr lang="ko-KR" altLang="en-US" sz="2000" smtClean="0">
+                <a:latin typeface="나눔고딕코딩" panose="020D0009000000000000" pitchFamily="49" charset="-127"/>
+                <a:ea typeface="나눔고딕코딩" panose="020D0009000000000000" pitchFamily="49" charset="-127"/>
+              </a:rPr>
+              <a:t>모듈에 대한 빌드 스크립트를 작성합니다</a:t>
+            </a:r>
+            <a:r>
+              <a:rPr lang="en-US" altLang="ko-KR" sz="2000" smtClean="0">
+                <a:latin typeface="나눔고딕코딩" panose="020D0009000000000000" pitchFamily="49" charset="-127"/>
+                <a:ea typeface="나눔고딕코딩" panose="020D0009000000000000" pitchFamily="49" charset="-127"/>
+              </a:rPr>
+              <a:t>.</a:t>
+            </a:r>
+          </a:p>
+          <a:p>
+            <a:endParaRPr lang="ko-KR" altLang="en-US" sz="2000" smtClean="0">
+              <a:latin typeface="나눔고딕코딩" panose="020D0009000000000000" pitchFamily="49" charset="-127"/>
+              <a:ea typeface="나눔고딕코딩" panose="020D0009000000000000" pitchFamily="49" charset="-127"/>
+            </a:endParaRPr>
+          </a:p>
+        </p:txBody>
+      </p:sp>
+      <p:sp>
+        <p:nvSpPr>
+          <p:cNvPr id="5" name="TextBox 4"/>
+          <p:cNvSpPr txBox="1"/>
+          <p:nvPr/>
+        </p:nvSpPr>
+        <p:spPr>
+          <a:xfrm>
+            <a:off x="304800" y="648873"/>
+            <a:ext cx="6981398" cy="8402300"/>
+          </a:xfrm>
+          <a:prstGeom prst="rect">
+            <a:avLst/>
+          </a:prstGeom>
+          <a:noFill/>
+          <a:ln>
+            <a:solidFill>
+              <a:schemeClr val="tx1"/>
+            </a:solidFill>
+          </a:ln>
+        </p:spPr>
+        <p:txBody>
+          <a:bodyPr wrap="none" rtlCol="0">
+            <a:spAutoFit/>
+          </a:bodyPr>
+          <a:lstStyle/>
+          <a:p>
+            <a:r>
+              <a:rPr lang="en-US" altLang="ko-KR" sz="2000" smtClean="0">
+                <a:latin typeface="나눔고딕코딩" panose="020D0009000000000000" pitchFamily="49" charset="-127"/>
+                <a:ea typeface="나눔고딕코딩" panose="020D0009000000000000" pitchFamily="49" charset="-127"/>
+              </a:rPr>
+              <a:t>apply plugin: 'com.android.application'</a:t>
+            </a:r>
+          </a:p>
+          <a:p>
+            <a:r>
+              <a:rPr lang="en-US" altLang="ko-KR" sz="2000" smtClean="0">
+                <a:latin typeface="나눔고딕코딩" panose="020D0009000000000000" pitchFamily="49" charset="-127"/>
+                <a:ea typeface="나눔고딕코딩" panose="020D0009000000000000" pitchFamily="49" charset="-127"/>
+              </a:rPr>
+              <a:t>android {</a:t>
+            </a:r>
+          </a:p>
+          <a:p>
+            <a:r>
+              <a:rPr lang="en-US" altLang="ko-KR" sz="2000" smtClean="0">
+                <a:latin typeface="나눔고딕코딩" panose="020D0009000000000000" pitchFamily="49" charset="-127"/>
+                <a:ea typeface="나눔고딕코딩" panose="020D0009000000000000" pitchFamily="49" charset="-127"/>
+              </a:rPr>
+              <a:t>    compileSdkVersion 22</a:t>
+            </a:r>
+          </a:p>
+          <a:p>
+            <a:r>
+              <a:rPr lang="en-US" altLang="ko-KR" sz="2000" smtClean="0">
+                <a:latin typeface="나눔고딕코딩" panose="020D0009000000000000" pitchFamily="49" charset="-127"/>
+                <a:ea typeface="나눔고딕코딩" panose="020D0009000000000000" pitchFamily="49" charset="-127"/>
+              </a:rPr>
+              <a:t>    buildToolsVersion "23.0.0 rc1"</a:t>
+            </a:r>
+          </a:p>
+          <a:p>
+            <a:endParaRPr lang="en-US" altLang="ko-KR" sz="2000" smtClean="0">
+              <a:latin typeface="나눔고딕코딩" panose="020D0009000000000000" pitchFamily="49" charset="-127"/>
+              <a:ea typeface="나눔고딕코딩" panose="020D0009000000000000" pitchFamily="49" charset="-127"/>
+            </a:endParaRPr>
+          </a:p>
+          <a:p>
+            <a:r>
+              <a:rPr lang="en-US" altLang="ko-KR" sz="2000" smtClean="0">
+                <a:latin typeface="나눔고딕코딩" panose="020D0009000000000000" pitchFamily="49" charset="-127"/>
+                <a:ea typeface="나눔고딕코딩" panose="020D0009000000000000" pitchFamily="49" charset="-127"/>
+              </a:rPr>
+              <a:t>    defaultConfig {</a:t>
+            </a:r>
+          </a:p>
+          <a:p>
+            <a:r>
+              <a:rPr lang="en-US" altLang="ko-KR" sz="2000" smtClean="0">
+                <a:latin typeface="나눔고딕코딩" panose="020D0009000000000000" pitchFamily="49" charset="-127"/>
+                <a:ea typeface="나눔고딕코딩" panose="020D0009000000000000" pitchFamily="49" charset="-127"/>
+              </a:rPr>
+              <a:t>        applicationId "com.example.nativeapp"</a:t>
+            </a:r>
+          </a:p>
+          <a:p>
+            <a:r>
+              <a:rPr lang="en-US" altLang="ko-KR" sz="2000" smtClean="0">
+                <a:latin typeface="나눔고딕코딩" panose="020D0009000000000000" pitchFamily="49" charset="-127"/>
+                <a:ea typeface="나눔고딕코딩" panose="020D0009000000000000" pitchFamily="49" charset="-127"/>
+              </a:rPr>
+              <a:t>        minSdkVersion 21</a:t>
+            </a:r>
+          </a:p>
+          <a:p>
+            <a:r>
+              <a:rPr lang="en-US" altLang="ko-KR" sz="2000" smtClean="0">
+                <a:latin typeface="나눔고딕코딩" panose="020D0009000000000000" pitchFamily="49" charset="-127"/>
+                <a:ea typeface="나눔고딕코딩" panose="020D0009000000000000" pitchFamily="49" charset="-127"/>
+              </a:rPr>
+              <a:t>        targetSdkVersion 22</a:t>
+            </a:r>
+          </a:p>
+          <a:p>
+            <a:r>
+              <a:rPr lang="en-US" altLang="ko-KR" sz="2000" smtClean="0">
+                <a:latin typeface="나눔고딕코딩" panose="020D0009000000000000" pitchFamily="49" charset="-127"/>
+                <a:ea typeface="나눔고딕코딩" panose="020D0009000000000000" pitchFamily="49" charset="-127"/>
+              </a:rPr>
+              <a:t>        versionCode 1</a:t>
+            </a:r>
+          </a:p>
+          <a:p>
+            <a:r>
+              <a:rPr lang="en-US" altLang="ko-KR" sz="2000" smtClean="0">
+                <a:latin typeface="나눔고딕코딩" panose="020D0009000000000000" pitchFamily="49" charset="-127"/>
+                <a:ea typeface="나눔고딕코딩" panose="020D0009000000000000" pitchFamily="49" charset="-127"/>
+              </a:rPr>
+              <a:t>        versionName "1.0"</a:t>
+            </a:r>
+          </a:p>
+          <a:p>
+            <a:endParaRPr lang="en-US" altLang="ko-KR" sz="2000" smtClean="0">
+              <a:latin typeface="나눔고딕코딩" panose="020D0009000000000000" pitchFamily="49" charset="-127"/>
+              <a:ea typeface="나눔고딕코딩" panose="020D0009000000000000" pitchFamily="49" charset="-127"/>
+            </a:endParaRPr>
+          </a:p>
+          <a:p>
+            <a:r>
+              <a:rPr lang="en-US" altLang="ko-KR" sz="2000" smtClean="0">
+                <a:latin typeface="나눔고딕코딩" panose="020D0009000000000000" pitchFamily="49" charset="-127"/>
+                <a:ea typeface="나눔고딕코딩" panose="020D0009000000000000" pitchFamily="49" charset="-127"/>
+              </a:rPr>
+              <a:t>        ndk {</a:t>
+            </a:r>
+          </a:p>
+          <a:p>
+            <a:r>
+              <a:rPr lang="en-US" altLang="ko-KR" sz="2000" smtClean="0">
+                <a:latin typeface="나눔고딕코딩" panose="020D0009000000000000" pitchFamily="49" charset="-127"/>
+                <a:ea typeface="나눔고딕코딩" panose="020D0009000000000000" pitchFamily="49" charset="-127"/>
+              </a:rPr>
+              <a:t>            moduleName "nativeapp"</a:t>
+            </a:r>
+          </a:p>
+          <a:p>
+            <a:r>
+              <a:rPr lang="en-US" altLang="ko-KR" sz="2000" smtClean="0">
+                <a:latin typeface="나눔고딕코딩" panose="020D0009000000000000" pitchFamily="49" charset="-127"/>
+                <a:ea typeface="나눔고딕코딩" panose="020D0009000000000000" pitchFamily="49" charset="-127"/>
+              </a:rPr>
+              <a:t>            abiFilters "arm64-v8a"</a:t>
+            </a:r>
+          </a:p>
+          <a:p>
+            <a:r>
+              <a:rPr lang="en-US" altLang="ko-KR" sz="2000" smtClean="0">
+                <a:latin typeface="나눔고딕코딩" panose="020D0009000000000000" pitchFamily="49" charset="-127"/>
+                <a:ea typeface="나눔고딕코딩" panose="020D0009000000000000" pitchFamily="49" charset="-127"/>
+              </a:rPr>
+              <a:t>            ldLibs "log", </a:t>
+            </a:r>
+            <a:r>
+              <a:rPr lang="en-US" altLang="ko-KR" sz="2000" smtClean="0">
+                <a:solidFill>
+                  <a:srgbClr val="FF0000"/>
+                </a:solidFill>
+                <a:latin typeface="나눔고딕코딩" panose="020D0009000000000000" pitchFamily="49" charset="-127"/>
+                <a:ea typeface="나눔고딕코딩" panose="020D0009000000000000" pitchFamily="49" charset="-127"/>
+              </a:rPr>
+              <a:t>"android"</a:t>
+            </a:r>
+          </a:p>
+          <a:p>
+            <a:r>
+              <a:rPr lang="en-US" altLang="ko-KR" sz="2000" smtClean="0">
+                <a:latin typeface="나눔고딕코딩" panose="020D0009000000000000" pitchFamily="49" charset="-127"/>
+                <a:ea typeface="나눔고딕코딩" panose="020D0009000000000000" pitchFamily="49" charset="-127"/>
+              </a:rPr>
+              <a:t>        }</a:t>
+            </a:r>
+          </a:p>
+          <a:p>
+            <a:endParaRPr lang="en-US" altLang="ko-KR" sz="2000" smtClean="0">
+              <a:latin typeface="나눔고딕코딩" panose="020D0009000000000000" pitchFamily="49" charset="-127"/>
+              <a:ea typeface="나눔고딕코딩" panose="020D0009000000000000" pitchFamily="49" charset="-127"/>
+            </a:endParaRPr>
+          </a:p>
+          <a:p>
+            <a:r>
+              <a:rPr lang="en-US" altLang="ko-KR" sz="2000" smtClean="0">
+                <a:latin typeface="나눔고딕코딩" panose="020D0009000000000000" pitchFamily="49" charset="-127"/>
+                <a:ea typeface="나눔고딕코딩" panose="020D0009000000000000" pitchFamily="49" charset="-127"/>
+              </a:rPr>
+              <a:t>    }</a:t>
+            </a:r>
+          </a:p>
+          <a:p>
+            <a:r>
+              <a:rPr lang="en-US" altLang="ko-KR" sz="2000" smtClean="0">
+                <a:latin typeface="나눔고딕코딩" panose="020D0009000000000000" pitchFamily="49" charset="-127"/>
+                <a:ea typeface="나눔고딕코딩" panose="020D0009000000000000" pitchFamily="49" charset="-127"/>
+              </a:rPr>
+              <a:t>    buildTypes { ... }</a:t>
+            </a:r>
+          </a:p>
+          <a:p>
+            <a:r>
+              <a:rPr lang="en-US" altLang="ko-KR" sz="2000" smtClean="0">
+                <a:latin typeface="나눔고딕코딩" panose="020D0009000000000000" pitchFamily="49" charset="-127"/>
+                <a:ea typeface="나눔고딕코딩" panose="020D0009000000000000" pitchFamily="49" charset="-127"/>
+              </a:rPr>
+              <a:t>}</a:t>
+            </a:r>
+          </a:p>
+          <a:p>
+            <a:endParaRPr lang="en-US" altLang="ko-KR" sz="2000" smtClean="0">
+              <a:latin typeface="나눔고딕코딩" panose="020D0009000000000000" pitchFamily="49" charset="-127"/>
+              <a:ea typeface="나눔고딕코딩" panose="020D0009000000000000" pitchFamily="49" charset="-127"/>
+            </a:endParaRPr>
+          </a:p>
+          <a:p>
+            <a:r>
+              <a:rPr lang="en-US" altLang="ko-KR" sz="2000" smtClean="0">
+                <a:latin typeface="나눔고딕코딩" panose="020D0009000000000000" pitchFamily="49" charset="-127"/>
+                <a:ea typeface="나눔고딕코딩" panose="020D0009000000000000" pitchFamily="49" charset="-127"/>
+              </a:rPr>
+              <a:t>dependencies {</a:t>
+            </a:r>
+          </a:p>
+          <a:p>
+            <a:r>
+              <a:rPr lang="en-US" altLang="ko-KR" sz="2000" smtClean="0">
+                <a:latin typeface="나눔고딕코딩" panose="020D0009000000000000" pitchFamily="49" charset="-127"/>
+                <a:ea typeface="나눔고딕코딩" panose="020D0009000000000000" pitchFamily="49" charset="-127"/>
+              </a:rPr>
+              <a:t>    compile fileTree(dir: 'libs', include: ['*.jar'])</a:t>
+            </a:r>
+          </a:p>
+          <a:p>
+            <a:r>
+              <a:rPr lang="en-US" altLang="ko-KR" sz="2000" smtClean="0">
+                <a:latin typeface="나눔고딕코딩" panose="020D0009000000000000" pitchFamily="49" charset="-127"/>
+                <a:ea typeface="나눔고딕코딩" panose="020D0009000000000000" pitchFamily="49" charset="-127"/>
+              </a:rPr>
+              <a:t>}</a:t>
+            </a:r>
+          </a:p>
+          <a:p>
+            <a:endParaRPr lang="ko-KR" altLang="en-US" sz="2000" smtClean="0">
+              <a:latin typeface="나눔고딕코딩" panose="020D0009000000000000" pitchFamily="49" charset="-127"/>
+              <a:ea typeface="나눔고딕코딩" panose="020D0009000000000000" pitchFamily="49" charset="-127"/>
+            </a:endParaRPr>
+          </a:p>
+        </p:txBody>
+      </p:sp>
+    </p:spTree>
+    <p:extLst>
+      <p:ext uri="{BB962C8B-B14F-4D97-AF65-F5344CB8AC3E}">
+        <p14:creationId xmlns:p14="http://schemas.microsoft.com/office/powerpoint/2010/main" val="357749589"/>
       </p:ext>
     </p:extLst>
   </p:cSld>
@@ -3235,10 +9104,18 @@
           <a:srgbClr val="FFFF00"/>
         </a:solidFill>
       </a:spPr>
-      <a:bodyPr rtlCol="0" anchor="ctr"/>
+      <a:bodyPr rot="0" spcFirstLastPara="0" vertOverflow="overflow" horzOverflow="overflow" vert="horz" wrap="square" lIns="91440" tIns="45720" rIns="91440" bIns="45720" numCol="1" spcCol="0" rtlCol="0" fromWordArt="0" anchor="ctr" anchorCtr="0" forceAA="0" compatLnSpc="1">
+        <a:prstTxWarp prst="textNoShape">
+          <a:avLst/>
+        </a:prstTxWarp>
+        <a:noAutofit/>
+      </a:bodyPr>
       <a:lstStyle>
         <a:defPPr algn="ctr">
           <a:defRPr sz="2000">
+            <a:solidFill>
+              <a:schemeClr val="tx1"/>
+            </a:solidFill>
             <a:latin typeface="나눔고딕코딩" panose="020D0009000000000000" pitchFamily="49" charset="-127"/>
             <a:ea typeface="나눔고딕코딩" panose="020D0009000000000000" pitchFamily="49" charset="-127"/>
           </a:defRPr>
